--- a/Сајбер безбедност соларних инвертера.pptx
+++ b/Сајбер безбедност соларних инвертера.pptx
@@ -9,6 +9,18 @@
     <p:sldId id="257" r:id="rId3"/>
     <p:sldId id="258" r:id="rId4"/>
     <p:sldId id="259" r:id="rId5"/>
+    <p:sldId id="260" r:id="rId6"/>
+    <p:sldId id="261" r:id="rId7"/>
+    <p:sldId id="262" r:id="rId8"/>
+    <p:sldId id="263" r:id="rId9"/>
+    <p:sldId id="264" r:id="rId10"/>
+    <p:sldId id="265" r:id="rId11"/>
+    <p:sldId id="266" r:id="rId12"/>
+    <p:sldId id="267" r:id="rId13"/>
+    <p:sldId id="268" r:id="rId14"/>
+    <p:sldId id="269" r:id="rId15"/>
+    <p:sldId id="270" r:id="rId16"/>
+    <p:sldId id="271" r:id="rId17"/>
   </p:sldIdLst>
   <p:sldSz cx="12192000" cy="6858000"/>
   <p:notesSz cx="6858000" cy="9144000"/>
@@ -107,6 +119,11 @@
       </a:defRPr>
     </a:lvl9pPr>
   </p:defaultTextStyle>
+  <p:extLst>
+    <p:ext uri="{EFAFB233-063F-42B5-8137-9DF3F51BA10A}">
+      <p15:sldGuideLst xmlns:p15="http://schemas.microsoft.com/office/powerpoint/2012/main"/>
+    </p:ext>
+  </p:extLst>
 </p:presentation>
 </file>
 
@@ -295,7 +312,7 @@
           <a:p>
             <a:fld id="{6EE416AE-20C6-4F4D-B06F-11CE44231EBA}" type="datetimeFigureOut">
               <a:rPr lang="en-US" smtClean="0"/>
-              <a:t>10/5/2024</a:t>
+              <a:t>10/8/2024</a:t>
             </a:fld>
             <a:endParaRPr lang="en-US"/>
           </a:p>
@@ -593,7 +610,7 @@
           <a:p>
             <a:fld id="{6EE416AE-20C6-4F4D-B06F-11CE44231EBA}" type="datetimeFigureOut">
               <a:rPr lang="en-US" smtClean="0"/>
-              <a:t>10/5/2024</a:t>
+              <a:t>10/8/2024</a:t>
             </a:fld>
             <a:endParaRPr lang="en-US"/>
           </a:p>
@@ -785,7 +802,7 @@
           <a:p>
             <a:fld id="{6EE416AE-20C6-4F4D-B06F-11CE44231EBA}" type="datetimeFigureOut">
               <a:rPr lang="en-US" smtClean="0"/>
-              <a:t>10/5/2024</a:t>
+              <a:t>10/8/2024</a:t>
             </a:fld>
             <a:endParaRPr lang="en-US"/>
           </a:p>
@@ -1046,7 +1063,7 @@
           <a:p>
             <a:fld id="{6EE416AE-20C6-4F4D-B06F-11CE44231EBA}" type="datetimeFigureOut">
               <a:rPr lang="en-US" smtClean="0"/>
-              <a:t>10/5/2024</a:t>
+              <a:t>10/8/2024</a:t>
             </a:fld>
             <a:endParaRPr lang="en-US"/>
           </a:p>
@@ -1470,7 +1487,7 @@
           <a:p>
             <a:fld id="{6EE416AE-20C6-4F4D-B06F-11CE44231EBA}" type="datetimeFigureOut">
               <a:rPr lang="en-US" smtClean="0"/>
-              <a:t>10/5/2024</a:t>
+              <a:t>10/8/2024</a:t>
             </a:fld>
             <a:endParaRPr lang="en-US"/>
           </a:p>
@@ -2007,7 +2024,7 @@
           <a:p>
             <a:fld id="{6EE416AE-20C6-4F4D-B06F-11CE44231EBA}" type="datetimeFigureOut">
               <a:rPr lang="en-US" smtClean="0"/>
-              <a:t>10/5/2024</a:t>
+              <a:t>10/8/2024</a:t>
             </a:fld>
             <a:endParaRPr lang="en-US"/>
           </a:p>
@@ -2871,7 +2888,7 @@
           <a:p>
             <a:fld id="{6EE416AE-20C6-4F4D-B06F-11CE44231EBA}" type="datetimeFigureOut">
               <a:rPr lang="en-US" smtClean="0"/>
-              <a:t>10/5/2024</a:t>
+              <a:t>10/8/2024</a:t>
             </a:fld>
             <a:endParaRPr lang="en-US"/>
           </a:p>
@@ -3041,7 +3058,7 @@
           <a:p>
             <a:fld id="{6EE416AE-20C6-4F4D-B06F-11CE44231EBA}" type="datetimeFigureOut">
               <a:rPr lang="en-US" smtClean="0"/>
-              <a:t>10/5/2024</a:t>
+              <a:t>10/8/2024</a:t>
             </a:fld>
             <a:endParaRPr lang="en-US"/>
           </a:p>
@@ -3225,7 +3242,7 @@
           <a:p>
             <a:fld id="{6EE416AE-20C6-4F4D-B06F-11CE44231EBA}" type="datetimeFigureOut">
               <a:rPr lang="en-US" smtClean="0"/>
-              <a:t>10/5/2024</a:t>
+              <a:t>10/8/2024</a:t>
             </a:fld>
             <a:endParaRPr lang="en-US"/>
           </a:p>
@@ -3395,7 +3412,7 @@
           <a:p>
             <a:fld id="{6EE416AE-20C6-4F4D-B06F-11CE44231EBA}" type="datetimeFigureOut">
               <a:rPr lang="en-US" smtClean="0"/>
-              <a:t>10/5/2024</a:t>
+              <a:t>10/8/2024</a:t>
             </a:fld>
             <a:endParaRPr lang="en-US"/>
           </a:p>
@@ -3639,7 +3656,7 @@
           <a:p>
             <a:fld id="{6EE416AE-20C6-4F4D-B06F-11CE44231EBA}" type="datetimeFigureOut">
               <a:rPr lang="en-US" smtClean="0"/>
-              <a:t>10/5/2024</a:t>
+              <a:t>10/8/2024</a:t>
             </a:fld>
             <a:endParaRPr lang="en-US"/>
           </a:p>
@@ -3875,7 +3892,7 @@
           <a:p>
             <a:fld id="{6EE416AE-20C6-4F4D-B06F-11CE44231EBA}" type="datetimeFigureOut">
               <a:rPr lang="en-US" smtClean="0"/>
-              <a:t>10/5/2024</a:t>
+              <a:t>10/8/2024</a:t>
             </a:fld>
             <a:endParaRPr lang="en-US"/>
           </a:p>
@@ -4341,7 +4358,7 @@
           <a:p>
             <a:fld id="{6EE416AE-20C6-4F4D-B06F-11CE44231EBA}" type="datetimeFigureOut">
               <a:rPr lang="en-US" smtClean="0"/>
-              <a:t>10/5/2024</a:t>
+              <a:t>10/8/2024</a:t>
             </a:fld>
             <a:endParaRPr lang="en-US"/>
           </a:p>
@@ -4459,7 +4476,7 @@
           <a:p>
             <a:fld id="{6EE416AE-20C6-4F4D-B06F-11CE44231EBA}" type="datetimeFigureOut">
               <a:rPr lang="en-US" smtClean="0"/>
-              <a:t>10/5/2024</a:t>
+              <a:t>10/8/2024</a:t>
             </a:fld>
             <a:endParaRPr lang="en-US"/>
           </a:p>
@@ -4554,7 +4571,7 @@
           <a:p>
             <a:fld id="{6EE416AE-20C6-4F4D-B06F-11CE44231EBA}" type="datetimeFigureOut">
               <a:rPr lang="en-US" smtClean="0"/>
-              <a:t>10/5/2024</a:t>
+              <a:t>10/8/2024</a:t>
             </a:fld>
             <a:endParaRPr lang="en-US"/>
           </a:p>
@@ -4809,7 +4826,7 @@
           <a:p>
             <a:fld id="{6EE416AE-20C6-4F4D-B06F-11CE44231EBA}" type="datetimeFigureOut">
               <a:rPr lang="en-US" smtClean="0"/>
-              <a:t>10/5/2024</a:t>
+              <a:t>10/8/2024</a:t>
             </a:fld>
             <a:endParaRPr lang="en-US"/>
           </a:p>
@@ -5109,7 +5126,7 @@
           <a:p>
             <a:fld id="{6EE416AE-20C6-4F4D-B06F-11CE44231EBA}" type="datetimeFigureOut">
               <a:rPr lang="en-US" smtClean="0"/>
-              <a:t>10/5/2024</a:t>
+              <a:t>10/8/2024</a:t>
             </a:fld>
             <a:endParaRPr lang="en-US"/>
           </a:p>
@@ -5343,7 +5360,7 @@
           <a:p>
             <a:fld id="{6EE416AE-20C6-4F4D-B06F-11CE44231EBA}" type="datetimeFigureOut">
               <a:rPr lang="en-US" smtClean="0"/>
-              <a:t>10/5/2024</a:t>
+              <a:t>10/8/2024</a:t>
             </a:fld>
             <a:endParaRPr lang="en-US"/>
           </a:p>
@@ -20273,6 +20290,566 @@
 </p:sld>
 </file>
 
+<file path=ppt/slides/slide10.xml><?xml version="1.0" encoding="utf-8"?>
+<p:sld xmlns:a="http://schemas.openxmlformats.org/drawingml/2006/main" xmlns:r="http://schemas.openxmlformats.org/officeDocument/2006/relationships" xmlns:p="http://schemas.openxmlformats.org/presentationml/2006/main">
+  <p:cSld>
+    <p:spTree>
+      <p:nvGrpSpPr>
+        <p:cNvPr id="1" name=""/>
+        <p:cNvGrpSpPr/>
+        <p:nvPr/>
+      </p:nvGrpSpPr>
+      <p:grpSpPr>
+        <a:xfrm>
+          <a:off x="0" y="0"/>
+          <a:ext cx="0" cy="0"/>
+          <a:chOff x="0" y="0"/>
+          <a:chExt cx="0" cy="0"/>
+        </a:xfrm>
+      </p:grpSpPr>
+      <p:sp>
+        <p:nvSpPr>
+          <p:cNvPr id="2" name="Title 1">
+            <a:extLst>
+              <a:ext uri="{FF2B5EF4-FFF2-40B4-BE49-F238E27FC236}">
+                <a16:creationId xmlns:a16="http://schemas.microsoft.com/office/drawing/2014/main" id="{8F0C519F-F573-ED46-46AA-2E1DD4103040}"/>
+              </a:ext>
+            </a:extLst>
+          </p:cNvPr>
+          <p:cNvSpPr>
+            <a:spLocks noGrp="1"/>
+          </p:cNvSpPr>
+          <p:nvPr>
+            <p:ph type="title"/>
+          </p:nvPr>
+        </p:nvSpPr>
+        <p:spPr/>
+        <p:txBody>
+          <a:bodyPr/>
+          <a:lstStyle/>
+          <a:p>
+            <a:endParaRPr lang="en-US"/>
+          </a:p>
+        </p:txBody>
+      </p:sp>
+      <p:sp>
+        <p:nvSpPr>
+          <p:cNvPr id="3" name="Content Placeholder 2">
+            <a:extLst>
+              <a:ext uri="{FF2B5EF4-FFF2-40B4-BE49-F238E27FC236}">
+                <a16:creationId xmlns:a16="http://schemas.microsoft.com/office/drawing/2014/main" id="{2F8B1F7A-F9E9-0CF3-D077-08298FF27B1A}"/>
+              </a:ext>
+            </a:extLst>
+          </p:cNvPr>
+          <p:cNvSpPr>
+            <a:spLocks noGrp="1"/>
+          </p:cNvSpPr>
+          <p:nvPr>
+            <p:ph idx="1"/>
+          </p:nvPr>
+        </p:nvSpPr>
+        <p:spPr/>
+        <p:txBody>
+          <a:bodyPr/>
+          <a:lstStyle/>
+          <a:p>
+            <a:endParaRPr lang="en-US"/>
+          </a:p>
+        </p:txBody>
+      </p:sp>
+    </p:spTree>
+    <p:extLst>
+      <p:ext uri="{BB962C8B-B14F-4D97-AF65-F5344CB8AC3E}">
+        <p14:creationId xmlns:p14="http://schemas.microsoft.com/office/powerpoint/2010/main" val="1400255284"/>
+      </p:ext>
+    </p:extLst>
+  </p:cSld>
+  <p:clrMapOvr>
+    <a:masterClrMapping/>
+  </p:clrMapOvr>
+</p:sld>
+</file>
+
+<file path=ppt/slides/slide11.xml><?xml version="1.0" encoding="utf-8"?>
+<p:sld xmlns:a="http://schemas.openxmlformats.org/drawingml/2006/main" xmlns:r="http://schemas.openxmlformats.org/officeDocument/2006/relationships" xmlns:p="http://schemas.openxmlformats.org/presentationml/2006/main">
+  <p:cSld>
+    <p:spTree>
+      <p:nvGrpSpPr>
+        <p:cNvPr id="1" name=""/>
+        <p:cNvGrpSpPr/>
+        <p:nvPr/>
+      </p:nvGrpSpPr>
+      <p:grpSpPr>
+        <a:xfrm>
+          <a:off x="0" y="0"/>
+          <a:ext cx="0" cy="0"/>
+          <a:chOff x="0" y="0"/>
+          <a:chExt cx="0" cy="0"/>
+        </a:xfrm>
+      </p:grpSpPr>
+      <p:sp>
+        <p:nvSpPr>
+          <p:cNvPr id="2" name="Title 1">
+            <a:extLst>
+              <a:ext uri="{FF2B5EF4-FFF2-40B4-BE49-F238E27FC236}">
+                <a16:creationId xmlns:a16="http://schemas.microsoft.com/office/drawing/2014/main" id="{1B57006E-CC23-F9D8-CB2E-50805F5B06B1}"/>
+              </a:ext>
+            </a:extLst>
+          </p:cNvPr>
+          <p:cNvSpPr>
+            <a:spLocks noGrp="1"/>
+          </p:cNvSpPr>
+          <p:nvPr>
+            <p:ph type="title"/>
+          </p:nvPr>
+        </p:nvSpPr>
+        <p:spPr/>
+        <p:txBody>
+          <a:bodyPr/>
+          <a:lstStyle/>
+          <a:p>
+            <a:endParaRPr lang="en-US"/>
+          </a:p>
+        </p:txBody>
+      </p:sp>
+      <p:sp>
+        <p:nvSpPr>
+          <p:cNvPr id="3" name="Content Placeholder 2">
+            <a:extLst>
+              <a:ext uri="{FF2B5EF4-FFF2-40B4-BE49-F238E27FC236}">
+                <a16:creationId xmlns:a16="http://schemas.microsoft.com/office/drawing/2014/main" id="{E74ED6C1-76C4-3383-095E-1B4F79401EFA}"/>
+              </a:ext>
+            </a:extLst>
+          </p:cNvPr>
+          <p:cNvSpPr>
+            <a:spLocks noGrp="1"/>
+          </p:cNvSpPr>
+          <p:nvPr>
+            <p:ph idx="1"/>
+          </p:nvPr>
+        </p:nvSpPr>
+        <p:spPr/>
+        <p:txBody>
+          <a:bodyPr/>
+          <a:lstStyle/>
+          <a:p>
+            <a:endParaRPr lang="en-US"/>
+          </a:p>
+        </p:txBody>
+      </p:sp>
+    </p:spTree>
+    <p:extLst>
+      <p:ext uri="{BB962C8B-B14F-4D97-AF65-F5344CB8AC3E}">
+        <p14:creationId xmlns:p14="http://schemas.microsoft.com/office/powerpoint/2010/main" val="2928450751"/>
+      </p:ext>
+    </p:extLst>
+  </p:cSld>
+  <p:clrMapOvr>
+    <a:masterClrMapping/>
+  </p:clrMapOvr>
+</p:sld>
+</file>
+
+<file path=ppt/slides/slide12.xml><?xml version="1.0" encoding="utf-8"?>
+<p:sld xmlns:a="http://schemas.openxmlformats.org/drawingml/2006/main" xmlns:r="http://schemas.openxmlformats.org/officeDocument/2006/relationships" xmlns:p="http://schemas.openxmlformats.org/presentationml/2006/main">
+  <p:cSld>
+    <p:spTree>
+      <p:nvGrpSpPr>
+        <p:cNvPr id="1" name=""/>
+        <p:cNvGrpSpPr/>
+        <p:nvPr/>
+      </p:nvGrpSpPr>
+      <p:grpSpPr>
+        <a:xfrm>
+          <a:off x="0" y="0"/>
+          <a:ext cx="0" cy="0"/>
+          <a:chOff x="0" y="0"/>
+          <a:chExt cx="0" cy="0"/>
+        </a:xfrm>
+      </p:grpSpPr>
+      <p:sp>
+        <p:nvSpPr>
+          <p:cNvPr id="2" name="Title 1">
+            <a:extLst>
+              <a:ext uri="{FF2B5EF4-FFF2-40B4-BE49-F238E27FC236}">
+                <a16:creationId xmlns:a16="http://schemas.microsoft.com/office/drawing/2014/main" id="{5CACAD9E-6847-AF5C-5036-328B1E6EBFD7}"/>
+              </a:ext>
+            </a:extLst>
+          </p:cNvPr>
+          <p:cNvSpPr>
+            <a:spLocks noGrp="1"/>
+          </p:cNvSpPr>
+          <p:nvPr>
+            <p:ph type="title"/>
+          </p:nvPr>
+        </p:nvSpPr>
+        <p:spPr/>
+        <p:txBody>
+          <a:bodyPr/>
+          <a:lstStyle/>
+          <a:p>
+            <a:endParaRPr lang="en-US"/>
+          </a:p>
+        </p:txBody>
+      </p:sp>
+      <p:sp>
+        <p:nvSpPr>
+          <p:cNvPr id="3" name="Content Placeholder 2">
+            <a:extLst>
+              <a:ext uri="{FF2B5EF4-FFF2-40B4-BE49-F238E27FC236}">
+                <a16:creationId xmlns:a16="http://schemas.microsoft.com/office/drawing/2014/main" id="{F3B8B0FB-ED1A-E576-B884-D598A90C741B}"/>
+              </a:ext>
+            </a:extLst>
+          </p:cNvPr>
+          <p:cNvSpPr>
+            <a:spLocks noGrp="1"/>
+          </p:cNvSpPr>
+          <p:nvPr>
+            <p:ph idx="1"/>
+          </p:nvPr>
+        </p:nvSpPr>
+        <p:spPr/>
+        <p:txBody>
+          <a:bodyPr/>
+          <a:lstStyle/>
+          <a:p>
+            <a:endParaRPr lang="en-US"/>
+          </a:p>
+        </p:txBody>
+      </p:sp>
+    </p:spTree>
+    <p:extLst>
+      <p:ext uri="{BB962C8B-B14F-4D97-AF65-F5344CB8AC3E}">
+        <p14:creationId xmlns:p14="http://schemas.microsoft.com/office/powerpoint/2010/main" val="4246564299"/>
+      </p:ext>
+    </p:extLst>
+  </p:cSld>
+  <p:clrMapOvr>
+    <a:masterClrMapping/>
+  </p:clrMapOvr>
+</p:sld>
+</file>
+
+<file path=ppt/slides/slide13.xml><?xml version="1.0" encoding="utf-8"?>
+<p:sld xmlns:a="http://schemas.openxmlformats.org/drawingml/2006/main" xmlns:r="http://schemas.openxmlformats.org/officeDocument/2006/relationships" xmlns:p="http://schemas.openxmlformats.org/presentationml/2006/main">
+  <p:cSld>
+    <p:spTree>
+      <p:nvGrpSpPr>
+        <p:cNvPr id="1" name=""/>
+        <p:cNvGrpSpPr/>
+        <p:nvPr/>
+      </p:nvGrpSpPr>
+      <p:grpSpPr>
+        <a:xfrm>
+          <a:off x="0" y="0"/>
+          <a:ext cx="0" cy="0"/>
+          <a:chOff x="0" y="0"/>
+          <a:chExt cx="0" cy="0"/>
+        </a:xfrm>
+      </p:grpSpPr>
+      <p:sp>
+        <p:nvSpPr>
+          <p:cNvPr id="2" name="Title 1">
+            <a:extLst>
+              <a:ext uri="{FF2B5EF4-FFF2-40B4-BE49-F238E27FC236}">
+                <a16:creationId xmlns:a16="http://schemas.microsoft.com/office/drawing/2014/main" id="{4FA76360-C711-AA56-A9C2-8A3EF4EB68E6}"/>
+              </a:ext>
+            </a:extLst>
+          </p:cNvPr>
+          <p:cNvSpPr>
+            <a:spLocks noGrp="1"/>
+          </p:cNvSpPr>
+          <p:nvPr>
+            <p:ph type="title"/>
+          </p:nvPr>
+        </p:nvSpPr>
+        <p:spPr/>
+        <p:txBody>
+          <a:bodyPr/>
+          <a:lstStyle/>
+          <a:p>
+            <a:endParaRPr lang="en-US"/>
+          </a:p>
+        </p:txBody>
+      </p:sp>
+      <p:sp>
+        <p:nvSpPr>
+          <p:cNvPr id="3" name="Content Placeholder 2">
+            <a:extLst>
+              <a:ext uri="{FF2B5EF4-FFF2-40B4-BE49-F238E27FC236}">
+                <a16:creationId xmlns:a16="http://schemas.microsoft.com/office/drawing/2014/main" id="{46354E17-98C0-4E0D-B199-52C21BCD0FB0}"/>
+              </a:ext>
+            </a:extLst>
+          </p:cNvPr>
+          <p:cNvSpPr>
+            <a:spLocks noGrp="1"/>
+          </p:cNvSpPr>
+          <p:nvPr>
+            <p:ph idx="1"/>
+          </p:nvPr>
+        </p:nvSpPr>
+        <p:spPr/>
+        <p:txBody>
+          <a:bodyPr/>
+          <a:lstStyle/>
+          <a:p>
+            <a:endParaRPr lang="en-US"/>
+          </a:p>
+        </p:txBody>
+      </p:sp>
+    </p:spTree>
+    <p:extLst>
+      <p:ext uri="{BB962C8B-B14F-4D97-AF65-F5344CB8AC3E}">
+        <p14:creationId xmlns:p14="http://schemas.microsoft.com/office/powerpoint/2010/main" val="2412785103"/>
+      </p:ext>
+    </p:extLst>
+  </p:cSld>
+  <p:clrMapOvr>
+    <a:masterClrMapping/>
+  </p:clrMapOvr>
+</p:sld>
+</file>
+
+<file path=ppt/slides/slide14.xml><?xml version="1.0" encoding="utf-8"?>
+<p:sld xmlns:a="http://schemas.openxmlformats.org/drawingml/2006/main" xmlns:r="http://schemas.openxmlformats.org/officeDocument/2006/relationships" xmlns:p="http://schemas.openxmlformats.org/presentationml/2006/main">
+  <p:cSld>
+    <p:spTree>
+      <p:nvGrpSpPr>
+        <p:cNvPr id="1" name=""/>
+        <p:cNvGrpSpPr/>
+        <p:nvPr/>
+      </p:nvGrpSpPr>
+      <p:grpSpPr>
+        <a:xfrm>
+          <a:off x="0" y="0"/>
+          <a:ext cx="0" cy="0"/>
+          <a:chOff x="0" y="0"/>
+          <a:chExt cx="0" cy="0"/>
+        </a:xfrm>
+      </p:grpSpPr>
+      <p:sp>
+        <p:nvSpPr>
+          <p:cNvPr id="2" name="Title 1">
+            <a:extLst>
+              <a:ext uri="{FF2B5EF4-FFF2-40B4-BE49-F238E27FC236}">
+                <a16:creationId xmlns:a16="http://schemas.microsoft.com/office/drawing/2014/main" id="{2699921D-1AF1-C873-BBB6-C9E101EABC91}"/>
+              </a:ext>
+            </a:extLst>
+          </p:cNvPr>
+          <p:cNvSpPr>
+            <a:spLocks noGrp="1"/>
+          </p:cNvSpPr>
+          <p:nvPr>
+            <p:ph type="title"/>
+          </p:nvPr>
+        </p:nvSpPr>
+        <p:spPr/>
+        <p:txBody>
+          <a:bodyPr/>
+          <a:lstStyle/>
+          <a:p>
+            <a:endParaRPr lang="en-US"/>
+          </a:p>
+        </p:txBody>
+      </p:sp>
+      <p:sp>
+        <p:nvSpPr>
+          <p:cNvPr id="3" name="Content Placeholder 2">
+            <a:extLst>
+              <a:ext uri="{FF2B5EF4-FFF2-40B4-BE49-F238E27FC236}">
+                <a16:creationId xmlns:a16="http://schemas.microsoft.com/office/drawing/2014/main" id="{658161D6-9ACD-24BE-AF7F-2B9E49B4DA83}"/>
+              </a:ext>
+            </a:extLst>
+          </p:cNvPr>
+          <p:cNvSpPr>
+            <a:spLocks noGrp="1"/>
+          </p:cNvSpPr>
+          <p:nvPr>
+            <p:ph idx="1"/>
+          </p:nvPr>
+        </p:nvSpPr>
+        <p:spPr/>
+        <p:txBody>
+          <a:bodyPr/>
+          <a:lstStyle/>
+          <a:p>
+            <a:endParaRPr lang="en-US"/>
+          </a:p>
+        </p:txBody>
+      </p:sp>
+    </p:spTree>
+    <p:extLst>
+      <p:ext uri="{BB962C8B-B14F-4D97-AF65-F5344CB8AC3E}">
+        <p14:creationId xmlns:p14="http://schemas.microsoft.com/office/powerpoint/2010/main" val="2643145002"/>
+      </p:ext>
+    </p:extLst>
+  </p:cSld>
+  <p:clrMapOvr>
+    <a:masterClrMapping/>
+  </p:clrMapOvr>
+</p:sld>
+</file>
+
+<file path=ppt/slides/slide15.xml><?xml version="1.0" encoding="utf-8"?>
+<p:sld xmlns:a="http://schemas.openxmlformats.org/drawingml/2006/main" xmlns:r="http://schemas.openxmlformats.org/officeDocument/2006/relationships" xmlns:p="http://schemas.openxmlformats.org/presentationml/2006/main">
+  <p:cSld>
+    <p:spTree>
+      <p:nvGrpSpPr>
+        <p:cNvPr id="1" name=""/>
+        <p:cNvGrpSpPr/>
+        <p:nvPr/>
+      </p:nvGrpSpPr>
+      <p:grpSpPr>
+        <a:xfrm>
+          <a:off x="0" y="0"/>
+          <a:ext cx="0" cy="0"/>
+          <a:chOff x="0" y="0"/>
+          <a:chExt cx="0" cy="0"/>
+        </a:xfrm>
+      </p:grpSpPr>
+      <p:sp>
+        <p:nvSpPr>
+          <p:cNvPr id="2" name="Title 1">
+            <a:extLst>
+              <a:ext uri="{FF2B5EF4-FFF2-40B4-BE49-F238E27FC236}">
+                <a16:creationId xmlns:a16="http://schemas.microsoft.com/office/drawing/2014/main" id="{0B5FEC7D-6C32-5469-5893-3919B33C433A}"/>
+              </a:ext>
+            </a:extLst>
+          </p:cNvPr>
+          <p:cNvSpPr>
+            <a:spLocks noGrp="1"/>
+          </p:cNvSpPr>
+          <p:nvPr>
+            <p:ph type="title"/>
+          </p:nvPr>
+        </p:nvSpPr>
+        <p:spPr/>
+        <p:txBody>
+          <a:bodyPr/>
+          <a:lstStyle/>
+          <a:p>
+            <a:endParaRPr lang="en-US"/>
+          </a:p>
+        </p:txBody>
+      </p:sp>
+      <p:sp>
+        <p:nvSpPr>
+          <p:cNvPr id="3" name="Content Placeholder 2">
+            <a:extLst>
+              <a:ext uri="{FF2B5EF4-FFF2-40B4-BE49-F238E27FC236}">
+                <a16:creationId xmlns:a16="http://schemas.microsoft.com/office/drawing/2014/main" id="{975B078E-5806-46DA-5C41-657849E7A5CB}"/>
+              </a:ext>
+            </a:extLst>
+          </p:cNvPr>
+          <p:cNvSpPr>
+            <a:spLocks noGrp="1"/>
+          </p:cNvSpPr>
+          <p:nvPr>
+            <p:ph idx="1"/>
+          </p:nvPr>
+        </p:nvSpPr>
+        <p:spPr/>
+        <p:txBody>
+          <a:bodyPr/>
+          <a:lstStyle/>
+          <a:p>
+            <a:endParaRPr lang="en-US"/>
+          </a:p>
+        </p:txBody>
+      </p:sp>
+    </p:spTree>
+    <p:extLst>
+      <p:ext uri="{BB962C8B-B14F-4D97-AF65-F5344CB8AC3E}">
+        <p14:creationId xmlns:p14="http://schemas.microsoft.com/office/powerpoint/2010/main" val="3224042506"/>
+      </p:ext>
+    </p:extLst>
+  </p:cSld>
+  <p:clrMapOvr>
+    <a:masterClrMapping/>
+  </p:clrMapOvr>
+</p:sld>
+</file>
+
+<file path=ppt/slides/slide16.xml><?xml version="1.0" encoding="utf-8"?>
+<p:sld xmlns:a="http://schemas.openxmlformats.org/drawingml/2006/main" xmlns:r="http://schemas.openxmlformats.org/officeDocument/2006/relationships" xmlns:p="http://schemas.openxmlformats.org/presentationml/2006/main">
+  <p:cSld>
+    <p:spTree>
+      <p:nvGrpSpPr>
+        <p:cNvPr id="1" name=""/>
+        <p:cNvGrpSpPr/>
+        <p:nvPr/>
+      </p:nvGrpSpPr>
+      <p:grpSpPr>
+        <a:xfrm>
+          <a:off x="0" y="0"/>
+          <a:ext cx="0" cy="0"/>
+          <a:chOff x="0" y="0"/>
+          <a:chExt cx="0" cy="0"/>
+        </a:xfrm>
+      </p:grpSpPr>
+      <p:sp>
+        <p:nvSpPr>
+          <p:cNvPr id="2" name="Title 1">
+            <a:extLst>
+              <a:ext uri="{FF2B5EF4-FFF2-40B4-BE49-F238E27FC236}">
+                <a16:creationId xmlns:a16="http://schemas.microsoft.com/office/drawing/2014/main" id="{99982EFB-1845-C8C7-871B-F5524DCBAC7D}"/>
+              </a:ext>
+            </a:extLst>
+          </p:cNvPr>
+          <p:cNvSpPr>
+            <a:spLocks noGrp="1"/>
+          </p:cNvSpPr>
+          <p:nvPr>
+            <p:ph type="title"/>
+          </p:nvPr>
+        </p:nvSpPr>
+        <p:spPr/>
+        <p:txBody>
+          <a:bodyPr/>
+          <a:lstStyle/>
+          <a:p>
+            <a:endParaRPr lang="en-US"/>
+          </a:p>
+        </p:txBody>
+      </p:sp>
+      <p:sp>
+        <p:nvSpPr>
+          <p:cNvPr id="3" name="Content Placeholder 2">
+            <a:extLst>
+              <a:ext uri="{FF2B5EF4-FFF2-40B4-BE49-F238E27FC236}">
+                <a16:creationId xmlns:a16="http://schemas.microsoft.com/office/drawing/2014/main" id="{4AC03D82-11E3-CB6D-4B99-C53AB5FEF832}"/>
+              </a:ext>
+            </a:extLst>
+          </p:cNvPr>
+          <p:cNvSpPr>
+            <a:spLocks noGrp="1"/>
+          </p:cNvSpPr>
+          <p:nvPr>
+            <p:ph idx="1"/>
+          </p:nvPr>
+        </p:nvSpPr>
+        <p:spPr/>
+        <p:txBody>
+          <a:bodyPr/>
+          <a:lstStyle/>
+          <a:p>
+            <a:endParaRPr lang="en-US"/>
+          </a:p>
+        </p:txBody>
+      </p:sp>
+    </p:spTree>
+    <p:extLst>
+      <p:ext uri="{BB962C8B-B14F-4D97-AF65-F5344CB8AC3E}">
+        <p14:creationId xmlns:p14="http://schemas.microsoft.com/office/powerpoint/2010/main" val="2557070465"/>
+      </p:ext>
+    </p:extLst>
+  </p:cSld>
+  <p:clrMapOvr>
+    <a:masterClrMapping/>
+  </p:clrMapOvr>
+</p:sld>
+</file>
+
 <file path=ppt/slides/slide2.xml><?xml version="1.0" encoding="utf-8"?>
 <p:sld xmlns:a="http://schemas.openxmlformats.org/drawingml/2006/main" xmlns:r="http://schemas.openxmlformats.org/officeDocument/2006/relationships" xmlns:p="http://schemas.openxmlformats.org/presentationml/2006/main">
   <p:cSld>
@@ -20338,10 +20915,60 @@
         </p:nvSpPr>
         <p:spPr/>
         <p:txBody>
-          <a:bodyPr/>
+          <a:bodyPr>
+            <a:normAutofit/>
+          </a:bodyPr>
           <a:lstStyle/>
           <a:p>
-            <a:endParaRPr lang="en-US"/>
+            <a:r>
+              <a:rPr lang="sr-Cyrl-RS" sz="1800" dirty="0"/>
+              <a:t>Савремено доба, у коме технологија пружа сталан и убрзан напредак, доноси и нове комплексније енергетске проблеме, чије решење захтева велике иновације, измене унутар електропривреде.</a:t>
+            </a:r>
+          </a:p>
+          <a:p>
+            <a:r>
+              <a:rPr lang="sr-Cyrl-RS" sz="1800" dirty="0"/>
+              <a:t>Изазови у електропривреди долазе у више облика, потрошња електричне енергије, економичност производње и екологија.</a:t>
+            </a:r>
+          </a:p>
+          <a:p>
+            <a:r>
+              <a:rPr lang="sr-Cyrl-RS" sz="1800" dirty="0"/>
+              <a:t>Облик дистрибуираних енергетских ресурса тј. система тренутно представља најпопуларније решење, тачније један велики део ДЕР-а, а то су обновљиви извори енергије.</a:t>
+            </a:r>
+          </a:p>
+          <a:p>
+            <a:r>
+              <a:rPr lang="sr-Cyrl-RS" sz="1800" dirty="0"/>
+              <a:t>Све већа интеграција ДЕР-а у електропривреди такође носи са собом нове изазове у облику контроле, комуникације система на већим даљинама, као и праћења рада.</a:t>
+            </a:r>
+          </a:p>
+          <a:p>
+            <a:r>
+              <a:rPr lang="sr-Cyrl-RS" sz="1800" dirty="0"/>
+              <a:t>Решење је пронађено у већ постојећој технологији, Интернету Ствари (ИоТ), која пружа велику флексибилност у интеграцији, протоколима, али и баш због тог разлога доноси и одређене недостатке, проблеме.</a:t>
+            </a:r>
+          </a:p>
+          <a:p>
+            <a:endParaRPr lang="sr-Cyrl-RS" sz="1800" dirty="0"/>
+          </a:p>
+          <a:p>
+            <a:pPr marL="36900" indent="0">
+              <a:buNone/>
+            </a:pPr>
+            <a:endParaRPr lang="sr-Cyrl-RS" sz="1800" dirty="0"/>
+          </a:p>
+          <a:p>
+            <a:endParaRPr lang="sr-Cyrl-RS" sz="1800" dirty="0"/>
+          </a:p>
+          <a:p>
+            <a:endParaRPr lang="sr-Cyrl-RS" sz="1800" dirty="0"/>
+          </a:p>
+          <a:p>
+            <a:endParaRPr lang="sr-Cyrl-RS" sz="1800" dirty="0"/>
+          </a:p>
+          <a:p>
+            <a:endParaRPr lang="en-US" sz="1800" dirty="0"/>
           </a:p>
         </p:txBody>
       </p:sp>
@@ -20405,28 +21032,483 @@
           </a:p>
         </p:txBody>
       </p:sp>
-      <p:sp>
-        <p:nvSpPr>
-          <p:cNvPr id="3" name="Content Placeholder 2">
+      <p:pic>
+        <p:nvPicPr>
+          <p:cNvPr id="5" name="Content Placeholder 4">
             <a:extLst>
               <a:ext uri="{FF2B5EF4-FFF2-40B4-BE49-F238E27FC236}">
-                <a16:creationId xmlns:a16="http://schemas.microsoft.com/office/drawing/2014/main" id="{074E651E-ACCA-4AC0-C83C-1D47FE2F4970}"/>
+                <a16:creationId xmlns:a16="http://schemas.microsoft.com/office/drawing/2014/main" id="{5DF8BF9B-56D1-D0E7-2979-1D8842B60392}"/>
               </a:ext>
             </a:extLst>
           </p:cNvPr>
-          <p:cNvSpPr>
-            <a:spLocks noGrp="1"/>
-          </p:cNvSpPr>
+          <p:cNvPicPr>
+            <a:picLocks noGrp="1" noChangeAspect="1"/>
+          </p:cNvPicPr>
           <p:nvPr>
             <p:ph idx="1"/>
           </p:nvPr>
+        </p:nvPicPr>
+        <p:blipFill>
+          <a:blip r:embed="rId2">
+            <a:extLst>
+              <a:ext uri="{28A0092B-C50C-407E-A947-70E740481C1C}">
+                <a14:useLocalDpi xmlns:a14="http://schemas.microsoft.com/office/drawing/2010/main" val="0"/>
+              </a:ext>
+            </a:extLst>
+          </a:blip>
+          <a:stretch>
+            <a:fillRect/>
+          </a:stretch>
+        </p:blipFill>
+        <p:spPr>
+          <a:xfrm>
+            <a:off x="5307291" y="1732449"/>
+            <a:ext cx="6090378" cy="4059237"/>
+          </a:xfrm>
+        </p:spPr>
+      </p:pic>
+      <p:sp>
+        <p:nvSpPr>
+          <p:cNvPr id="8" name="Content Placeholder 2">
+            <a:extLst>
+              <a:ext uri="{FF2B5EF4-FFF2-40B4-BE49-F238E27FC236}">
+                <a16:creationId xmlns:a16="http://schemas.microsoft.com/office/drawing/2014/main" id="{11AA372F-6262-6C24-AB10-4DBF159762A2}"/>
+              </a:ext>
+            </a:extLst>
+          </p:cNvPr>
+          <p:cNvSpPr txBox="1">
+            <a:spLocks/>
+          </p:cNvSpPr>
+          <p:nvPr/>
         </p:nvSpPr>
-        <p:spPr/>
+        <p:spPr>
+          <a:xfrm>
+            <a:off x="794331" y="1732449"/>
+            <a:ext cx="4393496" cy="4058751"/>
+          </a:xfrm>
+          <a:prstGeom prst="rect">
+            <a:avLst/>
+          </a:prstGeom>
+          <a:effectLst>
+            <a:outerShdw blurRad="25400" dir="17880000">
+              <a:srgbClr val="000000">
+                <a:alpha val="46000"/>
+              </a:srgbClr>
+            </a:outerShdw>
+          </a:effectLst>
+        </p:spPr>
         <p:txBody>
-          <a:bodyPr/>
-          <a:lstStyle/>
+          <a:bodyPr vert="horz" lIns="91440" tIns="45720" rIns="91440" bIns="45720" rtlCol="0" anchor="t">
+            <a:normAutofit/>
+          </a:bodyPr>
+          <a:lstStyle>
+            <a:lvl1pPr marL="342900" indent="-306000" algn="l" defTabSz="457200" rtl="0" eaLnBrk="1" latinLnBrk="0" hangingPunct="1">
+              <a:spcBef>
+                <a:spcPct val="20000"/>
+              </a:spcBef>
+              <a:spcAft>
+                <a:spcPts val="600"/>
+              </a:spcAft>
+              <a:buClr>
+                <a:schemeClr val="tx2"/>
+              </a:buClr>
+              <a:buSzPct val="70000"/>
+              <a:buFont typeface="Wingdings 2" charset="2"/>
+              <a:buChar char=""/>
+              <a:defRPr sz="2000" kern="1200">
+                <a:ln>
+                  <a:solidFill>
+                    <a:schemeClr val="bg1">
+                      <a:lumMod val="75000"/>
+                      <a:lumOff val="25000"/>
+                      <a:alpha val="10000"/>
+                    </a:schemeClr>
+                  </a:solidFill>
+                </a:ln>
+                <a:solidFill>
+                  <a:schemeClr val="tx2"/>
+                </a:solidFill>
+                <a:effectLst>
+                  <a:outerShdw blurRad="9525" dist="25400" dir="14640000" algn="tl" rotWithShape="0">
+                    <a:schemeClr val="bg1">
+                      <a:alpha val="30000"/>
+                    </a:schemeClr>
+                  </a:outerShdw>
+                </a:effectLst>
+                <a:latin typeface="+mn-lt"/>
+                <a:ea typeface="+mn-ea"/>
+                <a:cs typeface="+mn-cs"/>
+              </a:defRPr>
+            </a:lvl1pPr>
+            <a:lvl2pPr marL="720000" indent="-270000" algn="l" defTabSz="457200" rtl="0" eaLnBrk="1" latinLnBrk="0" hangingPunct="1">
+              <a:spcBef>
+                <a:spcPct val="20000"/>
+              </a:spcBef>
+              <a:spcAft>
+                <a:spcPts val="600"/>
+              </a:spcAft>
+              <a:buClr>
+                <a:schemeClr val="tx2"/>
+              </a:buClr>
+              <a:buSzPct val="70000"/>
+              <a:buFont typeface="Wingdings 2" charset="2"/>
+              <a:buChar char=""/>
+              <a:defRPr sz="1800" kern="1200">
+                <a:ln>
+                  <a:solidFill>
+                    <a:schemeClr val="bg1">
+                      <a:lumMod val="75000"/>
+                      <a:lumOff val="25000"/>
+                      <a:alpha val="10000"/>
+                    </a:schemeClr>
+                  </a:solidFill>
+                </a:ln>
+                <a:solidFill>
+                  <a:schemeClr val="tx2"/>
+                </a:solidFill>
+                <a:effectLst>
+                  <a:outerShdw blurRad="9525" dist="25400" dir="14640000" algn="tl" rotWithShape="0">
+                    <a:schemeClr val="bg1">
+                      <a:alpha val="30000"/>
+                    </a:schemeClr>
+                  </a:outerShdw>
+                </a:effectLst>
+                <a:latin typeface="+mn-lt"/>
+                <a:ea typeface="+mn-ea"/>
+                <a:cs typeface="+mn-cs"/>
+              </a:defRPr>
+            </a:lvl2pPr>
+            <a:lvl3pPr marL="1026000" indent="-216000" algn="l" defTabSz="457200" rtl="0" eaLnBrk="1" latinLnBrk="0" hangingPunct="1">
+              <a:spcBef>
+                <a:spcPct val="20000"/>
+              </a:spcBef>
+              <a:spcAft>
+                <a:spcPts val="600"/>
+              </a:spcAft>
+              <a:buClr>
+                <a:schemeClr val="tx2"/>
+              </a:buClr>
+              <a:buSzPct val="70000"/>
+              <a:buFont typeface="Wingdings 2" charset="2"/>
+              <a:buChar char=""/>
+              <a:defRPr sz="1600" kern="1200">
+                <a:ln>
+                  <a:solidFill>
+                    <a:schemeClr val="bg1">
+                      <a:lumMod val="75000"/>
+                      <a:lumOff val="25000"/>
+                      <a:alpha val="10000"/>
+                    </a:schemeClr>
+                  </a:solidFill>
+                </a:ln>
+                <a:solidFill>
+                  <a:schemeClr val="tx2"/>
+                </a:solidFill>
+                <a:effectLst>
+                  <a:outerShdw blurRad="9525" dist="25400" dir="14640000" algn="tl" rotWithShape="0">
+                    <a:schemeClr val="bg1">
+                      <a:alpha val="30000"/>
+                    </a:schemeClr>
+                  </a:outerShdw>
+                </a:effectLst>
+                <a:latin typeface="+mn-lt"/>
+                <a:ea typeface="+mn-ea"/>
+                <a:cs typeface="+mn-cs"/>
+              </a:defRPr>
+            </a:lvl3pPr>
+            <a:lvl4pPr marL="1386000" indent="-216000" algn="l" defTabSz="457200" rtl="0" eaLnBrk="1" latinLnBrk="0" hangingPunct="1">
+              <a:spcBef>
+                <a:spcPct val="20000"/>
+              </a:spcBef>
+              <a:spcAft>
+                <a:spcPts val="600"/>
+              </a:spcAft>
+              <a:buClr>
+                <a:schemeClr val="tx2"/>
+              </a:buClr>
+              <a:buSzPct val="70000"/>
+              <a:buFont typeface="Wingdings 2" charset="2"/>
+              <a:buChar char=""/>
+              <a:defRPr sz="1400" kern="1200">
+                <a:ln>
+                  <a:solidFill>
+                    <a:schemeClr val="bg1">
+                      <a:lumMod val="75000"/>
+                      <a:lumOff val="25000"/>
+                      <a:alpha val="10000"/>
+                    </a:schemeClr>
+                  </a:solidFill>
+                </a:ln>
+                <a:solidFill>
+                  <a:schemeClr val="tx2"/>
+                </a:solidFill>
+                <a:effectLst>
+                  <a:outerShdw blurRad="9525" dist="25400" dir="14640000" algn="tl" rotWithShape="0">
+                    <a:schemeClr val="bg1">
+                      <a:alpha val="30000"/>
+                    </a:schemeClr>
+                  </a:outerShdw>
+                </a:effectLst>
+                <a:latin typeface="+mn-lt"/>
+                <a:ea typeface="+mn-ea"/>
+                <a:cs typeface="+mn-cs"/>
+              </a:defRPr>
+            </a:lvl4pPr>
+            <a:lvl5pPr marL="1674000" indent="-216000" algn="l" defTabSz="457200" rtl="0" eaLnBrk="1" latinLnBrk="0" hangingPunct="1">
+              <a:spcBef>
+                <a:spcPct val="20000"/>
+              </a:spcBef>
+              <a:spcAft>
+                <a:spcPts val="600"/>
+              </a:spcAft>
+              <a:buClr>
+                <a:schemeClr val="tx2"/>
+              </a:buClr>
+              <a:buSzPct val="70000"/>
+              <a:buFont typeface="Wingdings 2" charset="2"/>
+              <a:buChar char=""/>
+              <a:defRPr sz="1400" kern="1200">
+                <a:ln>
+                  <a:solidFill>
+                    <a:schemeClr val="bg1">
+                      <a:lumMod val="75000"/>
+                      <a:lumOff val="25000"/>
+                      <a:alpha val="10000"/>
+                    </a:schemeClr>
+                  </a:solidFill>
+                </a:ln>
+                <a:solidFill>
+                  <a:schemeClr val="tx2"/>
+                </a:solidFill>
+                <a:effectLst>
+                  <a:outerShdw blurRad="9525" dist="25400" dir="14640000" algn="tl" rotWithShape="0">
+                    <a:schemeClr val="bg1">
+                      <a:alpha val="30000"/>
+                    </a:schemeClr>
+                  </a:outerShdw>
+                </a:effectLst>
+                <a:latin typeface="+mn-lt"/>
+                <a:ea typeface="+mn-ea"/>
+                <a:cs typeface="+mn-cs"/>
+              </a:defRPr>
+            </a:lvl5pPr>
+            <a:lvl6pPr marL="2014600" indent="-228600" algn="l" defTabSz="457200" rtl="0" eaLnBrk="1" latinLnBrk="0" hangingPunct="1">
+              <a:spcBef>
+                <a:spcPct val="20000"/>
+              </a:spcBef>
+              <a:spcAft>
+                <a:spcPts val="600"/>
+              </a:spcAft>
+              <a:buClr>
+                <a:schemeClr val="tx2"/>
+              </a:buClr>
+              <a:buSzPct val="70000"/>
+              <a:buFont typeface="Wingdings 2" charset="2"/>
+              <a:buChar char=""/>
+              <a:defRPr sz="1400" kern="1200">
+                <a:ln>
+                  <a:solidFill>
+                    <a:schemeClr val="bg1">
+                      <a:lumMod val="75000"/>
+                      <a:lumOff val="25000"/>
+                      <a:alpha val="10000"/>
+                    </a:schemeClr>
+                  </a:solidFill>
+                </a:ln>
+                <a:solidFill>
+                  <a:schemeClr val="tx2"/>
+                </a:solidFill>
+                <a:effectLst>
+                  <a:outerShdw blurRad="9525" dist="25400" dir="14640000" algn="tl" rotWithShape="0">
+                    <a:schemeClr val="bg1">
+                      <a:alpha val="30000"/>
+                    </a:schemeClr>
+                  </a:outerShdw>
+                </a:effectLst>
+                <a:latin typeface="+mn-lt"/>
+                <a:ea typeface="+mn-ea"/>
+                <a:cs typeface="+mn-cs"/>
+              </a:defRPr>
+            </a:lvl6pPr>
+            <a:lvl7pPr marL="2401800" indent="-228600" algn="l" defTabSz="457200" rtl="0" eaLnBrk="1" latinLnBrk="0" hangingPunct="1">
+              <a:spcBef>
+                <a:spcPct val="20000"/>
+              </a:spcBef>
+              <a:spcAft>
+                <a:spcPts val="600"/>
+              </a:spcAft>
+              <a:buClr>
+                <a:schemeClr val="tx2"/>
+              </a:buClr>
+              <a:buSzPct val="70000"/>
+              <a:buFont typeface="Wingdings 2" charset="2"/>
+              <a:buChar char=""/>
+              <a:defRPr sz="1400" kern="1200">
+                <a:ln>
+                  <a:solidFill>
+                    <a:schemeClr val="bg1">
+                      <a:lumMod val="75000"/>
+                      <a:lumOff val="25000"/>
+                      <a:alpha val="10000"/>
+                    </a:schemeClr>
+                  </a:solidFill>
+                </a:ln>
+                <a:solidFill>
+                  <a:schemeClr val="tx2"/>
+                </a:solidFill>
+                <a:effectLst>
+                  <a:outerShdw blurRad="9525" dist="25400" dir="14640000" algn="tl" rotWithShape="0">
+                    <a:schemeClr val="bg1">
+                      <a:alpha val="30000"/>
+                    </a:schemeClr>
+                  </a:outerShdw>
+                </a:effectLst>
+                <a:latin typeface="+mn-lt"/>
+                <a:ea typeface="+mn-ea"/>
+                <a:cs typeface="+mn-cs"/>
+              </a:defRPr>
+            </a:lvl7pPr>
+            <a:lvl8pPr marL="2789000" indent="-228600" algn="l" defTabSz="457200" rtl="0" eaLnBrk="1" latinLnBrk="0" hangingPunct="1">
+              <a:spcBef>
+                <a:spcPct val="20000"/>
+              </a:spcBef>
+              <a:spcAft>
+                <a:spcPts val="600"/>
+              </a:spcAft>
+              <a:buClr>
+                <a:schemeClr val="tx2"/>
+              </a:buClr>
+              <a:buSzPct val="70000"/>
+              <a:buFont typeface="Wingdings 2" charset="2"/>
+              <a:buChar char=""/>
+              <a:defRPr sz="1400" kern="1200">
+                <a:ln>
+                  <a:solidFill>
+                    <a:schemeClr val="bg1">
+                      <a:lumMod val="75000"/>
+                      <a:lumOff val="25000"/>
+                      <a:alpha val="10000"/>
+                    </a:schemeClr>
+                  </a:solidFill>
+                </a:ln>
+                <a:solidFill>
+                  <a:schemeClr val="tx2"/>
+                </a:solidFill>
+                <a:effectLst>
+                  <a:outerShdw blurRad="9525" dist="25400" dir="14640000" algn="tl" rotWithShape="0">
+                    <a:schemeClr val="bg1">
+                      <a:alpha val="30000"/>
+                    </a:schemeClr>
+                  </a:outerShdw>
+                </a:effectLst>
+                <a:latin typeface="+mn-lt"/>
+                <a:ea typeface="+mn-ea"/>
+                <a:cs typeface="+mn-cs"/>
+              </a:defRPr>
+            </a:lvl8pPr>
+            <a:lvl9pPr marL="3106200" indent="-228600" algn="l" defTabSz="457200" rtl="0" eaLnBrk="1" latinLnBrk="0" hangingPunct="1">
+              <a:spcBef>
+                <a:spcPct val="20000"/>
+              </a:spcBef>
+              <a:spcAft>
+                <a:spcPts val="600"/>
+              </a:spcAft>
+              <a:buClr>
+                <a:schemeClr val="tx2"/>
+              </a:buClr>
+              <a:buSzPct val="70000"/>
+              <a:buFont typeface="Wingdings 2" charset="2"/>
+              <a:buChar char=""/>
+              <a:defRPr sz="1400" kern="1200">
+                <a:ln>
+                  <a:solidFill>
+                    <a:schemeClr val="bg1">
+                      <a:lumMod val="75000"/>
+                      <a:lumOff val="25000"/>
+                      <a:alpha val="10000"/>
+                    </a:schemeClr>
+                  </a:solidFill>
+                </a:ln>
+                <a:solidFill>
+                  <a:schemeClr val="tx2"/>
+                </a:solidFill>
+                <a:effectLst>
+                  <a:outerShdw blurRad="9525" dist="25400" dir="14640000" algn="tl" rotWithShape="0">
+                    <a:schemeClr val="bg1">
+                      <a:alpha val="30000"/>
+                    </a:schemeClr>
+                  </a:outerShdw>
+                </a:effectLst>
+                <a:latin typeface="+mn-lt"/>
+                <a:ea typeface="+mn-ea"/>
+                <a:cs typeface="+mn-cs"/>
+              </a:defRPr>
+            </a:lvl9pPr>
+          </a:lstStyle>
           <a:p>
-            <a:endParaRPr lang="en-US"/>
+            <a:r>
+              <a:rPr lang="sr-Cyrl-RS" sz="1800" dirty="0"/>
+              <a:t>Обновљиви извори енергије долазе у више облика и зависе ресурса који су на располагању у околини:</a:t>
+            </a:r>
+          </a:p>
+          <a:p>
+            <a:pPr lvl="1"/>
+            <a:r>
+              <a:rPr lang="sr-Cyrl-RS" sz="1600" dirty="0"/>
+              <a:t>Соларна енергија</a:t>
+            </a:r>
+          </a:p>
+          <a:p>
+            <a:pPr lvl="1"/>
+            <a:r>
+              <a:rPr lang="sr-Cyrl-RS" sz="1600" dirty="0"/>
+              <a:t>Хидроенергија</a:t>
+            </a:r>
+          </a:p>
+          <a:p>
+            <a:pPr lvl="1"/>
+            <a:r>
+              <a:rPr lang="sr-Cyrl-RS" sz="1600" dirty="0"/>
+              <a:t>Енергија ветра</a:t>
+            </a:r>
+          </a:p>
+          <a:p>
+            <a:pPr lvl="1"/>
+            <a:r>
+              <a:rPr lang="sr-Cyrl-RS" sz="1600" dirty="0"/>
+              <a:t>Топлотна енергија</a:t>
+            </a:r>
+          </a:p>
+          <a:p>
+            <a:pPr marL="450000" lvl="1" indent="0">
+              <a:buNone/>
+            </a:pPr>
+            <a:endParaRPr lang="sr-Cyrl-RS" sz="1600" dirty="0"/>
+          </a:p>
+          <a:p>
+            <a:endParaRPr lang="sr-Cyrl-RS" sz="1800" dirty="0"/>
+          </a:p>
+          <a:p>
+            <a:pPr marL="36900" indent="0">
+              <a:buFont typeface="Wingdings 2" charset="2"/>
+              <a:buNone/>
+            </a:pPr>
+            <a:endParaRPr lang="sr-Cyrl-RS" sz="1800" dirty="0"/>
+          </a:p>
+          <a:p>
+            <a:endParaRPr lang="sr-Cyrl-RS" sz="1800" dirty="0"/>
+          </a:p>
+          <a:p>
+            <a:endParaRPr lang="sr-Cyrl-RS" sz="1800" dirty="0"/>
+          </a:p>
+          <a:p>
+            <a:pPr marL="36900" indent="0">
+              <a:buNone/>
+            </a:pPr>
+            <a:endParaRPr lang="sr-Cyrl-RS" sz="1800" dirty="0"/>
+          </a:p>
+          <a:p>
+            <a:endParaRPr lang="en-US" sz="1800" dirty="0"/>
           </a:p>
         </p:txBody>
       </p:sp>
@@ -20484,7 +21566,7 @@
             <a:pPr algn="l"/>
             <a:r>
               <a:rPr lang="sr-Cyrl-RS" dirty="0"/>
-              <a:t>Соларни инвертери</a:t>
+              <a:t>Соларна енергија</a:t>
             </a:r>
             <a:endParaRPr lang="en-US" dirty="0"/>
           </a:p>
@@ -20496,6 +21578,463 @@
             <a:extLst>
               <a:ext uri="{FF2B5EF4-FFF2-40B4-BE49-F238E27FC236}">
                 <a16:creationId xmlns:a16="http://schemas.microsoft.com/office/drawing/2014/main" id="{90C9CAA5-69C3-B817-48D2-12BD7D3BDE60}"/>
+              </a:ext>
+            </a:extLst>
+          </p:cNvPr>
+          <p:cNvSpPr>
+            <a:spLocks noGrp="1"/>
+          </p:cNvSpPr>
+          <p:nvPr>
+            <p:ph idx="1"/>
+          </p:nvPr>
+        </p:nvSpPr>
+        <p:spPr>
+          <a:xfrm>
+            <a:off x="913796" y="1732449"/>
+            <a:ext cx="5176880" cy="4058751"/>
+          </a:xfrm>
+        </p:spPr>
+        <p:txBody>
+          <a:bodyPr/>
+          <a:lstStyle/>
+          <a:p>
+            <a:r>
+              <a:rPr lang="sr-Cyrl-RS" dirty="0"/>
+              <a:t>Грана обновљивих извора енергије са највећом брзином развоја.</a:t>
+            </a:r>
+          </a:p>
+          <a:p>
+            <a:endParaRPr lang="sr-Cyrl-RS" dirty="0"/>
+          </a:p>
+          <a:p>
+            <a:r>
+              <a:rPr lang="sr-Cyrl-RS" dirty="0"/>
+              <a:t>Пораст са 22% 2023. године на 25% 2024.године на глобалном нивоу.</a:t>
+            </a:r>
+          </a:p>
+          <a:p>
+            <a:endParaRPr lang="sr-Cyrl-RS" dirty="0"/>
+          </a:p>
+          <a:p>
+            <a:r>
+              <a:rPr lang="sr-Cyrl-RS" dirty="0"/>
+              <a:t>Превазиђено више од 1 терават енергије 2023.године.</a:t>
+            </a:r>
+          </a:p>
+          <a:p>
+            <a:pPr marL="36900" indent="0">
+              <a:buNone/>
+            </a:pPr>
+            <a:endParaRPr lang="en-US" dirty="0"/>
+          </a:p>
+        </p:txBody>
+      </p:sp>
+      <p:pic>
+        <p:nvPicPr>
+          <p:cNvPr id="5" name="Picture 4">
+            <a:extLst>
+              <a:ext uri="{FF2B5EF4-FFF2-40B4-BE49-F238E27FC236}">
+                <a16:creationId xmlns:a16="http://schemas.microsoft.com/office/drawing/2014/main" id="{A25898C7-3D71-D429-CA22-807A2DA677E0}"/>
+              </a:ext>
+            </a:extLst>
+          </p:cNvPr>
+          <p:cNvPicPr>
+            <a:picLocks noChangeAspect="1"/>
+          </p:cNvPicPr>
+          <p:nvPr/>
+        </p:nvPicPr>
+        <p:blipFill>
+          <a:blip r:embed="rId2">
+            <a:extLst>
+              <a:ext uri="{28A0092B-C50C-407E-A947-70E740481C1C}">
+                <a14:useLocalDpi xmlns:a14="http://schemas.microsoft.com/office/drawing/2010/main" val="0"/>
+              </a:ext>
+            </a:extLst>
+          </a:blip>
+          <a:stretch>
+            <a:fillRect/>
+          </a:stretch>
+        </p:blipFill>
+        <p:spPr>
+          <a:xfrm>
+            <a:off x="6101326" y="1732449"/>
+            <a:ext cx="5176881" cy="3273184"/>
+          </a:xfrm>
+          <a:prstGeom prst="rect">
+            <a:avLst/>
+          </a:prstGeom>
+        </p:spPr>
+      </p:pic>
+    </p:spTree>
+    <p:extLst>
+      <p:ext uri="{BB962C8B-B14F-4D97-AF65-F5344CB8AC3E}">
+        <p14:creationId xmlns:p14="http://schemas.microsoft.com/office/powerpoint/2010/main" val="876413487"/>
+      </p:ext>
+    </p:extLst>
+  </p:cSld>
+  <p:clrMapOvr>
+    <a:masterClrMapping/>
+  </p:clrMapOvr>
+</p:sld>
+</file>
+
+<file path=ppt/slides/slide5.xml><?xml version="1.0" encoding="utf-8"?>
+<p:sld xmlns:a="http://schemas.openxmlformats.org/drawingml/2006/main" xmlns:r="http://schemas.openxmlformats.org/officeDocument/2006/relationships" xmlns:p="http://schemas.openxmlformats.org/presentationml/2006/main">
+  <p:cSld>
+    <p:spTree>
+      <p:nvGrpSpPr>
+        <p:cNvPr id="1" name=""/>
+        <p:cNvGrpSpPr/>
+        <p:nvPr/>
+      </p:nvGrpSpPr>
+      <p:grpSpPr>
+        <a:xfrm>
+          <a:off x="0" y="0"/>
+          <a:ext cx="0" cy="0"/>
+          <a:chOff x="0" y="0"/>
+          <a:chExt cx="0" cy="0"/>
+        </a:xfrm>
+      </p:grpSpPr>
+      <p:sp>
+        <p:nvSpPr>
+          <p:cNvPr id="2" name="Title 1">
+            <a:extLst>
+              <a:ext uri="{FF2B5EF4-FFF2-40B4-BE49-F238E27FC236}">
+                <a16:creationId xmlns:a16="http://schemas.microsoft.com/office/drawing/2014/main" id="{CCBBC577-C8D2-F137-EFBA-7AEC72A0AD0D}"/>
+              </a:ext>
+            </a:extLst>
+          </p:cNvPr>
+          <p:cNvSpPr>
+            <a:spLocks noGrp="1"/>
+          </p:cNvSpPr>
+          <p:nvPr>
+            <p:ph type="title"/>
+          </p:nvPr>
+        </p:nvSpPr>
+        <p:spPr/>
+        <p:txBody>
+          <a:bodyPr/>
+          <a:lstStyle/>
+          <a:p>
+            <a:pPr algn="l"/>
+            <a:r>
+              <a:rPr lang="sr-Cyrl-RS" dirty="0"/>
+              <a:t>Соларне електране</a:t>
+            </a:r>
+            <a:endParaRPr lang="en-US" dirty="0"/>
+          </a:p>
+        </p:txBody>
+      </p:sp>
+      <p:sp>
+        <p:nvSpPr>
+          <p:cNvPr id="3" name="Content Placeholder 2">
+            <a:extLst>
+              <a:ext uri="{FF2B5EF4-FFF2-40B4-BE49-F238E27FC236}">
+                <a16:creationId xmlns:a16="http://schemas.microsoft.com/office/drawing/2014/main" id="{2372AB81-CCBC-17CD-AF0C-974630D4BA1D}"/>
+              </a:ext>
+            </a:extLst>
+          </p:cNvPr>
+          <p:cNvSpPr>
+            <a:spLocks noGrp="1"/>
+          </p:cNvSpPr>
+          <p:nvPr>
+            <p:ph idx="1"/>
+          </p:nvPr>
+        </p:nvSpPr>
+        <p:spPr>
+          <a:xfrm>
+            <a:off x="913795" y="1732449"/>
+            <a:ext cx="4666730" cy="4058751"/>
+          </a:xfrm>
+        </p:spPr>
+        <p:txBody>
+          <a:bodyPr/>
+          <a:lstStyle/>
+          <a:p>
+            <a:r>
+              <a:rPr lang="sr-Cyrl-RS" dirty="0"/>
+              <a:t>Најважније место унутар соларне електране заузима соларни инвертери.</a:t>
+            </a:r>
+          </a:p>
+          <a:p>
+            <a:r>
+              <a:rPr lang="sr-Cyrl-RS" dirty="0"/>
+              <a:t>Претварач ДЦ енергије која се добија из панела у одговарајући облик АЦ енергије за потребе на мрежи.</a:t>
+            </a:r>
+          </a:p>
+          <a:p>
+            <a:r>
+              <a:rPr lang="sr-Cyrl-RS" dirty="0"/>
+              <a:t>Уколико се не ради о инвертеру који има интегрисану неку од ИоТ технологија, поседује само физичке ризике.</a:t>
+            </a:r>
+            <a:endParaRPr lang="en-US" dirty="0"/>
+          </a:p>
+        </p:txBody>
+      </p:sp>
+      <p:pic>
+        <p:nvPicPr>
+          <p:cNvPr id="7" name="Picture 6">
+            <a:extLst>
+              <a:ext uri="{FF2B5EF4-FFF2-40B4-BE49-F238E27FC236}">
+                <a16:creationId xmlns:a16="http://schemas.microsoft.com/office/drawing/2014/main" id="{C1E594EE-F895-E20E-B699-F24061CEE207}"/>
+              </a:ext>
+            </a:extLst>
+          </p:cNvPr>
+          <p:cNvPicPr>
+            <a:picLocks noChangeAspect="1"/>
+          </p:cNvPicPr>
+          <p:nvPr/>
+        </p:nvPicPr>
+        <p:blipFill>
+          <a:blip r:embed="rId2">
+            <a:extLst>
+              <a:ext uri="{28A0092B-C50C-407E-A947-70E740481C1C}">
+                <a14:useLocalDpi xmlns:a14="http://schemas.microsoft.com/office/drawing/2010/main" val="0"/>
+              </a:ext>
+            </a:extLst>
+          </a:blip>
+          <a:stretch>
+            <a:fillRect/>
+          </a:stretch>
+        </p:blipFill>
+        <p:spPr>
+          <a:xfrm>
+            <a:off x="5580525" y="1732449"/>
+            <a:ext cx="5687032" cy="3695090"/>
+          </a:xfrm>
+          <a:prstGeom prst="rect">
+            <a:avLst/>
+          </a:prstGeom>
+        </p:spPr>
+      </p:pic>
+    </p:spTree>
+    <p:extLst>
+      <p:ext uri="{BB962C8B-B14F-4D97-AF65-F5344CB8AC3E}">
+        <p14:creationId xmlns:p14="http://schemas.microsoft.com/office/powerpoint/2010/main" val="117864240"/>
+      </p:ext>
+    </p:extLst>
+  </p:cSld>
+  <p:clrMapOvr>
+    <a:masterClrMapping/>
+  </p:clrMapOvr>
+</p:sld>
+</file>
+
+<file path=ppt/slides/slide6.xml><?xml version="1.0" encoding="utf-8"?>
+<p:sld xmlns:a="http://schemas.openxmlformats.org/drawingml/2006/main" xmlns:r="http://schemas.openxmlformats.org/officeDocument/2006/relationships" xmlns:p="http://schemas.openxmlformats.org/presentationml/2006/main">
+  <p:cSld>
+    <p:spTree>
+      <p:nvGrpSpPr>
+        <p:cNvPr id="1" name=""/>
+        <p:cNvGrpSpPr/>
+        <p:nvPr/>
+      </p:nvGrpSpPr>
+      <p:grpSpPr>
+        <a:xfrm>
+          <a:off x="0" y="0"/>
+          <a:ext cx="0" cy="0"/>
+          <a:chOff x="0" y="0"/>
+          <a:chExt cx="0" cy="0"/>
+        </a:xfrm>
+      </p:grpSpPr>
+      <p:sp>
+        <p:nvSpPr>
+          <p:cNvPr id="2" name="Title 1">
+            <a:extLst>
+              <a:ext uri="{FF2B5EF4-FFF2-40B4-BE49-F238E27FC236}">
+                <a16:creationId xmlns:a16="http://schemas.microsoft.com/office/drawing/2014/main" id="{3F4D03C5-3D4A-6922-D4AB-3BAB1DDBBA65}"/>
+              </a:ext>
+            </a:extLst>
+          </p:cNvPr>
+          <p:cNvSpPr>
+            <a:spLocks noGrp="1"/>
+          </p:cNvSpPr>
+          <p:nvPr>
+            <p:ph type="title"/>
+          </p:nvPr>
+        </p:nvSpPr>
+        <p:spPr/>
+        <p:txBody>
+          <a:bodyPr/>
+          <a:lstStyle/>
+          <a:p>
+            <a:pPr algn="l"/>
+            <a:r>
+              <a:rPr lang="sr-Cyrl-RS" dirty="0"/>
+              <a:t>’’Паметни соларни инвертери’’</a:t>
+            </a:r>
+            <a:endParaRPr lang="en-US" dirty="0"/>
+          </a:p>
+        </p:txBody>
+      </p:sp>
+      <p:sp>
+        <p:nvSpPr>
+          <p:cNvPr id="3" name="Content Placeholder 2">
+            <a:extLst>
+              <a:ext uri="{FF2B5EF4-FFF2-40B4-BE49-F238E27FC236}">
+                <a16:creationId xmlns:a16="http://schemas.microsoft.com/office/drawing/2014/main" id="{72134F07-5BCB-E501-6B13-4062FCB4197F}"/>
+              </a:ext>
+            </a:extLst>
+          </p:cNvPr>
+          <p:cNvSpPr>
+            <a:spLocks noGrp="1"/>
+          </p:cNvSpPr>
+          <p:nvPr>
+            <p:ph idx="1"/>
+          </p:nvPr>
+        </p:nvSpPr>
+        <p:spPr>
+          <a:xfrm>
+            <a:off x="913795" y="1732449"/>
+            <a:ext cx="3384828" cy="4058751"/>
+          </a:xfrm>
+        </p:spPr>
+        <p:txBody>
+          <a:bodyPr/>
+          <a:lstStyle/>
+          <a:p>
+            <a:r>
+              <a:rPr lang="sr-Cyrl-RS" dirty="0"/>
+              <a:t>’асдасд</a:t>
+            </a:r>
+            <a:endParaRPr lang="en-US" dirty="0"/>
+          </a:p>
+        </p:txBody>
+      </p:sp>
+      <p:pic>
+        <p:nvPicPr>
+          <p:cNvPr id="5" name="Picture 4">
+            <a:extLst>
+              <a:ext uri="{FF2B5EF4-FFF2-40B4-BE49-F238E27FC236}">
+                <a16:creationId xmlns:a16="http://schemas.microsoft.com/office/drawing/2014/main" id="{F0DD90C1-AD02-C6FD-E564-A871011BEE4A}"/>
+              </a:ext>
+            </a:extLst>
+          </p:cNvPr>
+          <p:cNvPicPr>
+            <a:picLocks noChangeAspect="1"/>
+          </p:cNvPicPr>
+          <p:nvPr/>
+        </p:nvPicPr>
+        <p:blipFill>
+          <a:blip r:embed="rId2">
+            <a:extLst>
+              <a:ext uri="{28A0092B-C50C-407E-A947-70E740481C1C}">
+                <a14:useLocalDpi xmlns:a14="http://schemas.microsoft.com/office/drawing/2010/main" val="0"/>
+              </a:ext>
+            </a:extLst>
+          </a:blip>
+          <a:stretch>
+            <a:fillRect/>
+          </a:stretch>
+        </p:blipFill>
+        <p:spPr>
+          <a:xfrm>
+            <a:off x="6861143" y="1833481"/>
+            <a:ext cx="4210638" cy="3439005"/>
+          </a:xfrm>
+          <a:prstGeom prst="rect">
+            <a:avLst/>
+          </a:prstGeom>
+        </p:spPr>
+      </p:pic>
+      <p:sp>
+        <p:nvSpPr>
+          <p:cNvPr id="6" name="TextBox 5">
+            <a:extLst>
+              <a:ext uri="{FF2B5EF4-FFF2-40B4-BE49-F238E27FC236}">
+                <a16:creationId xmlns:a16="http://schemas.microsoft.com/office/drawing/2014/main" id="{646D0C99-881B-6CDD-C44D-D7089FAA7886}"/>
+              </a:ext>
+            </a:extLst>
+          </p:cNvPr>
+          <p:cNvSpPr txBox="1"/>
+          <p:nvPr/>
+        </p:nvSpPr>
+        <p:spPr>
+          <a:xfrm>
+            <a:off x="7893379" y="5387417"/>
+            <a:ext cx="2146167" cy="276999"/>
+          </a:xfrm>
+          <a:prstGeom prst="rect">
+            <a:avLst/>
+          </a:prstGeom>
+          <a:noFill/>
+        </p:spPr>
+        <p:txBody>
+          <a:bodyPr wrap="square" rtlCol="0">
+            <a:spAutoFit/>
+          </a:bodyPr>
+          <a:lstStyle/>
+          <a:p>
+            <a:pPr algn="ctr"/>
+            <a:r>
+              <a:rPr lang="sr-Cyrl-RS" sz="1200" dirty="0"/>
+              <a:t>Шема Солармен инвертера</a:t>
+            </a:r>
+            <a:endParaRPr lang="en-US" sz="1200" dirty="0"/>
+          </a:p>
+        </p:txBody>
+      </p:sp>
+    </p:spTree>
+    <p:extLst>
+      <p:ext uri="{BB962C8B-B14F-4D97-AF65-F5344CB8AC3E}">
+        <p14:creationId xmlns:p14="http://schemas.microsoft.com/office/powerpoint/2010/main" val="1463897380"/>
+      </p:ext>
+    </p:extLst>
+  </p:cSld>
+  <p:clrMapOvr>
+    <a:masterClrMapping/>
+  </p:clrMapOvr>
+</p:sld>
+</file>
+
+<file path=ppt/slides/slide7.xml><?xml version="1.0" encoding="utf-8"?>
+<p:sld xmlns:a="http://schemas.openxmlformats.org/drawingml/2006/main" xmlns:r="http://schemas.openxmlformats.org/officeDocument/2006/relationships" xmlns:p="http://schemas.openxmlformats.org/presentationml/2006/main">
+  <p:cSld>
+    <p:spTree>
+      <p:nvGrpSpPr>
+        <p:cNvPr id="1" name=""/>
+        <p:cNvGrpSpPr/>
+        <p:nvPr/>
+      </p:nvGrpSpPr>
+      <p:grpSpPr>
+        <a:xfrm>
+          <a:off x="0" y="0"/>
+          <a:ext cx="0" cy="0"/>
+          <a:chOff x="0" y="0"/>
+          <a:chExt cx="0" cy="0"/>
+        </a:xfrm>
+      </p:grpSpPr>
+      <p:sp>
+        <p:nvSpPr>
+          <p:cNvPr id="2" name="Title 1">
+            <a:extLst>
+              <a:ext uri="{FF2B5EF4-FFF2-40B4-BE49-F238E27FC236}">
+                <a16:creationId xmlns:a16="http://schemas.microsoft.com/office/drawing/2014/main" id="{E66A38B1-8CFA-3104-EFB1-0623870A9536}"/>
+              </a:ext>
+            </a:extLst>
+          </p:cNvPr>
+          <p:cNvSpPr>
+            <a:spLocks noGrp="1"/>
+          </p:cNvSpPr>
+          <p:nvPr>
+            <p:ph type="title"/>
+          </p:nvPr>
+        </p:nvSpPr>
+        <p:spPr/>
+        <p:txBody>
+          <a:bodyPr/>
+          <a:lstStyle/>
+          <a:p>
+            <a:endParaRPr lang="en-US"/>
+          </a:p>
+        </p:txBody>
+      </p:sp>
+      <p:sp>
+        <p:nvSpPr>
+          <p:cNvPr id="3" name="Content Placeholder 2">
+            <a:extLst>
+              <a:ext uri="{FF2B5EF4-FFF2-40B4-BE49-F238E27FC236}">
+                <a16:creationId xmlns:a16="http://schemas.microsoft.com/office/drawing/2014/main" id="{88D2A7D4-E9D2-3ED6-0B47-73D7A63093F5}"/>
               </a:ext>
             </a:extLst>
           </p:cNvPr>
@@ -20518,7 +22057,167 @@
     </p:spTree>
     <p:extLst>
       <p:ext uri="{BB962C8B-B14F-4D97-AF65-F5344CB8AC3E}">
-        <p14:creationId xmlns:p14="http://schemas.microsoft.com/office/powerpoint/2010/main" val="876413487"/>
+        <p14:creationId xmlns:p14="http://schemas.microsoft.com/office/powerpoint/2010/main" val="1316736351"/>
+      </p:ext>
+    </p:extLst>
+  </p:cSld>
+  <p:clrMapOvr>
+    <a:masterClrMapping/>
+  </p:clrMapOvr>
+</p:sld>
+</file>
+
+<file path=ppt/slides/slide8.xml><?xml version="1.0" encoding="utf-8"?>
+<p:sld xmlns:a="http://schemas.openxmlformats.org/drawingml/2006/main" xmlns:r="http://schemas.openxmlformats.org/officeDocument/2006/relationships" xmlns:p="http://schemas.openxmlformats.org/presentationml/2006/main">
+  <p:cSld>
+    <p:spTree>
+      <p:nvGrpSpPr>
+        <p:cNvPr id="1" name=""/>
+        <p:cNvGrpSpPr/>
+        <p:nvPr/>
+      </p:nvGrpSpPr>
+      <p:grpSpPr>
+        <a:xfrm>
+          <a:off x="0" y="0"/>
+          <a:ext cx="0" cy="0"/>
+          <a:chOff x="0" y="0"/>
+          <a:chExt cx="0" cy="0"/>
+        </a:xfrm>
+      </p:grpSpPr>
+      <p:sp>
+        <p:nvSpPr>
+          <p:cNvPr id="2" name="Title 1">
+            <a:extLst>
+              <a:ext uri="{FF2B5EF4-FFF2-40B4-BE49-F238E27FC236}">
+                <a16:creationId xmlns:a16="http://schemas.microsoft.com/office/drawing/2014/main" id="{D074D545-8830-9C7A-FB57-704E240DB798}"/>
+              </a:ext>
+            </a:extLst>
+          </p:cNvPr>
+          <p:cNvSpPr>
+            <a:spLocks noGrp="1"/>
+          </p:cNvSpPr>
+          <p:nvPr>
+            <p:ph type="title"/>
+          </p:nvPr>
+        </p:nvSpPr>
+        <p:spPr/>
+        <p:txBody>
+          <a:bodyPr/>
+          <a:lstStyle/>
+          <a:p>
+            <a:endParaRPr lang="en-US"/>
+          </a:p>
+        </p:txBody>
+      </p:sp>
+      <p:sp>
+        <p:nvSpPr>
+          <p:cNvPr id="3" name="Content Placeholder 2">
+            <a:extLst>
+              <a:ext uri="{FF2B5EF4-FFF2-40B4-BE49-F238E27FC236}">
+                <a16:creationId xmlns:a16="http://schemas.microsoft.com/office/drawing/2014/main" id="{9F7E8B7C-1DD7-8F4C-2A1D-8112CD94CBA2}"/>
+              </a:ext>
+            </a:extLst>
+          </p:cNvPr>
+          <p:cNvSpPr>
+            <a:spLocks noGrp="1"/>
+          </p:cNvSpPr>
+          <p:nvPr>
+            <p:ph idx="1"/>
+          </p:nvPr>
+        </p:nvSpPr>
+        <p:spPr/>
+        <p:txBody>
+          <a:bodyPr/>
+          <a:lstStyle/>
+          <a:p>
+            <a:endParaRPr lang="en-US"/>
+          </a:p>
+        </p:txBody>
+      </p:sp>
+    </p:spTree>
+    <p:extLst>
+      <p:ext uri="{BB962C8B-B14F-4D97-AF65-F5344CB8AC3E}">
+        <p14:creationId xmlns:p14="http://schemas.microsoft.com/office/powerpoint/2010/main" val="3696307352"/>
+      </p:ext>
+    </p:extLst>
+  </p:cSld>
+  <p:clrMapOvr>
+    <a:masterClrMapping/>
+  </p:clrMapOvr>
+</p:sld>
+</file>
+
+<file path=ppt/slides/slide9.xml><?xml version="1.0" encoding="utf-8"?>
+<p:sld xmlns:a="http://schemas.openxmlformats.org/drawingml/2006/main" xmlns:r="http://schemas.openxmlformats.org/officeDocument/2006/relationships" xmlns:p="http://schemas.openxmlformats.org/presentationml/2006/main">
+  <p:cSld>
+    <p:spTree>
+      <p:nvGrpSpPr>
+        <p:cNvPr id="1" name=""/>
+        <p:cNvGrpSpPr/>
+        <p:nvPr/>
+      </p:nvGrpSpPr>
+      <p:grpSpPr>
+        <a:xfrm>
+          <a:off x="0" y="0"/>
+          <a:ext cx="0" cy="0"/>
+          <a:chOff x="0" y="0"/>
+          <a:chExt cx="0" cy="0"/>
+        </a:xfrm>
+      </p:grpSpPr>
+      <p:sp>
+        <p:nvSpPr>
+          <p:cNvPr id="2" name="Title 1">
+            <a:extLst>
+              <a:ext uri="{FF2B5EF4-FFF2-40B4-BE49-F238E27FC236}">
+                <a16:creationId xmlns:a16="http://schemas.microsoft.com/office/drawing/2014/main" id="{0A6E1B40-3F61-088B-26E1-A05BA3B2F396}"/>
+              </a:ext>
+            </a:extLst>
+          </p:cNvPr>
+          <p:cNvSpPr>
+            <a:spLocks noGrp="1"/>
+          </p:cNvSpPr>
+          <p:nvPr>
+            <p:ph type="title"/>
+          </p:nvPr>
+        </p:nvSpPr>
+        <p:spPr/>
+        <p:txBody>
+          <a:bodyPr/>
+          <a:lstStyle/>
+          <a:p>
+            <a:endParaRPr lang="en-US"/>
+          </a:p>
+        </p:txBody>
+      </p:sp>
+      <p:sp>
+        <p:nvSpPr>
+          <p:cNvPr id="3" name="Content Placeholder 2">
+            <a:extLst>
+              <a:ext uri="{FF2B5EF4-FFF2-40B4-BE49-F238E27FC236}">
+                <a16:creationId xmlns:a16="http://schemas.microsoft.com/office/drawing/2014/main" id="{CE0B8A59-585F-B817-F7B4-3D4DBFF1F532}"/>
+              </a:ext>
+            </a:extLst>
+          </p:cNvPr>
+          <p:cNvSpPr>
+            <a:spLocks noGrp="1"/>
+          </p:cNvSpPr>
+          <p:nvPr>
+            <p:ph idx="1"/>
+          </p:nvPr>
+        </p:nvSpPr>
+        <p:spPr/>
+        <p:txBody>
+          <a:bodyPr/>
+          <a:lstStyle/>
+          <a:p>
+            <a:endParaRPr lang="en-US"/>
+          </a:p>
+        </p:txBody>
+      </p:sp>
+    </p:spTree>
+    <p:extLst>
+      <p:ext uri="{BB962C8B-B14F-4D97-AF65-F5344CB8AC3E}">
+        <p14:creationId xmlns:p14="http://schemas.microsoft.com/office/powerpoint/2010/main" val="917212139"/>
       </p:ext>
     </p:extLst>
   </p:cSld>

--- a/Сајбер безбедност соларних инвертера.pptx
+++ b/Сајбер безбедност соларних инвертера.pptx
@@ -4,23 +4,37 @@
   <p:sldMasterIdLst>
     <p:sldMasterId id="2147483672" r:id="rId1"/>
   </p:sldMasterIdLst>
+  <p:notesMasterIdLst>
+    <p:notesMasterId r:id="rId29"/>
+  </p:notesMasterIdLst>
   <p:sldIdLst>
     <p:sldId id="256" r:id="rId2"/>
     <p:sldId id="257" r:id="rId3"/>
-    <p:sldId id="258" r:id="rId4"/>
-    <p:sldId id="259" r:id="rId5"/>
-    <p:sldId id="260" r:id="rId6"/>
-    <p:sldId id="261" r:id="rId7"/>
-    <p:sldId id="262" r:id="rId8"/>
-    <p:sldId id="263" r:id="rId9"/>
-    <p:sldId id="264" r:id="rId10"/>
-    <p:sldId id="265" r:id="rId11"/>
-    <p:sldId id="266" r:id="rId12"/>
-    <p:sldId id="267" r:id="rId13"/>
-    <p:sldId id="268" r:id="rId14"/>
-    <p:sldId id="269" r:id="rId15"/>
-    <p:sldId id="270" r:id="rId16"/>
-    <p:sldId id="271" r:id="rId17"/>
+    <p:sldId id="260" r:id="rId4"/>
+    <p:sldId id="261" r:id="rId5"/>
+    <p:sldId id="262" r:id="rId6"/>
+    <p:sldId id="263" r:id="rId7"/>
+    <p:sldId id="264" r:id="rId8"/>
+    <p:sldId id="265" r:id="rId9"/>
+    <p:sldId id="266" r:id="rId10"/>
+    <p:sldId id="267" r:id="rId11"/>
+    <p:sldId id="268" r:id="rId12"/>
+    <p:sldId id="269" r:id="rId13"/>
+    <p:sldId id="270" r:id="rId14"/>
+    <p:sldId id="271" r:id="rId15"/>
+    <p:sldId id="273" r:id="rId16"/>
+    <p:sldId id="274" r:id="rId17"/>
+    <p:sldId id="275" r:id="rId18"/>
+    <p:sldId id="280" r:id="rId19"/>
+    <p:sldId id="276" r:id="rId20"/>
+    <p:sldId id="277" r:id="rId21"/>
+    <p:sldId id="278" r:id="rId22"/>
+    <p:sldId id="279" r:id="rId23"/>
+    <p:sldId id="281" r:id="rId24"/>
+    <p:sldId id="282" r:id="rId25"/>
+    <p:sldId id="258" r:id="rId26"/>
+    <p:sldId id="259" r:id="rId27"/>
+    <p:sldId id="272" r:id="rId28"/>
   </p:sldIdLst>
   <p:sldSz cx="12192000" cy="6858000"/>
   <p:notesSz cx="6858000" cy="9144000"/>
@@ -125,6 +139,722 @@
     </p:ext>
   </p:extLst>
 </p:presentation>
+</file>
+
+<file path=ppt/ink/ink1.xml><?xml version="1.0" encoding="utf-8"?>
+<inkml:ink xmlns:inkml="http://www.w3.org/2003/InkML">
+  <inkml:definitions>
+    <inkml:context xml:id="ctx0">
+      <inkml:inkSource xml:id="inkSrc0">
+        <inkml:traceFormat>
+          <inkml:channel name="X" type="integer" min="-2.14748E9" max="2.14748E9" units="cm"/>
+          <inkml:channel name="Y" type="integer" min="-2.14748E9" max="2.14748E9" units="cm"/>
+        </inkml:traceFormat>
+        <inkml:channelProperties>
+          <inkml:channelProperty channel="X" name="resolution" value="1000" units="1/cm"/>
+          <inkml:channelProperty channel="Y" name="resolution" value="1000" units="1/cm"/>
+        </inkml:channelProperties>
+      </inkml:inkSource>
+      <inkml:timestamp xml:id="ts0" timeString="2024-10-11T14:05:40.564"/>
+    </inkml:context>
+    <inkml:brush xml:id="br0">
+      <inkml:brushProperty name="width" value="0.035" units="cm"/>
+      <inkml:brushProperty name="height" value="0.035" units="cm"/>
+      <inkml:brushProperty name="color" value="#E71224"/>
+      <inkml:brushProperty name="ignorePressure" value="1"/>
+    </inkml:brush>
+  </inkml:definitions>
+  <inkml:trace contextRef="#ctx0" brushRef="#br0">0 0,'8145'0,"-8123"0</inkml:trace>
+</inkml:ink>
+</file>
+
+<file path=ppt/notesMasters/notesMaster1.xml><?xml version="1.0" encoding="utf-8"?>
+<p:notesMaster xmlns:a="http://schemas.openxmlformats.org/drawingml/2006/main" xmlns:r="http://schemas.openxmlformats.org/officeDocument/2006/relationships" xmlns:p="http://schemas.openxmlformats.org/presentationml/2006/main">
+  <p:cSld>
+    <p:bg>
+      <p:bgRef idx="1001">
+        <a:schemeClr val="bg1"/>
+      </p:bgRef>
+    </p:bg>
+    <p:spTree>
+      <p:nvGrpSpPr>
+        <p:cNvPr id="1" name=""/>
+        <p:cNvGrpSpPr/>
+        <p:nvPr/>
+      </p:nvGrpSpPr>
+      <p:grpSpPr>
+        <a:xfrm>
+          <a:off x="0" y="0"/>
+          <a:ext cx="0" cy="0"/>
+          <a:chOff x="0" y="0"/>
+          <a:chExt cx="0" cy="0"/>
+        </a:xfrm>
+      </p:grpSpPr>
+      <p:sp>
+        <p:nvSpPr>
+          <p:cNvPr id="2" name="Header Placeholder 1"/>
+          <p:cNvSpPr>
+            <a:spLocks noGrp="1"/>
+          </p:cNvSpPr>
+          <p:nvPr>
+            <p:ph type="hdr" sz="quarter"/>
+          </p:nvPr>
+        </p:nvSpPr>
+        <p:spPr>
+          <a:xfrm>
+            <a:off x="0" y="0"/>
+            <a:ext cx="2971800" cy="458788"/>
+          </a:xfrm>
+          <a:prstGeom prst="rect">
+            <a:avLst/>
+          </a:prstGeom>
+        </p:spPr>
+        <p:txBody>
+          <a:bodyPr vert="horz" lIns="91440" tIns="45720" rIns="91440" bIns="45720" rtlCol="0"/>
+          <a:lstStyle>
+            <a:lvl1pPr algn="l">
+              <a:defRPr sz="1200"/>
+            </a:lvl1pPr>
+          </a:lstStyle>
+          <a:p>
+            <a:endParaRPr lang="en-US"/>
+          </a:p>
+        </p:txBody>
+      </p:sp>
+      <p:sp>
+        <p:nvSpPr>
+          <p:cNvPr id="3" name="Date Placeholder 2"/>
+          <p:cNvSpPr>
+            <a:spLocks noGrp="1"/>
+          </p:cNvSpPr>
+          <p:nvPr>
+            <p:ph type="dt" idx="1"/>
+          </p:nvPr>
+        </p:nvSpPr>
+        <p:spPr>
+          <a:xfrm>
+            <a:off x="3884613" y="0"/>
+            <a:ext cx="2971800" cy="458788"/>
+          </a:xfrm>
+          <a:prstGeom prst="rect">
+            <a:avLst/>
+          </a:prstGeom>
+        </p:spPr>
+        <p:txBody>
+          <a:bodyPr vert="horz" lIns="91440" tIns="45720" rIns="91440" bIns="45720" rtlCol="0"/>
+          <a:lstStyle>
+            <a:lvl1pPr algn="r">
+              <a:defRPr sz="1200"/>
+            </a:lvl1pPr>
+          </a:lstStyle>
+          <a:p>
+            <a:fld id="{8C0ADB95-B8C9-4F21-BBA9-6AB8D1F7BD3F}" type="datetimeFigureOut">
+              <a:rPr lang="en-US" smtClean="0"/>
+              <a:t>10/11/2024</a:t>
+            </a:fld>
+            <a:endParaRPr lang="en-US"/>
+          </a:p>
+        </p:txBody>
+      </p:sp>
+      <p:sp>
+        <p:nvSpPr>
+          <p:cNvPr id="4" name="Slide Image Placeholder 3"/>
+          <p:cNvSpPr>
+            <a:spLocks noGrp="1" noRot="1" noChangeAspect="1"/>
+          </p:cNvSpPr>
+          <p:nvPr>
+            <p:ph type="sldImg" idx="2"/>
+          </p:nvPr>
+        </p:nvSpPr>
+        <p:spPr>
+          <a:xfrm>
+            <a:off x="685800" y="1143000"/>
+            <a:ext cx="5486400" cy="3086100"/>
+          </a:xfrm>
+          <a:prstGeom prst="rect">
+            <a:avLst/>
+          </a:prstGeom>
+          <a:noFill/>
+          <a:ln w="12700">
+            <a:solidFill>
+              <a:prstClr val="black"/>
+            </a:solidFill>
+          </a:ln>
+        </p:spPr>
+        <p:txBody>
+          <a:bodyPr vert="horz" lIns="91440" tIns="45720" rIns="91440" bIns="45720" rtlCol="0" anchor="ctr"/>
+          <a:lstStyle/>
+          <a:p>
+            <a:endParaRPr lang="en-US"/>
+          </a:p>
+        </p:txBody>
+      </p:sp>
+      <p:sp>
+        <p:nvSpPr>
+          <p:cNvPr id="5" name="Notes Placeholder 4"/>
+          <p:cNvSpPr>
+            <a:spLocks noGrp="1"/>
+          </p:cNvSpPr>
+          <p:nvPr>
+            <p:ph type="body" sz="quarter" idx="3"/>
+          </p:nvPr>
+        </p:nvSpPr>
+        <p:spPr>
+          <a:xfrm>
+            <a:off x="685800" y="4400550"/>
+            <a:ext cx="5486400" cy="3600450"/>
+          </a:xfrm>
+          <a:prstGeom prst="rect">
+            <a:avLst/>
+          </a:prstGeom>
+        </p:spPr>
+        <p:txBody>
+          <a:bodyPr vert="horz" lIns="91440" tIns="45720" rIns="91440" bIns="45720" rtlCol="0"/>
+          <a:lstStyle/>
+          <a:p>
+            <a:pPr lvl="0"/>
+            <a:r>
+              <a:rPr lang="en-US"/>
+              <a:t>Click to edit Master text styles</a:t>
+            </a:r>
+          </a:p>
+          <a:p>
+            <a:pPr lvl="1"/>
+            <a:r>
+              <a:rPr lang="en-US"/>
+              <a:t>Second level</a:t>
+            </a:r>
+          </a:p>
+          <a:p>
+            <a:pPr lvl="2"/>
+            <a:r>
+              <a:rPr lang="en-US"/>
+              <a:t>Third level</a:t>
+            </a:r>
+          </a:p>
+          <a:p>
+            <a:pPr lvl="3"/>
+            <a:r>
+              <a:rPr lang="en-US"/>
+              <a:t>Fourth level</a:t>
+            </a:r>
+          </a:p>
+          <a:p>
+            <a:pPr lvl="4"/>
+            <a:r>
+              <a:rPr lang="en-US"/>
+              <a:t>Fifth level</a:t>
+            </a:r>
+          </a:p>
+        </p:txBody>
+      </p:sp>
+      <p:sp>
+        <p:nvSpPr>
+          <p:cNvPr id="6" name="Footer Placeholder 5"/>
+          <p:cNvSpPr>
+            <a:spLocks noGrp="1"/>
+          </p:cNvSpPr>
+          <p:nvPr>
+            <p:ph type="ftr" sz="quarter" idx="4"/>
+          </p:nvPr>
+        </p:nvSpPr>
+        <p:spPr>
+          <a:xfrm>
+            <a:off x="0" y="8685213"/>
+            <a:ext cx="2971800" cy="458787"/>
+          </a:xfrm>
+          <a:prstGeom prst="rect">
+            <a:avLst/>
+          </a:prstGeom>
+        </p:spPr>
+        <p:txBody>
+          <a:bodyPr vert="horz" lIns="91440" tIns="45720" rIns="91440" bIns="45720" rtlCol="0" anchor="b"/>
+          <a:lstStyle>
+            <a:lvl1pPr algn="l">
+              <a:defRPr sz="1200"/>
+            </a:lvl1pPr>
+          </a:lstStyle>
+          <a:p>
+            <a:endParaRPr lang="en-US"/>
+          </a:p>
+        </p:txBody>
+      </p:sp>
+      <p:sp>
+        <p:nvSpPr>
+          <p:cNvPr id="7" name="Slide Number Placeholder 6"/>
+          <p:cNvSpPr>
+            <a:spLocks noGrp="1"/>
+          </p:cNvSpPr>
+          <p:nvPr>
+            <p:ph type="sldNum" sz="quarter" idx="5"/>
+          </p:nvPr>
+        </p:nvSpPr>
+        <p:spPr>
+          <a:xfrm>
+            <a:off x="3884613" y="8685213"/>
+            <a:ext cx="2971800" cy="458787"/>
+          </a:xfrm>
+          <a:prstGeom prst="rect">
+            <a:avLst/>
+          </a:prstGeom>
+        </p:spPr>
+        <p:txBody>
+          <a:bodyPr vert="horz" lIns="91440" tIns="45720" rIns="91440" bIns="45720" rtlCol="0" anchor="b"/>
+          <a:lstStyle>
+            <a:lvl1pPr algn="r">
+              <a:defRPr sz="1200"/>
+            </a:lvl1pPr>
+          </a:lstStyle>
+          <a:p>
+            <a:fld id="{3DB06DB1-571F-4788-9F1B-2455186DF02E}" type="slidenum">
+              <a:rPr lang="en-US" smtClean="0"/>
+              <a:t>‹#›</a:t>
+            </a:fld>
+            <a:endParaRPr lang="en-US"/>
+          </a:p>
+        </p:txBody>
+      </p:sp>
+    </p:spTree>
+    <p:extLst>
+      <p:ext uri="{BB962C8B-B14F-4D97-AF65-F5344CB8AC3E}">
+        <p14:creationId xmlns:p14="http://schemas.microsoft.com/office/powerpoint/2010/main" val="2327892261"/>
+      </p:ext>
+    </p:extLst>
+  </p:cSld>
+  <p:clrMap bg1="lt1" tx1="dk1" bg2="lt2" tx2="dk2" accent1="accent1" accent2="accent2" accent3="accent3" accent4="accent4" accent5="accent5" accent6="accent6" hlink="hlink" folHlink="folHlink"/>
+  <p:notesStyle>
+    <a:lvl1pPr marL="0" algn="l" defTabSz="914400" rtl="0" eaLnBrk="1" latinLnBrk="0" hangingPunct="1">
+      <a:defRPr sz="1200" kern="1200">
+        <a:solidFill>
+          <a:schemeClr val="tx1"/>
+        </a:solidFill>
+        <a:latin typeface="+mn-lt"/>
+        <a:ea typeface="+mn-ea"/>
+        <a:cs typeface="+mn-cs"/>
+      </a:defRPr>
+    </a:lvl1pPr>
+    <a:lvl2pPr marL="457200" algn="l" defTabSz="914400" rtl="0" eaLnBrk="1" latinLnBrk="0" hangingPunct="1">
+      <a:defRPr sz="1200" kern="1200">
+        <a:solidFill>
+          <a:schemeClr val="tx1"/>
+        </a:solidFill>
+        <a:latin typeface="+mn-lt"/>
+        <a:ea typeface="+mn-ea"/>
+        <a:cs typeface="+mn-cs"/>
+      </a:defRPr>
+    </a:lvl2pPr>
+    <a:lvl3pPr marL="914400" algn="l" defTabSz="914400" rtl="0" eaLnBrk="1" latinLnBrk="0" hangingPunct="1">
+      <a:defRPr sz="1200" kern="1200">
+        <a:solidFill>
+          <a:schemeClr val="tx1"/>
+        </a:solidFill>
+        <a:latin typeface="+mn-lt"/>
+        <a:ea typeface="+mn-ea"/>
+        <a:cs typeface="+mn-cs"/>
+      </a:defRPr>
+    </a:lvl3pPr>
+    <a:lvl4pPr marL="1371600" algn="l" defTabSz="914400" rtl="0" eaLnBrk="1" latinLnBrk="0" hangingPunct="1">
+      <a:defRPr sz="1200" kern="1200">
+        <a:solidFill>
+          <a:schemeClr val="tx1"/>
+        </a:solidFill>
+        <a:latin typeface="+mn-lt"/>
+        <a:ea typeface="+mn-ea"/>
+        <a:cs typeface="+mn-cs"/>
+      </a:defRPr>
+    </a:lvl4pPr>
+    <a:lvl5pPr marL="1828800" algn="l" defTabSz="914400" rtl="0" eaLnBrk="1" latinLnBrk="0" hangingPunct="1">
+      <a:defRPr sz="1200" kern="1200">
+        <a:solidFill>
+          <a:schemeClr val="tx1"/>
+        </a:solidFill>
+        <a:latin typeface="+mn-lt"/>
+        <a:ea typeface="+mn-ea"/>
+        <a:cs typeface="+mn-cs"/>
+      </a:defRPr>
+    </a:lvl5pPr>
+    <a:lvl6pPr marL="2286000" algn="l" defTabSz="914400" rtl="0" eaLnBrk="1" latinLnBrk="0" hangingPunct="1">
+      <a:defRPr sz="1200" kern="1200">
+        <a:solidFill>
+          <a:schemeClr val="tx1"/>
+        </a:solidFill>
+        <a:latin typeface="+mn-lt"/>
+        <a:ea typeface="+mn-ea"/>
+        <a:cs typeface="+mn-cs"/>
+      </a:defRPr>
+    </a:lvl6pPr>
+    <a:lvl7pPr marL="2743200" algn="l" defTabSz="914400" rtl="0" eaLnBrk="1" latinLnBrk="0" hangingPunct="1">
+      <a:defRPr sz="1200" kern="1200">
+        <a:solidFill>
+          <a:schemeClr val="tx1"/>
+        </a:solidFill>
+        <a:latin typeface="+mn-lt"/>
+        <a:ea typeface="+mn-ea"/>
+        <a:cs typeface="+mn-cs"/>
+      </a:defRPr>
+    </a:lvl7pPr>
+    <a:lvl8pPr marL="3200400" algn="l" defTabSz="914400" rtl="0" eaLnBrk="1" latinLnBrk="0" hangingPunct="1">
+      <a:defRPr sz="1200" kern="1200">
+        <a:solidFill>
+          <a:schemeClr val="tx1"/>
+        </a:solidFill>
+        <a:latin typeface="+mn-lt"/>
+        <a:ea typeface="+mn-ea"/>
+        <a:cs typeface="+mn-cs"/>
+      </a:defRPr>
+    </a:lvl8pPr>
+    <a:lvl9pPr marL="3657600" algn="l" defTabSz="914400" rtl="0" eaLnBrk="1" latinLnBrk="0" hangingPunct="1">
+      <a:defRPr sz="1200" kern="1200">
+        <a:solidFill>
+          <a:schemeClr val="tx1"/>
+        </a:solidFill>
+        <a:latin typeface="+mn-lt"/>
+        <a:ea typeface="+mn-ea"/>
+        <a:cs typeface="+mn-cs"/>
+      </a:defRPr>
+    </a:lvl9pPr>
+  </p:notesStyle>
+</p:notesMaster>
+</file>
+
+<file path=ppt/notesSlides/notesSlide1.xml><?xml version="1.0" encoding="utf-8"?>
+<p:notes xmlns:a="http://schemas.openxmlformats.org/drawingml/2006/main" xmlns:r="http://schemas.openxmlformats.org/officeDocument/2006/relationships" xmlns:p="http://schemas.openxmlformats.org/presentationml/2006/main">
+  <p:cSld>
+    <p:spTree>
+      <p:nvGrpSpPr>
+        <p:cNvPr id="1" name=""/>
+        <p:cNvGrpSpPr/>
+        <p:nvPr/>
+      </p:nvGrpSpPr>
+      <p:grpSpPr>
+        <a:xfrm>
+          <a:off x="0" y="0"/>
+          <a:ext cx="0" cy="0"/>
+          <a:chOff x="0" y="0"/>
+          <a:chExt cx="0" cy="0"/>
+        </a:xfrm>
+      </p:grpSpPr>
+      <p:sp>
+        <p:nvSpPr>
+          <p:cNvPr id="2" name="Slide Image Placeholder 1"/>
+          <p:cNvSpPr>
+            <a:spLocks noGrp="1" noRot="1" noChangeAspect="1"/>
+          </p:cNvSpPr>
+          <p:nvPr>
+            <p:ph type="sldImg"/>
+          </p:nvPr>
+        </p:nvSpPr>
+        <p:spPr/>
+      </p:sp>
+      <p:sp>
+        <p:nvSpPr>
+          <p:cNvPr id="3" name="Notes Placeholder 2"/>
+          <p:cNvSpPr>
+            <a:spLocks noGrp="1"/>
+          </p:cNvSpPr>
+          <p:nvPr>
+            <p:ph type="body" idx="1"/>
+          </p:nvPr>
+        </p:nvSpPr>
+        <p:spPr/>
+        <p:txBody>
+          <a:bodyPr/>
+          <a:lstStyle/>
+          <a:p>
+            <a:pPr marL="0" marR="0" lvl="0" indent="0" algn="l" defTabSz="914400" rtl="0" eaLnBrk="1" fontAlgn="auto" latinLnBrk="0" hangingPunct="1">
+              <a:lnSpc>
+                <a:spcPct val="100000"/>
+              </a:lnSpc>
+              <a:spcBef>
+                <a:spcPts val="0"/>
+              </a:spcBef>
+              <a:spcAft>
+                <a:spcPts val="0"/>
+              </a:spcAft>
+              <a:buClrTx/>
+              <a:buSzTx/>
+              <a:buFontTx/>
+              <a:buNone/>
+              <a:tabLst/>
+              <a:defRPr/>
+            </a:pPr>
+            <a:r>
+              <a:rPr lang="sr-Cyrl-RS" dirty="0"/>
+              <a:t>Нападач </a:t>
+            </a:r>
+            <a:r>
+              <a:rPr lang="sr-Cyrl-RS"/>
+              <a:t>уноси ИД </a:t>
+            </a:r>
+            <a:r>
+              <a:rPr lang="sr-Cyrl-RS" dirty="0"/>
+              <a:t>број жељеног корисника </a:t>
+            </a:r>
+            <a:r>
+              <a:rPr lang="sr-Cyrl-RS"/>
+              <a:t>унутар невалидног </a:t>
+            </a:r>
+            <a:r>
+              <a:rPr lang="sr-Cyrl-RS" dirty="0"/>
+              <a:t>токена, сервер не врши </a:t>
+            </a:r>
+            <a:r>
+              <a:rPr lang="sr-Cyrl-RS"/>
+              <a:t>проверу валидности </a:t>
+            </a:r>
+            <a:r>
+              <a:rPr lang="sr-Cyrl-RS" dirty="0"/>
+              <a:t>токена, након чега је приступ и контрола над подацима тог корисника.</a:t>
+            </a:r>
+            <a:endParaRPr lang="en-US" dirty="0"/>
+          </a:p>
+          <a:p>
+            <a:endParaRPr lang="en-US" dirty="0"/>
+          </a:p>
+        </p:txBody>
+      </p:sp>
+      <p:sp>
+        <p:nvSpPr>
+          <p:cNvPr id="4" name="Slide Number Placeholder 3"/>
+          <p:cNvSpPr>
+            <a:spLocks noGrp="1"/>
+          </p:cNvSpPr>
+          <p:nvPr>
+            <p:ph type="sldNum" sz="quarter" idx="5"/>
+          </p:nvPr>
+        </p:nvSpPr>
+        <p:spPr/>
+        <p:txBody>
+          <a:bodyPr/>
+          <a:lstStyle/>
+          <a:p>
+            <a:fld id="{3DB06DB1-571F-4788-9F1B-2455186DF02E}" type="slidenum">
+              <a:rPr lang="en-US" smtClean="0"/>
+              <a:t>13</a:t>
+            </a:fld>
+            <a:endParaRPr lang="en-US"/>
+          </a:p>
+        </p:txBody>
+      </p:sp>
+    </p:spTree>
+    <p:extLst>
+      <p:ext uri="{BB962C8B-B14F-4D97-AF65-F5344CB8AC3E}">
+        <p14:creationId xmlns:p14="http://schemas.microsoft.com/office/powerpoint/2010/main" val="3227777809"/>
+      </p:ext>
+    </p:extLst>
+  </p:cSld>
+  <p:clrMapOvr>
+    <a:masterClrMapping/>
+  </p:clrMapOvr>
+</p:notes>
+</file>
+
+<file path=ppt/notesSlides/notesSlide2.xml><?xml version="1.0" encoding="utf-8"?>
+<p:notes xmlns:a="http://schemas.openxmlformats.org/drawingml/2006/main" xmlns:r="http://schemas.openxmlformats.org/officeDocument/2006/relationships" xmlns:p="http://schemas.openxmlformats.org/presentationml/2006/main">
+  <p:cSld>
+    <p:spTree>
+      <p:nvGrpSpPr>
+        <p:cNvPr id="1" name=""/>
+        <p:cNvGrpSpPr/>
+        <p:nvPr/>
+      </p:nvGrpSpPr>
+      <p:grpSpPr>
+        <a:xfrm>
+          <a:off x="0" y="0"/>
+          <a:ext cx="0" cy="0"/>
+          <a:chOff x="0" y="0"/>
+          <a:chExt cx="0" cy="0"/>
+        </a:xfrm>
+      </p:grpSpPr>
+      <p:sp>
+        <p:nvSpPr>
+          <p:cNvPr id="2" name="Slide Image Placeholder 1"/>
+          <p:cNvSpPr>
+            <a:spLocks noGrp="1" noRot="1" noChangeAspect="1"/>
+          </p:cNvSpPr>
+          <p:nvPr>
+            <p:ph type="sldImg"/>
+          </p:nvPr>
+        </p:nvSpPr>
+        <p:spPr/>
+      </p:sp>
+      <p:sp>
+        <p:nvSpPr>
+          <p:cNvPr id="3" name="Notes Placeholder 2"/>
+          <p:cNvSpPr>
+            <a:spLocks noGrp="1"/>
+          </p:cNvSpPr>
+          <p:nvPr>
+            <p:ph type="body" idx="1"/>
+          </p:nvPr>
+        </p:nvSpPr>
+        <p:spPr/>
+        <p:txBody>
+          <a:bodyPr/>
+          <a:lstStyle/>
+          <a:p>
+            <a:pPr marL="0" marR="0" lvl="0" indent="0" algn="l" defTabSz="914400" rtl="0" eaLnBrk="1" fontAlgn="auto" latinLnBrk="0" hangingPunct="1">
+              <a:lnSpc>
+                <a:spcPct val="100000"/>
+              </a:lnSpc>
+              <a:spcBef>
+                <a:spcPts val="0"/>
+              </a:spcBef>
+              <a:spcAft>
+                <a:spcPts val="0"/>
+              </a:spcAft>
+              <a:buClrTx/>
+              <a:buSzTx/>
+              <a:buFontTx/>
+              <a:buNone/>
+              <a:tabLst/>
+              <a:defRPr/>
+            </a:pPr>
+            <a:r>
+              <a:rPr lang="en-US" dirty="0"/>
+              <a:t>Siemens Energy ProductCERT</a:t>
+            </a:r>
+            <a:r>
+              <a:rPr lang="sr-Cyrl-RS" dirty="0"/>
+              <a:t> такође издаје статистику </a:t>
+            </a:r>
+            <a:r>
+              <a:rPr lang="sr-Cyrl-RS"/>
+              <a:t>у виду </a:t>
+            </a:r>
+            <a:r>
+              <a:rPr lang="sr-Cyrl-RS" dirty="0"/>
+              <a:t>мапе рањивости тј. тип рањивости у зависности од године</a:t>
+            </a:r>
+            <a:endParaRPr lang="en-US" dirty="0"/>
+          </a:p>
+          <a:p>
+            <a:endParaRPr lang="en-US" dirty="0"/>
+          </a:p>
+        </p:txBody>
+      </p:sp>
+      <p:sp>
+        <p:nvSpPr>
+          <p:cNvPr id="4" name="Slide Number Placeholder 3"/>
+          <p:cNvSpPr>
+            <a:spLocks noGrp="1"/>
+          </p:cNvSpPr>
+          <p:nvPr>
+            <p:ph type="sldNum" sz="quarter" idx="5"/>
+          </p:nvPr>
+        </p:nvSpPr>
+        <p:spPr/>
+        <p:txBody>
+          <a:bodyPr/>
+          <a:lstStyle/>
+          <a:p>
+            <a:fld id="{3DB06DB1-571F-4788-9F1B-2455186DF02E}" type="slidenum">
+              <a:rPr lang="en-US" smtClean="0"/>
+              <a:t>20</a:t>
+            </a:fld>
+            <a:endParaRPr lang="en-US"/>
+          </a:p>
+        </p:txBody>
+      </p:sp>
+    </p:spTree>
+    <p:extLst>
+      <p:ext uri="{BB962C8B-B14F-4D97-AF65-F5344CB8AC3E}">
+        <p14:creationId xmlns:p14="http://schemas.microsoft.com/office/powerpoint/2010/main" val="526963897"/>
+      </p:ext>
+    </p:extLst>
+  </p:cSld>
+  <p:clrMapOvr>
+    <a:masterClrMapping/>
+  </p:clrMapOvr>
+</p:notes>
+</file>
+
+<file path=ppt/notesSlides/notesSlide3.xml><?xml version="1.0" encoding="utf-8"?>
+<p:notes xmlns:a="http://schemas.openxmlformats.org/drawingml/2006/main" xmlns:r="http://schemas.openxmlformats.org/officeDocument/2006/relationships" xmlns:p="http://schemas.openxmlformats.org/presentationml/2006/main">
+  <p:cSld>
+    <p:spTree>
+      <p:nvGrpSpPr>
+        <p:cNvPr id="1" name=""/>
+        <p:cNvGrpSpPr/>
+        <p:nvPr/>
+      </p:nvGrpSpPr>
+      <p:grpSpPr>
+        <a:xfrm>
+          <a:off x="0" y="0"/>
+          <a:ext cx="0" cy="0"/>
+          <a:chOff x="0" y="0"/>
+          <a:chExt cx="0" cy="0"/>
+        </a:xfrm>
+      </p:grpSpPr>
+      <p:sp>
+        <p:nvSpPr>
+          <p:cNvPr id="2" name="Slide Image Placeholder 1"/>
+          <p:cNvSpPr>
+            <a:spLocks noGrp="1" noRot="1" noChangeAspect="1"/>
+          </p:cNvSpPr>
+          <p:nvPr>
+            <p:ph type="sldImg"/>
+          </p:nvPr>
+        </p:nvSpPr>
+        <p:spPr/>
+      </p:sp>
+      <p:sp>
+        <p:nvSpPr>
+          <p:cNvPr id="3" name="Notes Placeholder 2"/>
+          <p:cNvSpPr>
+            <a:spLocks noGrp="1"/>
+          </p:cNvSpPr>
+          <p:nvPr>
+            <p:ph type="body" idx="1"/>
+          </p:nvPr>
+        </p:nvSpPr>
+        <p:spPr/>
+        <p:txBody>
+          <a:bodyPr/>
+          <a:lstStyle/>
+          <a:p>
+            <a:r>
+              <a:rPr lang="sr-Cyrl-RS" dirty="0"/>
+              <a:t>Истраживањем анонимног извора пронађен је посебан тип рањивости у сунгроу систему, не по комплексности већ по месту  за разлику. Кроз ХТМЛ код сајта могуће је омогућити ово подешавање и изменити тип корисника на било који, па чак и највиши тип ’’суперадминитртор’’</a:t>
+            </a:r>
+            <a:endParaRPr lang="en-US" dirty="0"/>
+          </a:p>
+        </p:txBody>
+      </p:sp>
+      <p:sp>
+        <p:nvSpPr>
+          <p:cNvPr id="4" name="Slide Number Placeholder 3"/>
+          <p:cNvSpPr>
+            <a:spLocks noGrp="1"/>
+          </p:cNvSpPr>
+          <p:nvPr>
+            <p:ph type="sldNum" sz="quarter" idx="5"/>
+          </p:nvPr>
+        </p:nvSpPr>
+        <p:spPr/>
+        <p:txBody>
+          <a:bodyPr/>
+          <a:lstStyle/>
+          <a:p>
+            <a:fld id="{3DB06DB1-571F-4788-9F1B-2455186DF02E}" type="slidenum">
+              <a:rPr lang="en-US" smtClean="0"/>
+              <a:t>21</a:t>
+            </a:fld>
+            <a:endParaRPr lang="en-US"/>
+          </a:p>
+        </p:txBody>
+      </p:sp>
+    </p:spTree>
+    <p:extLst>
+      <p:ext uri="{BB962C8B-B14F-4D97-AF65-F5344CB8AC3E}">
+        <p14:creationId xmlns:p14="http://schemas.microsoft.com/office/powerpoint/2010/main" val="1898867557"/>
+      </p:ext>
+    </p:extLst>
+  </p:cSld>
+  <p:clrMapOvr>
+    <a:masterClrMapping/>
+  </p:clrMapOvr>
+</p:notes>
 </file>
 
 <file path=ppt/slideLayouts/slideLayout1.xml><?xml version="1.0" encoding="utf-8"?>
@@ -312,7 +1042,7 @@
           <a:p>
             <a:fld id="{6EE416AE-20C6-4F4D-B06F-11CE44231EBA}" type="datetimeFigureOut">
               <a:rPr lang="en-US" smtClean="0"/>
-              <a:t>10/8/2024</a:t>
+              <a:t>10/11/2024</a:t>
             </a:fld>
             <a:endParaRPr lang="en-US"/>
           </a:p>
@@ -610,7 +1340,7 @@
           <a:p>
             <a:fld id="{6EE416AE-20C6-4F4D-B06F-11CE44231EBA}" type="datetimeFigureOut">
               <a:rPr lang="en-US" smtClean="0"/>
-              <a:t>10/8/2024</a:t>
+              <a:t>10/11/2024</a:t>
             </a:fld>
             <a:endParaRPr lang="en-US"/>
           </a:p>
@@ -802,7 +1532,7 @@
           <a:p>
             <a:fld id="{6EE416AE-20C6-4F4D-B06F-11CE44231EBA}" type="datetimeFigureOut">
               <a:rPr lang="en-US" smtClean="0"/>
-              <a:t>10/8/2024</a:t>
+              <a:t>10/11/2024</a:t>
             </a:fld>
             <a:endParaRPr lang="en-US"/>
           </a:p>
@@ -1063,7 +1793,7 @@
           <a:p>
             <a:fld id="{6EE416AE-20C6-4F4D-B06F-11CE44231EBA}" type="datetimeFigureOut">
               <a:rPr lang="en-US" smtClean="0"/>
-              <a:t>10/8/2024</a:t>
+              <a:t>10/11/2024</a:t>
             </a:fld>
             <a:endParaRPr lang="en-US"/>
           </a:p>
@@ -1487,7 +2217,7 @@
           <a:p>
             <a:fld id="{6EE416AE-20C6-4F4D-B06F-11CE44231EBA}" type="datetimeFigureOut">
               <a:rPr lang="en-US" smtClean="0"/>
-              <a:t>10/8/2024</a:t>
+              <a:t>10/11/2024</a:t>
             </a:fld>
             <a:endParaRPr lang="en-US"/>
           </a:p>
@@ -2024,7 +2754,7 @@
           <a:p>
             <a:fld id="{6EE416AE-20C6-4F4D-B06F-11CE44231EBA}" type="datetimeFigureOut">
               <a:rPr lang="en-US" smtClean="0"/>
-              <a:t>10/8/2024</a:t>
+              <a:t>10/11/2024</a:t>
             </a:fld>
             <a:endParaRPr lang="en-US"/>
           </a:p>
@@ -2888,7 +3618,7 @@
           <a:p>
             <a:fld id="{6EE416AE-20C6-4F4D-B06F-11CE44231EBA}" type="datetimeFigureOut">
               <a:rPr lang="en-US" smtClean="0"/>
-              <a:t>10/8/2024</a:t>
+              <a:t>10/11/2024</a:t>
             </a:fld>
             <a:endParaRPr lang="en-US"/>
           </a:p>
@@ -3058,7 +3788,7 @@
           <a:p>
             <a:fld id="{6EE416AE-20C6-4F4D-B06F-11CE44231EBA}" type="datetimeFigureOut">
               <a:rPr lang="en-US" smtClean="0"/>
-              <a:t>10/8/2024</a:t>
+              <a:t>10/11/2024</a:t>
             </a:fld>
             <a:endParaRPr lang="en-US"/>
           </a:p>
@@ -3242,7 +3972,7 @@
           <a:p>
             <a:fld id="{6EE416AE-20C6-4F4D-B06F-11CE44231EBA}" type="datetimeFigureOut">
               <a:rPr lang="en-US" smtClean="0"/>
-              <a:t>10/8/2024</a:t>
+              <a:t>10/11/2024</a:t>
             </a:fld>
             <a:endParaRPr lang="en-US"/>
           </a:p>
@@ -3412,7 +4142,7 @@
           <a:p>
             <a:fld id="{6EE416AE-20C6-4F4D-B06F-11CE44231EBA}" type="datetimeFigureOut">
               <a:rPr lang="en-US" smtClean="0"/>
-              <a:t>10/8/2024</a:t>
+              <a:t>10/11/2024</a:t>
             </a:fld>
             <a:endParaRPr lang="en-US"/>
           </a:p>
@@ -3656,7 +4386,7 @@
           <a:p>
             <a:fld id="{6EE416AE-20C6-4F4D-B06F-11CE44231EBA}" type="datetimeFigureOut">
               <a:rPr lang="en-US" smtClean="0"/>
-              <a:t>10/8/2024</a:t>
+              <a:t>10/11/2024</a:t>
             </a:fld>
             <a:endParaRPr lang="en-US"/>
           </a:p>
@@ -3892,7 +4622,7 @@
           <a:p>
             <a:fld id="{6EE416AE-20C6-4F4D-B06F-11CE44231EBA}" type="datetimeFigureOut">
               <a:rPr lang="en-US" smtClean="0"/>
-              <a:t>10/8/2024</a:t>
+              <a:t>10/11/2024</a:t>
             </a:fld>
             <a:endParaRPr lang="en-US"/>
           </a:p>
@@ -4358,7 +5088,7 @@
           <a:p>
             <a:fld id="{6EE416AE-20C6-4F4D-B06F-11CE44231EBA}" type="datetimeFigureOut">
               <a:rPr lang="en-US" smtClean="0"/>
-              <a:t>10/8/2024</a:t>
+              <a:t>10/11/2024</a:t>
             </a:fld>
             <a:endParaRPr lang="en-US"/>
           </a:p>
@@ -4476,7 +5206,7 @@
           <a:p>
             <a:fld id="{6EE416AE-20C6-4F4D-B06F-11CE44231EBA}" type="datetimeFigureOut">
               <a:rPr lang="en-US" smtClean="0"/>
-              <a:t>10/8/2024</a:t>
+              <a:t>10/11/2024</a:t>
             </a:fld>
             <a:endParaRPr lang="en-US"/>
           </a:p>
@@ -4571,7 +5301,7 @@
           <a:p>
             <a:fld id="{6EE416AE-20C6-4F4D-B06F-11CE44231EBA}" type="datetimeFigureOut">
               <a:rPr lang="en-US" smtClean="0"/>
-              <a:t>10/8/2024</a:t>
+              <a:t>10/11/2024</a:t>
             </a:fld>
             <a:endParaRPr lang="en-US"/>
           </a:p>
@@ -4826,7 +5556,7 @@
           <a:p>
             <a:fld id="{6EE416AE-20C6-4F4D-B06F-11CE44231EBA}" type="datetimeFigureOut">
               <a:rPr lang="en-US" smtClean="0"/>
-              <a:t>10/8/2024</a:t>
+              <a:t>10/11/2024</a:t>
             </a:fld>
             <a:endParaRPr lang="en-US"/>
           </a:p>
@@ -5126,7 +5856,7 @@
           <a:p>
             <a:fld id="{6EE416AE-20C6-4F4D-B06F-11CE44231EBA}" type="datetimeFigureOut">
               <a:rPr lang="en-US" smtClean="0"/>
-              <a:t>10/8/2024</a:t>
+              <a:t>10/11/2024</a:t>
             </a:fld>
             <a:endParaRPr lang="en-US"/>
           </a:p>
@@ -5360,7 +6090,7 @@
           <a:p>
             <a:fld id="{6EE416AE-20C6-4F4D-B06F-11CE44231EBA}" type="datetimeFigureOut">
               <a:rPr lang="en-US" smtClean="0"/>
-              <a:t>10/8/2024</a:t>
+              <a:t>10/11/2024</a:t>
             </a:fld>
             <a:endParaRPr lang="en-US"/>
           </a:p>
@@ -20271,7 +21001,15 @@
             <a:pPr algn="ctr"/>
             <a:r>
               <a:rPr lang="sr-Cyrl-RS" dirty="0"/>
-              <a:t>Ментор: Проф. др Леонид Стоименов </a:t>
+              <a:t>Ментор: Проф. </a:t>
+            </a:r>
+            <a:r>
+              <a:rPr lang="sr-Cyrl-RS"/>
+              <a:t>др Леонид </a:t>
+            </a:r>
+            <a:r>
+              <a:rPr lang="sr-Cyrl-RS" dirty="0"/>
+              <a:t>Стоименов </a:t>
             </a:r>
             <a:endParaRPr lang="en-US" dirty="0"/>
           </a:p>
@@ -20312,166 +21050,6 @@
           <p:cNvPr id="2" name="Title 1">
             <a:extLst>
               <a:ext uri="{FF2B5EF4-FFF2-40B4-BE49-F238E27FC236}">
-                <a16:creationId xmlns:a16="http://schemas.microsoft.com/office/drawing/2014/main" id="{8F0C519F-F573-ED46-46AA-2E1DD4103040}"/>
-              </a:ext>
-            </a:extLst>
-          </p:cNvPr>
-          <p:cNvSpPr>
-            <a:spLocks noGrp="1"/>
-          </p:cNvSpPr>
-          <p:nvPr>
-            <p:ph type="title"/>
-          </p:nvPr>
-        </p:nvSpPr>
-        <p:spPr/>
-        <p:txBody>
-          <a:bodyPr/>
-          <a:lstStyle/>
-          <a:p>
-            <a:endParaRPr lang="en-US"/>
-          </a:p>
-        </p:txBody>
-      </p:sp>
-      <p:sp>
-        <p:nvSpPr>
-          <p:cNvPr id="3" name="Content Placeholder 2">
-            <a:extLst>
-              <a:ext uri="{FF2B5EF4-FFF2-40B4-BE49-F238E27FC236}">
-                <a16:creationId xmlns:a16="http://schemas.microsoft.com/office/drawing/2014/main" id="{2F8B1F7A-F9E9-0CF3-D077-08298FF27B1A}"/>
-              </a:ext>
-            </a:extLst>
-          </p:cNvPr>
-          <p:cNvSpPr>
-            <a:spLocks noGrp="1"/>
-          </p:cNvSpPr>
-          <p:nvPr>
-            <p:ph idx="1"/>
-          </p:nvPr>
-        </p:nvSpPr>
-        <p:spPr/>
-        <p:txBody>
-          <a:bodyPr/>
-          <a:lstStyle/>
-          <a:p>
-            <a:endParaRPr lang="en-US"/>
-          </a:p>
-        </p:txBody>
-      </p:sp>
-    </p:spTree>
-    <p:extLst>
-      <p:ext uri="{BB962C8B-B14F-4D97-AF65-F5344CB8AC3E}">
-        <p14:creationId xmlns:p14="http://schemas.microsoft.com/office/powerpoint/2010/main" val="1400255284"/>
-      </p:ext>
-    </p:extLst>
-  </p:cSld>
-  <p:clrMapOvr>
-    <a:masterClrMapping/>
-  </p:clrMapOvr>
-</p:sld>
-</file>
-
-<file path=ppt/slides/slide11.xml><?xml version="1.0" encoding="utf-8"?>
-<p:sld xmlns:a="http://schemas.openxmlformats.org/drawingml/2006/main" xmlns:r="http://schemas.openxmlformats.org/officeDocument/2006/relationships" xmlns:p="http://schemas.openxmlformats.org/presentationml/2006/main">
-  <p:cSld>
-    <p:spTree>
-      <p:nvGrpSpPr>
-        <p:cNvPr id="1" name=""/>
-        <p:cNvGrpSpPr/>
-        <p:nvPr/>
-      </p:nvGrpSpPr>
-      <p:grpSpPr>
-        <a:xfrm>
-          <a:off x="0" y="0"/>
-          <a:ext cx="0" cy="0"/>
-          <a:chOff x="0" y="0"/>
-          <a:chExt cx="0" cy="0"/>
-        </a:xfrm>
-      </p:grpSpPr>
-      <p:sp>
-        <p:nvSpPr>
-          <p:cNvPr id="2" name="Title 1">
-            <a:extLst>
-              <a:ext uri="{FF2B5EF4-FFF2-40B4-BE49-F238E27FC236}">
-                <a16:creationId xmlns:a16="http://schemas.microsoft.com/office/drawing/2014/main" id="{1B57006E-CC23-F9D8-CB2E-50805F5B06B1}"/>
-              </a:ext>
-            </a:extLst>
-          </p:cNvPr>
-          <p:cNvSpPr>
-            <a:spLocks noGrp="1"/>
-          </p:cNvSpPr>
-          <p:nvPr>
-            <p:ph type="title"/>
-          </p:nvPr>
-        </p:nvSpPr>
-        <p:spPr/>
-        <p:txBody>
-          <a:bodyPr/>
-          <a:lstStyle/>
-          <a:p>
-            <a:endParaRPr lang="en-US"/>
-          </a:p>
-        </p:txBody>
-      </p:sp>
-      <p:sp>
-        <p:nvSpPr>
-          <p:cNvPr id="3" name="Content Placeholder 2">
-            <a:extLst>
-              <a:ext uri="{FF2B5EF4-FFF2-40B4-BE49-F238E27FC236}">
-                <a16:creationId xmlns:a16="http://schemas.microsoft.com/office/drawing/2014/main" id="{E74ED6C1-76C4-3383-095E-1B4F79401EFA}"/>
-              </a:ext>
-            </a:extLst>
-          </p:cNvPr>
-          <p:cNvSpPr>
-            <a:spLocks noGrp="1"/>
-          </p:cNvSpPr>
-          <p:nvPr>
-            <p:ph idx="1"/>
-          </p:nvPr>
-        </p:nvSpPr>
-        <p:spPr/>
-        <p:txBody>
-          <a:bodyPr/>
-          <a:lstStyle/>
-          <a:p>
-            <a:endParaRPr lang="en-US"/>
-          </a:p>
-        </p:txBody>
-      </p:sp>
-    </p:spTree>
-    <p:extLst>
-      <p:ext uri="{BB962C8B-B14F-4D97-AF65-F5344CB8AC3E}">
-        <p14:creationId xmlns:p14="http://schemas.microsoft.com/office/powerpoint/2010/main" val="2928450751"/>
-      </p:ext>
-    </p:extLst>
-  </p:cSld>
-  <p:clrMapOvr>
-    <a:masterClrMapping/>
-  </p:clrMapOvr>
-</p:sld>
-</file>
-
-<file path=ppt/slides/slide12.xml><?xml version="1.0" encoding="utf-8"?>
-<p:sld xmlns:a="http://schemas.openxmlformats.org/drawingml/2006/main" xmlns:r="http://schemas.openxmlformats.org/officeDocument/2006/relationships" xmlns:p="http://schemas.openxmlformats.org/presentationml/2006/main">
-  <p:cSld>
-    <p:spTree>
-      <p:nvGrpSpPr>
-        <p:cNvPr id="1" name=""/>
-        <p:cNvGrpSpPr/>
-        <p:nvPr/>
-      </p:nvGrpSpPr>
-      <p:grpSpPr>
-        <a:xfrm>
-          <a:off x="0" y="0"/>
-          <a:ext cx="0" cy="0"/>
-          <a:chOff x="0" y="0"/>
-          <a:chExt cx="0" cy="0"/>
-        </a:xfrm>
-      </p:grpSpPr>
-      <p:sp>
-        <p:nvSpPr>
-          <p:cNvPr id="2" name="Title 1">
-            <a:extLst>
-              <a:ext uri="{FF2B5EF4-FFF2-40B4-BE49-F238E27FC236}">
                 <a16:creationId xmlns:a16="http://schemas.microsoft.com/office/drawing/2014/main" id="{5CACAD9E-6847-AF5C-5036-328B1E6EBFD7}"/>
               </a:ext>
             </a:extLst>
@@ -20488,7 +21066,12 @@
           <a:bodyPr/>
           <a:lstStyle/>
           <a:p>
-            <a:endParaRPr lang="en-US"/>
+            <a:pPr algn="l"/>
+            <a:r>
+              <a:rPr lang="sr-Cyrl-RS" dirty="0"/>
+              <a:t>Заштита на нивоу инвертера</a:t>
+            </a:r>
+            <a:endParaRPr lang="en-US" dirty="0"/>
           </a:p>
         </p:txBody>
       </p:sp>
@@ -20513,7 +21096,61 @@
           <a:bodyPr/>
           <a:lstStyle/>
           <a:p>
-            <a:endParaRPr lang="en-US"/>
+            <a:r>
+              <a:rPr lang="sr-Cyrl-RS" dirty="0"/>
+              <a:t>Заштита на самом уређају има за задатак одржавање неколико важних аспеката сигурности:</a:t>
+            </a:r>
+          </a:p>
+          <a:p>
+            <a:pPr lvl="1"/>
+            <a:r>
+              <a:rPr lang="sr-Cyrl-RS" dirty="0"/>
+              <a:t>Спречавање неовлашћеног приступа – аутентификација корисника, правила за лозинке.</a:t>
+            </a:r>
+          </a:p>
+          <a:p>
+            <a:pPr lvl="1"/>
+            <a:r>
+              <a:rPr lang="sr-Cyrl-RS" dirty="0"/>
+              <a:t>Одржавање интегритета уређаја – енкрипција фирмвера, сигурно покретање и ажурирање.</a:t>
+            </a:r>
+          </a:p>
+          <a:p>
+            <a:pPr lvl="1"/>
+            <a:r>
+              <a:rPr lang="sr-Cyrl-RS" dirty="0"/>
+              <a:t>Осигурање поузданости рада – логовање активности уређаја, сигурносни протоколи ажурирања.</a:t>
+            </a:r>
+          </a:p>
+          <a:p>
+            <a:pPr lvl="1"/>
+            <a:r>
+              <a:rPr lang="sr-Cyrl-RS" dirty="0"/>
+              <a:t>Заштита података – енкрипција комуникације и фирмвера.</a:t>
+            </a:r>
+          </a:p>
+          <a:p>
+            <a:pPr lvl="1"/>
+            <a:r>
+              <a:rPr lang="sr-Cyrl-RS" dirty="0"/>
+              <a:t>Превенција ширења напада – сигурно покретање, ИДС/ИПС (</a:t>
+            </a:r>
+            <a:r>
+              <a:rPr lang="en-US" dirty="0"/>
+              <a:t>IDS/IPS) </a:t>
+            </a:r>
+            <a:r>
+              <a:rPr lang="sr-Cyrl-RS" dirty="0"/>
+              <a:t>интеграција мрежне контроле.</a:t>
+            </a:r>
+          </a:p>
+          <a:p>
+            <a:pPr lvl="1"/>
+            <a:r>
+              <a:rPr lang="sr-Cyrl-RS" dirty="0"/>
+              <a:t>Спречавање физичког напада – физичке заштите кућишта.</a:t>
+            </a:r>
+            <a:endParaRPr lang="en-US" dirty="0"/>
           </a:p>
         </p:txBody>
       </p:sp>
@@ -20530,7 +21167,7 @@
 </p:sld>
 </file>
 
-<file path=ppt/slides/slide13.xml><?xml version="1.0" encoding="utf-8"?>
+<file path=ppt/slides/slide11.xml><?xml version="1.0" encoding="utf-8"?>
 <p:sld xmlns:a="http://schemas.openxmlformats.org/drawingml/2006/main" xmlns:r="http://schemas.openxmlformats.org/officeDocument/2006/relationships" xmlns:p="http://schemas.openxmlformats.org/presentationml/2006/main">
   <p:cSld>
     <p:spTree>
@@ -20565,10 +21202,17 @@
         </p:nvSpPr>
         <p:spPr/>
         <p:txBody>
-          <a:bodyPr/>
+          <a:bodyPr>
+            <a:normAutofit/>
+          </a:bodyPr>
           <a:lstStyle/>
           <a:p>
-            <a:endParaRPr lang="en-US"/>
+            <a:pPr algn="l"/>
+            <a:r>
+              <a:rPr lang="sr-Cyrl-RS" dirty="0"/>
+              <a:t>Заштита на мпрежном нивоу</a:t>
+            </a:r>
+            <a:endParaRPr lang="en-US" dirty="0"/>
           </a:p>
         </p:txBody>
       </p:sp>
@@ -20593,7 +21237,75 @@
           <a:bodyPr/>
           <a:lstStyle/>
           <a:p>
-            <a:endParaRPr lang="en-US"/>
+            <a:r>
+              <a:rPr lang="sr-Cyrl-RS" dirty="0"/>
+              <a:t>Скуп мера, технологија за осигуравање комукације, одржавање интегритета података између инвертера и других мрежних система. </a:t>
+            </a:r>
+          </a:p>
+          <a:p>
+            <a:pPr lvl="1"/>
+            <a:r>
+              <a:rPr lang="sr-Cyrl-RS" dirty="0"/>
+              <a:t>ВПН тунел </a:t>
+            </a:r>
+          </a:p>
+          <a:p>
+            <a:pPr lvl="1"/>
+            <a:r>
+              <a:rPr lang="sr-Cyrl-RS" dirty="0"/>
+              <a:t>Фајервал </a:t>
+            </a:r>
+          </a:p>
+          <a:p>
+            <a:pPr lvl="1"/>
+            <a:r>
+              <a:rPr lang="sr-Cyrl-RS"/>
+              <a:t>ИДС </a:t>
+            </a:r>
+            <a:r>
+              <a:rPr lang="sr-Cyrl-RS" dirty="0"/>
+              <a:t>(</a:t>
+            </a:r>
+            <a:r>
+              <a:rPr lang="en-US" dirty="0"/>
+              <a:t>Intrusion Detection Systems) / </a:t>
+            </a:r>
+            <a:r>
+              <a:rPr lang="sr-Cyrl-RS" dirty="0"/>
+              <a:t>ИПС (</a:t>
+            </a:r>
+            <a:r>
+              <a:rPr lang="en-US" dirty="0"/>
+              <a:t>Intrusion Prevention Systems) </a:t>
+            </a:r>
+            <a:endParaRPr lang="sr-Cyrl-RS" dirty="0"/>
+          </a:p>
+          <a:p>
+            <a:pPr lvl="1"/>
+            <a:r>
+              <a:rPr lang="sr-Cyrl-RS" dirty="0"/>
+              <a:t>Сегментација мреже</a:t>
+            </a:r>
+          </a:p>
+          <a:p>
+            <a:pPr lvl="1"/>
+            <a:r>
+              <a:rPr lang="ru-RU" dirty="0"/>
+              <a:t>Мониторинг и логовање мрежног саобраћаја</a:t>
+            </a:r>
+            <a:endParaRPr lang="sr-Cyrl-RS" dirty="0"/>
+          </a:p>
+          <a:p>
+            <a:pPr lvl="1"/>
+            <a:r>
+              <a:rPr lang="sr-Cyrl-RS" dirty="0"/>
+              <a:t>Сигурно управљање приступом (ИАМ - </a:t>
+            </a:r>
+            <a:r>
+              <a:rPr lang="en-US" dirty="0"/>
+              <a:t>Identity and Access Management)</a:t>
+            </a:r>
+            <a:endParaRPr lang="sr-Cyrl-RS" dirty="0"/>
           </a:p>
         </p:txBody>
       </p:sp>
@@ -20610,7 +21322,7 @@
 </p:sld>
 </file>
 
-<file path=ppt/slides/slide14.xml><?xml version="1.0" encoding="utf-8"?>
+<file path=ppt/slides/slide12.xml><?xml version="1.0" encoding="utf-8"?>
 <p:sld xmlns:a="http://schemas.openxmlformats.org/drawingml/2006/main" xmlns:r="http://schemas.openxmlformats.org/officeDocument/2006/relationships" xmlns:p="http://schemas.openxmlformats.org/presentationml/2006/main">
   <p:cSld>
     <p:spTree>
@@ -20648,7 +21360,12 @@
           <a:bodyPr/>
           <a:lstStyle/>
           <a:p>
-            <a:endParaRPr lang="en-US"/>
+            <a:pPr algn="l"/>
+            <a:r>
+              <a:rPr lang="sr-Cyrl-RS" dirty="0"/>
+              <a:t>Рањивости ’’паметних’’ инвертера</a:t>
+            </a:r>
+            <a:endParaRPr lang="en-US" dirty="0"/>
           </a:p>
         </p:txBody>
       </p:sp>
@@ -20668,12 +21385,75 @@
             <p:ph idx="1"/>
           </p:nvPr>
         </p:nvSpPr>
-        <p:spPr/>
+        <p:spPr>
+          <a:xfrm>
+            <a:off x="910653" y="1580050"/>
+            <a:ext cx="10353762" cy="4319559"/>
+          </a:xfrm>
+        </p:spPr>
         <p:txBody>
-          <a:bodyPr/>
+          <a:bodyPr>
+            <a:normAutofit lnSpcReduction="10000"/>
+          </a:bodyPr>
           <a:lstStyle/>
           <a:p>
-            <a:endParaRPr lang="en-US"/>
+            <a:r>
+              <a:rPr lang="ru-RU" dirty="0"/>
+              <a:t>Као и код сваког система повезаног на ширу мрежу, не може се у потпуности спречити неовлашћени приступ, већ се само може отежати до те мере да постане неисплативо. Иако већина произвођача примењује наведене мере заштите и њихове различите комбинације, у системима и даље постоје рањивости.</a:t>
+            </a:r>
+          </a:p>
+          <a:p>
+            <a:r>
+              <a:rPr lang="ru-RU" dirty="0"/>
+              <a:t>Веома важну улогу имају независне компаније које спроводе истраживања у области сајбер безбедности уређаја, а један од познатијих примера овакве фирме је </a:t>
+            </a:r>
+            <a:r>
+              <a:rPr lang="sr-Cyrl-RS" dirty="0"/>
+              <a:t>БитДефендер.</a:t>
+            </a:r>
+          </a:p>
+          <a:p>
+            <a:r>
+              <a:rPr lang="sr-Cyrl-RS" dirty="0"/>
+              <a:t>Пример рањивости: </a:t>
+            </a:r>
+          </a:p>
+          <a:p>
+            <a:pPr lvl="1"/>
+            <a:r>
+              <a:rPr lang="sr-Cyrl-RS" dirty="0"/>
+              <a:t>Солармен</a:t>
+            </a:r>
+          </a:p>
+          <a:p>
+            <a:pPr lvl="1"/>
+            <a:r>
+              <a:rPr lang="sr-Cyrl-RS" dirty="0"/>
+              <a:t>Деј</a:t>
+            </a:r>
+          </a:p>
+          <a:p>
+            <a:pPr lvl="1"/>
+            <a:r>
+              <a:rPr lang="sr-Cyrl-RS" dirty="0"/>
+              <a:t>Сименс</a:t>
+            </a:r>
+          </a:p>
+          <a:p>
+            <a:pPr lvl="1"/>
+            <a:r>
+              <a:rPr lang="sr-Cyrl-RS" dirty="0"/>
+              <a:t>Сангроу (</a:t>
+            </a:r>
+            <a:r>
+              <a:rPr lang="en-US" dirty="0" err="1"/>
+              <a:t>Sungrow</a:t>
+            </a:r>
+            <a:r>
+              <a:rPr lang="en-US" dirty="0"/>
+              <a:t>)</a:t>
+            </a:r>
+            <a:endParaRPr lang="ru-RU" dirty="0"/>
           </a:p>
         </p:txBody>
       </p:sp>
@@ -20690,7 +21470,7 @@
 </p:sld>
 </file>
 
-<file path=ppt/slides/slide15.xml><?xml version="1.0" encoding="utf-8"?>
+<file path=ppt/slides/slide13.xml><?xml version="1.0" encoding="utf-8"?>
 <p:sld xmlns:a="http://schemas.openxmlformats.org/drawingml/2006/main" xmlns:r="http://schemas.openxmlformats.org/officeDocument/2006/relationships" xmlns:p="http://schemas.openxmlformats.org/presentationml/2006/main">
   <p:cSld>
     <p:spTree>
@@ -20723,12 +21503,314 @@
             <p:ph type="title"/>
           </p:nvPr>
         </p:nvSpPr>
+        <p:spPr>
+          <a:xfrm>
+            <a:off x="919118" y="175967"/>
+            <a:ext cx="10353762" cy="970450"/>
+          </a:xfrm>
+        </p:spPr>
+        <p:txBody>
+          <a:bodyPr>
+            <a:normAutofit fontScale="90000"/>
+          </a:bodyPr>
+          <a:lstStyle/>
+          <a:p>
+            <a:pPr algn="l"/>
+            <a:r>
+              <a:rPr lang="ru-RU" dirty="0"/>
+              <a:t>Рањивости Солармен (Solarman) соларне опреме</a:t>
+            </a:r>
+            <a:endParaRPr lang="en-US" dirty="0"/>
+          </a:p>
+        </p:txBody>
+      </p:sp>
+      <p:pic>
+        <p:nvPicPr>
+          <p:cNvPr id="5" name="Content Placeholder 4">
+            <a:extLst>
+              <a:ext uri="{FF2B5EF4-FFF2-40B4-BE49-F238E27FC236}">
+                <a16:creationId xmlns:a16="http://schemas.microsoft.com/office/drawing/2014/main" id="{33A88AFD-4E4D-839C-1247-F3CC263BEE07}"/>
+              </a:ext>
+            </a:extLst>
+          </p:cNvPr>
+          <p:cNvPicPr>
+            <a:picLocks noGrp="1" noChangeAspect="1"/>
+          </p:cNvPicPr>
+          <p:nvPr>
+            <p:ph idx="1"/>
+          </p:nvPr>
+        </p:nvPicPr>
+        <p:blipFill>
+          <a:blip r:embed="rId3">
+            <a:extLst>
+              <a:ext uri="{28A0092B-C50C-407E-A947-70E740481C1C}">
+                <a14:useLocalDpi xmlns:a14="http://schemas.microsoft.com/office/drawing/2010/main" val="0"/>
+              </a:ext>
+            </a:extLst>
+          </a:blip>
+          <a:stretch>
+            <a:fillRect/>
+          </a:stretch>
+        </p:blipFill>
+        <p:spPr>
+          <a:xfrm>
+            <a:off x="2077146" y="1171836"/>
+            <a:ext cx="8037705" cy="4514328"/>
+          </a:xfrm>
+        </p:spPr>
+      </p:pic>
+      <p:sp>
+        <p:nvSpPr>
+          <p:cNvPr id="6" name="TextBox 5">
+            <a:extLst>
+              <a:ext uri="{FF2B5EF4-FFF2-40B4-BE49-F238E27FC236}">
+                <a16:creationId xmlns:a16="http://schemas.microsoft.com/office/drawing/2014/main" id="{D1E72B0A-A03C-1E7B-00D8-24A158943E9D}"/>
+              </a:ext>
+            </a:extLst>
+          </p:cNvPr>
+          <p:cNvSpPr txBox="1"/>
+          <p:nvPr/>
+        </p:nvSpPr>
+        <p:spPr>
+          <a:xfrm>
+            <a:off x="2952161" y="5739863"/>
+            <a:ext cx="6287678" cy="338554"/>
+          </a:xfrm>
+          <a:prstGeom prst="rect">
+            <a:avLst/>
+          </a:prstGeom>
+          <a:noFill/>
+        </p:spPr>
+        <p:txBody>
+          <a:bodyPr wrap="square" rtlCol="0">
+            <a:spAutoFit/>
+          </a:bodyPr>
+          <a:lstStyle/>
+          <a:p>
+            <a:pPr algn="ctr"/>
+            <a:r>
+              <a:rPr lang="sr-Cyrl-RS" sz="1600"/>
+              <a:t>Слање невалидног </a:t>
+            </a:r>
+            <a:r>
+              <a:rPr lang="sr-Cyrl-RS" sz="1600" dirty="0"/>
+              <a:t>ЈВТ токена приликом промене организације</a:t>
+            </a:r>
+            <a:endParaRPr lang="en-US" sz="1600" dirty="0"/>
+          </a:p>
+        </p:txBody>
+      </p:sp>
+      <p:sp>
+        <p:nvSpPr>
+          <p:cNvPr id="7" name="TextBox 6">
+            <a:extLst>
+              <a:ext uri="{FF2B5EF4-FFF2-40B4-BE49-F238E27FC236}">
+                <a16:creationId xmlns:a16="http://schemas.microsoft.com/office/drawing/2014/main" id="{8A66E803-65E4-C605-7FB3-421A0C064814}"/>
+              </a:ext>
+            </a:extLst>
+          </p:cNvPr>
+          <p:cNvSpPr txBox="1"/>
+          <p:nvPr/>
+        </p:nvSpPr>
+        <p:spPr>
+          <a:xfrm>
+            <a:off x="919118" y="6183984"/>
+            <a:ext cx="10353762" cy="369332"/>
+          </a:xfrm>
+          <a:prstGeom prst="rect">
+            <a:avLst/>
+          </a:prstGeom>
+          <a:noFill/>
+        </p:spPr>
+        <p:txBody>
+          <a:bodyPr wrap="square" rtlCol="0">
+            <a:spAutoFit/>
+          </a:bodyPr>
+          <a:lstStyle/>
+          <a:p>
+            <a:pPr marL="285750" indent="-285750">
+              <a:buFont typeface="Arial" panose="020B0604020202020204" pitchFamily="34" charset="0"/>
+              <a:buChar char="•"/>
+            </a:pPr>
+            <a:endParaRPr lang="en-US" dirty="0"/>
+          </a:p>
+        </p:txBody>
+      </p:sp>
+    </p:spTree>
+    <p:extLst>
+      <p:ext uri="{BB962C8B-B14F-4D97-AF65-F5344CB8AC3E}">
+        <p14:creationId xmlns:p14="http://schemas.microsoft.com/office/powerpoint/2010/main" val="3224042506"/>
+      </p:ext>
+    </p:extLst>
+  </p:cSld>
+  <p:clrMapOvr>
+    <a:masterClrMapping/>
+  </p:clrMapOvr>
+</p:sld>
+</file>
+
+<file path=ppt/slides/slide14.xml><?xml version="1.0" encoding="utf-8"?>
+<p:sld xmlns:a="http://schemas.openxmlformats.org/drawingml/2006/main" xmlns:r="http://schemas.openxmlformats.org/officeDocument/2006/relationships" xmlns:p="http://schemas.openxmlformats.org/presentationml/2006/main">
+  <p:cSld>
+    <p:spTree>
+      <p:nvGrpSpPr>
+        <p:cNvPr id="1" name=""/>
+        <p:cNvGrpSpPr/>
+        <p:nvPr/>
+      </p:nvGrpSpPr>
+      <p:grpSpPr>
+        <a:xfrm>
+          <a:off x="0" y="0"/>
+          <a:ext cx="0" cy="0"/>
+          <a:chOff x="0" y="0"/>
+          <a:chExt cx="0" cy="0"/>
+        </a:xfrm>
+      </p:grpSpPr>
+      <p:pic>
+        <p:nvPicPr>
+          <p:cNvPr id="5" name="Content Placeholder 4">
+            <a:extLst>
+              <a:ext uri="{FF2B5EF4-FFF2-40B4-BE49-F238E27FC236}">
+                <a16:creationId xmlns:a16="http://schemas.microsoft.com/office/drawing/2014/main" id="{AAFE3F50-5EC4-62A9-94E9-E1AD62E4B979}"/>
+              </a:ext>
+            </a:extLst>
+          </p:cNvPr>
+          <p:cNvPicPr>
+            <a:picLocks noGrp="1" noChangeAspect="1"/>
+          </p:cNvPicPr>
+          <p:nvPr>
+            <p:ph idx="1"/>
+          </p:nvPr>
+        </p:nvPicPr>
+        <p:blipFill>
+          <a:blip r:embed="rId2">
+            <a:extLst>
+              <a:ext uri="{28A0092B-C50C-407E-A947-70E740481C1C}">
+                <a14:useLocalDpi xmlns:a14="http://schemas.microsoft.com/office/drawing/2010/main" val="0"/>
+              </a:ext>
+            </a:extLst>
+          </a:blip>
+          <a:stretch>
+            <a:fillRect/>
+          </a:stretch>
+        </p:blipFill>
+        <p:spPr>
+          <a:xfrm>
+            <a:off x="1596404" y="534759"/>
+            <a:ext cx="8999192" cy="4979922"/>
+          </a:xfrm>
+        </p:spPr>
+      </p:pic>
+      <p:sp>
+        <p:nvSpPr>
+          <p:cNvPr id="6" name="TextBox 5">
+            <a:extLst>
+              <a:ext uri="{FF2B5EF4-FFF2-40B4-BE49-F238E27FC236}">
+                <a16:creationId xmlns:a16="http://schemas.microsoft.com/office/drawing/2014/main" id="{E224599F-94F5-FF89-A409-224128A71F0B}"/>
+              </a:ext>
+            </a:extLst>
+          </p:cNvPr>
+          <p:cNvSpPr txBox="1"/>
+          <p:nvPr/>
+        </p:nvSpPr>
+        <p:spPr>
+          <a:xfrm>
+            <a:off x="2952160" y="5637229"/>
+            <a:ext cx="6287679" cy="646331"/>
+          </a:xfrm>
+          <a:prstGeom prst="rect">
+            <a:avLst/>
+          </a:prstGeom>
+          <a:noFill/>
+        </p:spPr>
+        <p:txBody>
+          <a:bodyPr wrap="square" rtlCol="0">
+            <a:spAutoFit/>
+          </a:bodyPr>
+          <a:lstStyle/>
+          <a:p>
+            <a:pPr algn="ctr"/>
+            <a:r>
+              <a:rPr lang="sr-Cyrl-RS" dirty="0"/>
+              <a:t>Одговор сервера након </a:t>
+            </a:r>
+            <a:r>
+              <a:rPr lang="sr-Cyrl-RS"/>
+              <a:t>прихватања невалидног </a:t>
+            </a:r>
+            <a:r>
+              <a:rPr lang="sr-Cyrl-RS" dirty="0"/>
+              <a:t>токена и захтевања података улогованог корисника</a:t>
+            </a:r>
+            <a:endParaRPr lang="en-US" dirty="0"/>
+          </a:p>
+        </p:txBody>
+      </p:sp>
+    </p:spTree>
+    <p:extLst>
+      <p:ext uri="{BB962C8B-B14F-4D97-AF65-F5344CB8AC3E}">
+        <p14:creationId xmlns:p14="http://schemas.microsoft.com/office/powerpoint/2010/main" val="2557070465"/>
+      </p:ext>
+    </p:extLst>
+  </p:cSld>
+  <p:clrMapOvr>
+    <a:masterClrMapping/>
+  </p:clrMapOvr>
+</p:sld>
+</file>
+
+<file path=ppt/slides/slide15.xml><?xml version="1.0" encoding="utf-8"?>
+<p:sld xmlns:a="http://schemas.openxmlformats.org/drawingml/2006/main" xmlns:r="http://schemas.openxmlformats.org/officeDocument/2006/relationships" xmlns:p="http://schemas.openxmlformats.org/presentationml/2006/main">
+  <p:cSld>
+    <p:spTree>
+      <p:nvGrpSpPr>
+        <p:cNvPr id="1" name=""/>
+        <p:cNvGrpSpPr/>
+        <p:nvPr/>
+      </p:nvGrpSpPr>
+      <p:grpSpPr>
+        <a:xfrm>
+          <a:off x="0" y="0"/>
+          <a:ext cx="0" cy="0"/>
+          <a:chOff x="0" y="0"/>
+          <a:chExt cx="0" cy="0"/>
+        </a:xfrm>
+      </p:grpSpPr>
+      <p:sp>
+        <p:nvSpPr>
+          <p:cNvPr id="2" name="Title 1">
+            <a:extLst>
+              <a:ext uri="{FF2B5EF4-FFF2-40B4-BE49-F238E27FC236}">
+                <a16:creationId xmlns:a16="http://schemas.microsoft.com/office/drawing/2014/main" id="{BBE6D945-544E-B2B9-DC7A-EA9C2E7D1744}"/>
+              </a:ext>
+            </a:extLst>
+          </p:cNvPr>
+          <p:cNvSpPr>
+            <a:spLocks noGrp="1"/>
+          </p:cNvSpPr>
+          <p:nvPr>
+            <p:ph type="title"/>
+          </p:nvPr>
+        </p:nvSpPr>
         <p:spPr/>
         <p:txBody>
           <a:bodyPr/>
           <a:lstStyle/>
           <a:p>
-            <a:endParaRPr lang="en-US"/>
+            <a:pPr algn="l"/>
+            <a:r>
+              <a:rPr lang="sr-Cyrl-RS" dirty="0"/>
+              <a:t>Поновна употреба Деј (</a:t>
+            </a:r>
+            <a:r>
+              <a:rPr lang="en-US" dirty="0"/>
+              <a:t>Deye</a:t>
+            </a:r>
+            <a:r>
+              <a:rPr lang="sr-Cyrl-RS" dirty="0"/>
+              <a:t>) Клауд токена</a:t>
+            </a:r>
+            <a:endParaRPr lang="en-US" dirty="0"/>
           </a:p>
         </p:txBody>
       </p:sp>
@@ -20737,7 +21819,7 @@
           <p:cNvPr id="3" name="Content Placeholder 2">
             <a:extLst>
               <a:ext uri="{FF2B5EF4-FFF2-40B4-BE49-F238E27FC236}">
-                <a16:creationId xmlns:a16="http://schemas.microsoft.com/office/drawing/2014/main" id="{975B078E-5806-46DA-5C41-657849E7A5CB}"/>
+                <a16:creationId xmlns:a16="http://schemas.microsoft.com/office/drawing/2014/main" id="{BAE05A23-EB46-F6A7-5187-116567735596}"/>
               </a:ext>
             </a:extLst>
           </p:cNvPr>
@@ -20753,14 +21835,44 @@
           <a:bodyPr/>
           <a:lstStyle/>
           <a:p>
-            <a:endParaRPr lang="en-US"/>
+            <a:r>
+              <a:rPr lang="sr-Cyrl-RS" dirty="0"/>
+              <a:t>Пошто је Деј (</a:t>
+            </a:r>
+            <a:r>
+              <a:rPr lang="en-US" dirty="0"/>
+              <a:t>Deye</a:t>
+            </a:r>
+            <a:r>
+              <a:rPr lang="sr-Cyrl-RS" dirty="0"/>
+              <a:t>) користио основни систем Солармен инвертера и пратећих уређаја у својим производима све до почетка 2024. године, јавља се проблем дељења ауторизационих токена.</a:t>
+            </a:r>
+          </a:p>
+          <a:p>
+            <a:r>
+              <a:rPr lang="sr-Cyrl-RS" dirty="0"/>
+              <a:t>Уколико нападач има валидан Деј или Солармен токен онда он може бити употребљен ја супротном систему.</a:t>
+            </a:r>
+          </a:p>
+          <a:p>
+            <a:r>
+              <a:rPr lang="sr-Cyrl-RS" dirty="0"/>
+              <a:t>Не поклапају се ИД бројеви корисника, што значи да корисник А на Солармен платформи неће бити корисник А на Деј платформи, али уколико корисник са тим ИД-јем постоји приступ налогу ће бити дозвољен.</a:t>
+            </a:r>
+          </a:p>
+          <a:p>
+            <a:r>
+              <a:rPr lang="sr-Cyrl-RS" dirty="0"/>
+              <a:t>Овај проблем је био реверзибилан измећу Деј-а и Солармен уређаја.</a:t>
+            </a:r>
+            <a:endParaRPr lang="en-US" dirty="0"/>
           </a:p>
         </p:txBody>
       </p:sp>
     </p:spTree>
     <p:extLst>
       <p:ext uri="{BB962C8B-B14F-4D97-AF65-F5344CB8AC3E}">
-        <p14:creationId xmlns:p14="http://schemas.microsoft.com/office/powerpoint/2010/main" val="3224042506"/>
+        <p14:creationId xmlns:p14="http://schemas.microsoft.com/office/powerpoint/2010/main" val="1393835686"/>
       </p:ext>
     </p:extLst>
   </p:cSld>
@@ -20792,7 +21904,7 @@
           <p:cNvPr id="2" name="Title 1">
             <a:extLst>
               <a:ext uri="{FF2B5EF4-FFF2-40B4-BE49-F238E27FC236}">
-                <a16:creationId xmlns:a16="http://schemas.microsoft.com/office/drawing/2014/main" id="{99982EFB-1845-C8C7-871B-F5524DCBAC7D}"/>
+                <a16:creationId xmlns:a16="http://schemas.microsoft.com/office/drawing/2014/main" id="{1F5014A3-4840-6CF9-7F37-A65A139FF3E7}"/>
               </a:ext>
             </a:extLst>
           </p:cNvPr>
@@ -20808,7 +21920,12 @@
           <a:bodyPr/>
           <a:lstStyle/>
           <a:p>
-            <a:endParaRPr lang="en-US"/>
+            <a:pPr algn="l"/>
+            <a:r>
+              <a:rPr lang="ru-RU" dirty="0"/>
+              <a:t>Рањивости Деј (Deye) соларне опреме</a:t>
+            </a:r>
+            <a:endParaRPr lang="en-US" dirty="0"/>
           </a:p>
         </p:txBody>
       </p:sp>
@@ -20817,7 +21934,869 @@
           <p:cNvPr id="3" name="Content Placeholder 2">
             <a:extLst>
               <a:ext uri="{FF2B5EF4-FFF2-40B4-BE49-F238E27FC236}">
-                <a16:creationId xmlns:a16="http://schemas.microsoft.com/office/drawing/2014/main" id="{4AC03D82-11E3-CB6D-4B99-C53AB5FEF832}"/>
+                <a16:creationId xmlns:a16="http://schemas.microsoft.com/office/drawing/2014/main" id="{DB989317-E1C7-2781-52D1-F75221F49728}"/>
+              </a:ext>
+            </a:extLst>
+          </p:cNvPr>
+          <p:cNvSpPr>
+            <a:spLocks noGrp="1"/>
+          </p:cNvSpPr>
+          <p:nvPr>
+            <p:ph idx="1"/>
+          </p:nvPr>
+        </p:nvSpPr>
+        <p:spPr>
+          <a:xfrm>
+            <a:off x="913795" y="1619685"/>
+            <a:ext cx="10353762" cy="4058751"/>
+          </a:xfrm>
+        </p:spPr>
+        <p:txBody>
+          <a:bodyPr/>
+          <a:lstStyle/>
+          <a:p>
+            <a:r>
+              <a:rPr lang="sr-Cyrl-RS" dirty="0"/>
+              <a:t>Деј платформа користи хардкодиране профиле за приступање АПИ-ју клауда и добијање ауторизационог токена са </a:t>
+            </a:r>
+            <a:r>
+              <a:rPr lang="en-US" dirty="0"/>
+              <a:t>api4pro.solarmanpv.com </a:t>
+            </a:r>
+            <a:r>
+              <a:rPr lang="sr-Cyrl-RS" dirty="0"/>
+              <a:t>АПИ сервера.</a:t>
+            </a:r>
+          </a:p>
+          <a:p>
+            <a:r>
+              <a:rPr lang="sr-Cyrl-RS" dirty="0"/>
+              <a:t>Хардкодирани профили у Деј систему су највишег ауторитета у систему (неограничени приступ подацима).</a:t>
+            </a:r>
+            <a:endParaRPr lang="en-US" dirty="0"/>
+          </a:p>
+        </p:txBody>
+      </p:sp>
+      <p:pic>
+        <p:nvPicPr>
+          <p:cNvPr id="5" name="Picture 4">
+            <a:extLst>
+              <a:ext uri="{FF2B5EF4-FFF2-40B4-BE49-F238E27FC236}">
+                <a16:creationId xmlns:a16="http://schemas.microsoft.com/office/drawing/2014/main" id="{556BC641-6A55-EA9D-7036-52D3444F6948}"/>
+              </a:ext>
+            </a:extLst>
+          </p:cNvPr>
+          <p:cNvPicPr>
+            <a:picLocks noChangeAspect="1"/>
+          </p:cNvPicPr>
+          <p:nvPr/>
+        </p:nvPicPr>
+        <p:blipFill>
+          <a:blip r:embed="rId2">
+            <a:extLst>
+              <a:ext uri="{28A0092B-C50C-407E-A947-70E740481C1C}">
+                <a14:useLocalDpi xmlns:a14="http://schemas.microsoft.com/office/drawing/2010/main" val="0"/>
+              </a:ext>
+            </a:extLst>
+          </a:blip>
+          <a:stretch>
+            <a:fillRect/>
+          </a:stretch>
+        </p:blipFill>
+        <p:spPr>
+          <a:xfrm>
+            <a:off x="1672500" y="3266997"/>
+            <a:ext cx="8084243" cy="2757102"/>
+          </a:xfrm>
+          <a:prstGeom prst="rect">
+            <a:avLst/>
+          </a:prstGeom>
+        </p:spPr>
+      </p:pic>
+      <p:sp>
+        <p:nvSpPr>
+          <p:cNvPr id="6" name="TextBox 5">
+            <a:extLst>
+              <a:ext uri="{FF2B5EF4-FFF2-40B4-BE49-F238E27FC236}">
+                <a16:creationId xmlns:a16="http://schemas.microsoft.com/office/drawing/2014/main" id="{A4254E74-0A03-5EA7-0193-423B49C949F4}"/>
+              </a:ext>
+            </a:extLst>
+          </p:cNvPr>
+          <p:cNvSpPr txBox="1"/>
+          <p:nvPr/>
+        </p:nvSpPr>
+        <p:spPr>
+          <a:xfrm>
+            <a:off x="3777413" y="6063734"/>
+            <a:ext cx="3874416" cy="369332"/>
+          </a:xfrm>
+          <a:prstGeom prst="rect">
+            <a:avLst/>
+          </a:prstGeom>
+          <a:noFill/>
+        </p:spPr>
+        <p:txBody>
+          <a:bodyPr wrap="square" rtlCol="0">
+            <a:spAutoFit/>
+          </a:bodyPr>
+          <a:lstStyle/>
+          <a:p>
+            <a:pPr algn="ctr"/>
+            <a:r>
+              <a:rPr lang="sr-Cyrl-RS" dirty="0"/>
+              <a:t>Пример захтева</a:t>
+            </a:r>
+            <a:endParaRPr lang="en-US" dirty="0"/>
+          </a:p>
+        </p:txBody>
+      </p:sp>
+    </p:spTree>
+    <p:extLst>
+      <p:ext uri="{BB962C8B-B14F-4D97-AF65-F5344CB8AC3E}">
+        <p14:creationId xmlns:p14="http://schemas.microsoft.com/office/powerpoint/2010/main" val="4267613478"/>
+      </p:ext>
+    </p:extLst>
+  </p:cSld>
+  <p:clrMapOvr>
+    <a:masterClrMapping/>
+  </p:clrMapOvr>
+</p:sld>
+</file>
+
+<file path=ppt/slides/slide17.xml><?xml version="1.0" encoding="utf-8"?>
+<p:sld xmlns:a="http://schemas.openxmlformats.org/drawingml/2006/main" xmlns:r="http://schemas.openxmlformats.org/officeDocument/2006/relationships" xmlns:p="http://schemas.openxmlformats.org/presentationml/2006/main">
+  <p:cSld>
+    <p:spTree>
+      <p:nvGrpSpPr>
+        <p:cNvPr id="1" name=""/>
+        <p:cNvGrpSpPr/>
+        <p:nvPr/>
+      </p:nvGrpSpPr>
+      <p:grpSpPr>
+        <a:xfrm>
+          <a:off x="0" y="0"/>
+          <a:ext cx="0" cy="0"/>
+          <a:chOff x="0" y="0"/>
+          <a:chExt cx="0" cy="0"/>
+        </a:xfrm>
+      </p:grpSpPr>
+      <p:sp>
+        <p:nvSpPr>
+          <p:cNvPr id="3" name="Content Placeholder 2">
+            <a:extLst>
+              <a:ext uri="{FF2B5EF4-FFF2-40B4-BE49-F238E27FC236}">
+                <a16:creationId xmlns:a16="http://schemas.microsoft.com/office/drawing/2014/main" id="{61E19481-DE55-CE07-EBDF-02965F6018A3}"/>
+              </a:ext>
+            </a:extLst>
+          </p:cNvPr>
+          <p:cNvSpPr>
+            <a:spLocks noGrp="1"/>
+          </p:cNvSpPr>
+          <p:nvPr>
+            <p:ph idx="1"/>
+          </p:nvPr>
+        </p:nvSpPr>
+        <p:spPr>
+          <a:xfrm>
+            <a:off x="6204968" y="704852"/>
+            <a:ext cx="5100025" cy="2094910"/>
+          </a:xfrm>
+        </p:spPr>
+        <p:txBody>
+          <a:bodyPr/>
+          <a:lstStyle/>
+          <a:p>
+            <a:r>
+              <a:rPr lang="sr-Cyrl-RS" dirty="0"/>
+              <a:t>Одговор сервера садржи битне податке :</a:t>
+            </a:r>
+          </a:p>
+          <a:p>
+            <a:pPr lvl="1"/>
+            <a:r>
+              <a:rPr lang="sr-Cyrl-RS" dirty="0"/>
+              <a:t>Податке о налогу корисника на уређају</a:t>
+            </a:r>
+          </a:p>
+          <a:p>
+            <a:pPr lvl="1"/>
+            <a:r>
+              <a:rPr lang="sr-Cyrl-RS" dirty="0"/>
+              <a:t>Податке о мрежи на којој се налази уређај: </a:t>
+            </a:r>
+          </a:p>
+        </p:txBody>
+      </p:sp>
+      <p:pic>
+        <p:nvPicPr>
+          <p:cNvPr id="5" name="Picture 4">
+            <a:extLst>
+              <a:ext uri="{FF2B5EF4-FFF2-40B4-BE49-F238E27FC236}">
+                <a16:creationId xmlns:a16="http://schemas.microsoft.com/office/drawing/2014/main" id="{0EC3DD24-6A45-7651-4E08-FE6239EB5118}"/>
+              </a:ext>
+            </a:extLst>
+          </p:cNvPr>
+          <p:cNvPicPr>
+            <a:picLocks noChangeAspect="1"/>
+          </p:cNvPicPr>
+          <p:nvPr/>
+        </p:nvPicPr>
+        <p:blipFill>
+          <a:blip r:embed="rId2">
+            <a:extLst>
+              <a:ext uri="{28A0092B-C50C-407E-A947-70E740481C1C}">
+                <a14:useLocalDpi xmlns:a14="http://schemas.microsoft.com/office/drawing/2010/main" val="0"/>
+              </a:ext>
+            </a:extLst>
+          </a:blip>
+          <a:stretch>
+            <a:fillRect/>
+          </a:stretch>
+        </p:blipFill>
+        <p:spPr>
+          <a:xfrm>
+            <a:off x="887007" y="704851"/>
+            <a:ext cx="5100027" cy="5149194"/>
+          </a:xfrm>
+          <a:prstGeom prst="rect">
+            <a:avLst/>
+          </a:prstGeom>
+        </p:spPr>
+      </p:pic>
+      <p:sp>
+        <p:nvSpPr>
+          <p:cNvPr id="2" name="Content Placeholder 2">
+            <a:extLst>
+              <a:ext uri="{FF2B5EF4-FFF2-40B4-BE49-F238E27FC236}">
+                <a16:creationId xmlns:a16="http://schemas.microsoft.com/office/drawing/2014/main" id="{5CABCD41-A8B8-F4E9-EB1A-0E4C713A0008}"/>
+              </a:ext>
+            </a:extLst>
+          </p:cNvPr>
+          <p:cNvSpPr txBox="1">
+            <a:spLocks/>
+          </p:cNvSpPr>
+          <p:nvPr/>
+        </p:nvSpPr>
+        <p:spPr>
+          <a:xfrm>
+            <a:off x="6204968" y="2799762"/>
+            <a:ext cx="5100025" cy="2094910"/>
+          </a:xfrm>
+          <a:prstGeom prst="rect">
+            <a:avLst/>
+          </a:prstGeom>
+          <a:effectLst>
+            <a:outerShdw blurRad="25400" dir="17880000">
+              <a:srgbClr val="000000">
+                <a:alpha val="46000"/>
+              </a:srgbClr>
+            </a:outerShdw>
+          </a:effectLst>
+        </p:spPr>
+        <p:txBody>
+          <a:bodyPr vert="horz" lIns="91440" tIns="45720" rIns="91440" bIns="45720" rtlCol="0" anchor="t">
+            <a:normAutofit/>
+          </a:bodyPr>
+          <a:lstStyle>
+            <a:lvl1pPr marL="342900" indent="-306000" algn="l" defTabSz="457200" rtl="0" eaLnBrk="1" latinLnBrk="0" hangingPunct="1">
+              <a:spcBef>
+                <a:spcPct val="20000"/>
+              </a:spcBef>
+              <a:spcAft>
+                <a:spcPts val="600"/>
+              </a:spcAft>
+              <a:buClr>
+                <a:schemeClr val="tx2"/>
+              </a:buClr>
+              <a:buSzPct val="70000"/>
+              <a:buFont typeface="Wingdings 2" charset="2"/>
+              <a:buChar char=""/>
+              <a:defRPr sz="2000" kern="1200">
+                <a:ln>
+                  <a:solidFill>
+                    <a:schemeClr val="bg1">
+                      <a:lumMod val="75000"/>
+                      <a:lumOff val="25000"/>
+                      <a:alpha val="10000"/>
+                    </a:schemeClr>
+                  </a:solidFill>
+                </a:ln>
+                <a:solidFill>
+                  <a:schemeClr val="tx2"/>
+                </a:solidFill>
+                <a:effectLst>
+                  <a:outerShdw blurRad="9525" dist="25400" dir="14640000" algn="tl" rotWithShape="0">
+                    <a:schemeClr val="bg1">
+                      <a:alpha val="30000"/>
+                    </a:schemeClr>
+                  </a:outerShdw>
+                </a:effectLst>
+                <a:latin typeface="+mn-lt"/>
+                <a:ea typeface="+mn-ea"/>
+                <a:cs typeface="+mn-cs"/>
+              </a:defRPr>
+            </a:lvl1pPr>
+            <a:lvl2pPr marL="720000" indent="-270000" algn="l" defTabSz="457200" rtl="0" eaLnBrk="1" latinLnBrk="0" hangingPunct="1">
+              <a:spcBef>
+                <a:spcPct val="20000"/>
+              </a:spcBef>
+              <a:spcAft>
+                <a:spcPts val="600"/>
+              </a:spcAft>
+              <a:buClr>
+                <a:schemeClr val="tx2"/>
+              </a:buClr>
+              <a:buSzPct val="70000"/>
+              <a:buFont typeface="Wingdings 2" charset="2"/>
+              <a:buChar char=""/>
+              <a:defRPr sz="1800" kern="1200">
+                <a:ln>
+                  <a:solidFill>
+                    <a:schemeClr val="bg1">
+                      <a:lumMod val="75000"/>
+                      <a:lumOff val="25000"/>
+                      <a:alpha val="10000"/>
+                    </a:schemeClr>
+                  </a:solidFill>
+                </a:ln>
+                <a:solidFill>
+                  <a:schemeClr val="tx2"/>
+                </a:solidFill>
+                <a:effectLst>
+                  <a:outerShdw blurRad="9525" dist="25400" dir="14640000" algn="tl" rotWithShape="0">
+                    <a:schemeClr val="bg1">
+                      <a:alpha val="30000"/>
+                    </a:schemeClr>
+                  </a:outerShdw>
+                </a:effectLst>
+                <a:latin typeface="+mn-lt"/>
+                <a:ea typeface="+mn-ea"/>
+                <a:cs typeface="+mn-cs"/>
+              </a:defRPr>
+            </a:lvl2pPr>
+            <a:lvl3pPr marL="1026000" indent="-216000" algn="l" defTabSz="457200" rtl="0" eaLnBrk="1" latinLnBrk="0" hangingPunct="1">
+              <a:spcBef>
+                <a:spcPct val="20000"/>
+              </a:spcBef>
+              <a:spcAft>
+                <a:spcPts val="600"/>
+              </a:spcAft>
+              <a:buClr>
+                <a:schemeClr val="tx2"/>
+              </a:buClr>
+              <a:buSzPct val="70000"/>
+              <a:buFont typeface="Wingdings 2" charset="2"/>
+              <a:buChar char=""/>
+              <a:defRPr sz="1600" kern="1200">
+                <a:ln>
+                  <a:solidFill>
+                    <a:schemeClr val="bg1">
+                      <a:lumMod val="75000"/>
+                      <a:lumOff val="25000"/>
+                      <a:alpha val="10000"/>
+                    </a:schemeClr>
+                  </a:solidFill>
+                </a:ln>
+                <a:solidFill>
+                  <a:schemeClr val="tx2"/>
+                </a:solidFill>
+                <a:effectLst>
+                  <a:outerShdw blurRad="9525" dist="25400" dir="14640000" algn="tl" rotWithShape="0">
+                    <a:schemeClr val="bg1">
+                      <a:alpha val="30000"/>
+                    </a:schemeClr>
+                  </a:outerShdw>
+                </a:effectLst>
+                <a:latin typeface="+mn-lt"/>
+                <a:ea typeface="+mn-ea"/>
+                <a:cs typeface="+mn-cs"/>
+              </a:defRPr>
+            </a:lvl3pPr>
+            <a:lvl4pPr marL="1386000" indent="-216000" algn="l" defTabSz="457200" rtl="0" eaLnBrk="1" latinLnBrk="0" hangingPunct="1">
+              <a:spcBef>
+                <a:spcPct val="20000"/>
+              </a:spcBef>
+              <a:spcAft>
+                <a:spcPts val="600"/>
+              </a:spcAft>
+              <a:buClr>
+                <a:schemeClr val="tx2"/>
+              </a:buClr>
+              <a:buSzPct val="70000"/>
+              <a:buFont typeface="Wingdings 2" charset="2"/>
+              <a:buChar char=""/>
+              <a:defRPr sz="1400" kern="1200">
+                <a:ln>
+                  <a:solidFill>
+                    <a:schemeClr val="bg1">
+                      <a:lumMod val="75000"/>
+                      <a:lumOff val="25000"/>
+                      <a:alpha val="10000"/>
+                    </a:schemeClr>
+                  </a:solidFill>
+                </a:ln>
+                <a:solidFill>
+                  <a:schemeClr val="tx2"/>
+                </a:solidFill>
+                <a:effectLst>
+                  <a:outerShdw blurRad="9525" dist="25400" dir="14640000" algn="tl" rotWithShape="0">
+                    <a:schemeClr val="bg1">
+                      <a:alpha val="30000"/>
+                    </a:schemeClr>
+                  </a:outerShdw>
+                </a:effectLst>
+                <a:latin typeface="+mn-lt"/>
+                <a:ea typeface="+mn-ea"/>
+                <a:cs typeface="+mn-cs"/>
+              </a:defRPr>
+            </a:lvl4pPr>
+            <a:lvl5pPr marL="1674000" indent="-216000" algn="l" defTabSz="457200" rtl="0" eaLnBrk="1" latinLnBrk="0" hangingPunct="1">
+              <a:spcBef>
+                <a:spcPct val="20000"/>
+              </a:spcBef>
+              <a:spcAft>
+                <a:spcPts val="600"/>
+              </a:spcAft>
+              <a:buClr>
+                <a:schemeClr val="tx2"/>
+              </a:buClr>
+              <a:buSzPct val="70000"/>
+              <a:buFont typeface="Wingdings 2" charset="2"/>
+              <a:buChar char=""/>
+              <a:defRPr sz="1400" kern="1200">
+                <a:ln>
+                  <a:solidFill>
+                    <a:schemeClr val="bg1">
+                      <a:lumMod val="75000"/>
+                      <a:lumOff val="25000"/>
+                      <a:alpha val="10000"/>
+                    </a:schemeClr>
+                  </a:solidFill>
+                </a:ln>
+                <a:solidFill>
+                  <a:schemeClr val="tx2"/>
+                </a:solidFill>
+                <a:effectLst>
+                  <a:outerShdw blurRad="9525" dist="25400" dir="14640000" algn="tl" rotWithShape="0">
+                    <a:schemeClr val="bg1">
+                      <a:alpha val="30000"/>
+                    </a:schemeClr>
+                  </a:outerShdw>
+                </a:effectLst>
+                <a:latin typeface="+mn-lt"/>
+                <a:ea typeface="+mn-ea"/>
+                <a:cs typeface="+mn-cs"/>
+              </a:defRPr>
+            </a:lvl5pPr>
+            <a:lvl6pPr marL="2014600" indent="-228600" algn="l" defTabSz="457200" rtl="0" eaLnBrk="1" latinLnBrk="0" hangingPunct="1">
+              <a:spcBef>
+                <a:spcPct val="20000"/>
+              </a:spcBef>
+              <a:spcAft>
+                <a:spcPts val="600"/>
+              </a:spcAft>
+              <a:buClr>
+                <a:schemeClr val="tx2"/>
+              </a:buClr>
+              <a:buSzPct val="70000"/>
+              <a:buFont typeface="Wingdings 2" charset="2"/>
+              <a:buChar char=""/>
+              <a:defRPr sz="1400" kern="1200">
+                <a:ln>
+                  <a:solidFill>
+                    <a:schemeClr val="bg1">
+                      <a:lumMod val="75000"/>
+                      <a:lumOff val="25000"/>
+                      <a:alpha val="10000"/>
+                    </a:schemeClr>
+                  </a:solidFill>
+                </a:ln>
+                <a:solidFill>
+                  <a:schemeClr val="tx2"/>
+                </a:solidFill>
+                <a:effectLst>
+                  <a:outerShdw blurRad="9525" dist="25400" dir="14640000" algn="tl" rotWithShape="0">
+                    <a:schemeClr val="bg1">
+                      <a:alpha val="30000"/>
+                    </a:schemeClr>
+                  </a:outerShdw>
+                </a:effectLst>
+                <a:latin typeface="+mn-lt"/>
+                <a:ea typeface="+mn-ea"/>
+                <a:cs typeface="+mn-cs"/>
+              </a:defRPr>
+            </a:lvl6pPr>
+            <a:lvl7pPr marL="2401800" indent="-228600" algn="l" defTabSz="457200" rtl="0" eaLnBrk="1" latinLnBrk="0" hangingPunct="1">
+              <a:spcBef>
+                <a:spcPct val="20000"/>
+              </a:spcBef>
+              <a:spcAft>
+                <a:spcPts val="600"/>
+              </a:spcAft>
+              <a:buClr>
+                <a:schemeClr val="tx2"/>
+              </a:buClr>
+              <a:buSzPct val="70000"/>
+              <a:buFont typeface="Wingdings 2" charset="2"/>
+              <a:buChar char=""/>
+              <a:defRPr sz="1400" kern="1200">
+                <a:ln>
+                  <a:solidFill>
+                    <a:schemeClr val="bg1">
+                      <a:lumMod val="75000"/>
+                      <a:lumOff val="25000"/>
+                      <a:alpha val="10000"/>
+                    </a:schemeClr>
+                  </a:solidFill>
+                </a:ln>
+                <a:solidFill>
+                  <a:schemeClr val="tx2"/>
+                </a:solidFill>
+                <a:effectLst>
+                  <a:outerShdw blurRad="9525" dist="25400" dir="14640000" algn="tl" rotWithShape="0">
+                    <a:schemeClr val="bg1">
+                      <a:alpha val="30000"/>
+                    </a:schemeClr>
+                  </a:outerShdw>
+                </a:effectLst>
+                <a:latin typeface="+mn-lt"/>
+                <a:ea typeface="+mn-ea"/>
+                <a:cs typeface="+mn-cs"/>
+              </a:defRPr>
+            </a:lvl7pPr>
+            <a:lvl8pPr marL="2789000" indent="-228600" algn="l" defTabSz="457200" rtl="0" eaLnBrk="1" latinLnBrk="0" hangingPunct="1">
+              <a:spcBef>
+                <a:spcPct val="20000"/>
+              </a:spcBef>
+              <a:spcAft>
+                <a:spcPts val="600"/>
+              </a:spcAft>
+              <a:buClr>
+                <a:schemeClr val="tx2"/>
+              </a:buClr>
+              <a:buSzPct val="70000"/>
+              <a:buFont typeface="Wingdings 2" charset="2"/>
+              <a:buChar char=""/>
+              <a:defRPr sz="1400" kern="1200">
+                <a:ln>
+                  <a:solidFill>
+                    <a:schemeClr val="bg1">
+                      <a:lumMod val="75000"/>
+                      <a:lumOff val="25000"/>
+                      <a:alpha val="10000"/>
+                    </a:schemeClr>
+                  </a:solidFill>
+                </a:ln>
+                <a:solidFill>
+                  <a:schemeClr val="tx2"/>
+                </a:solidFill>
+                <a:effectLst>
+                  <a:outerShdw blurRad="9525" dist="25400" dir="14640000" algn="tl" rotWithShape="0">
+                    <a:schemeClr val="bg1">
+                      <a:alpha val="30000"/>
+                    </a:schemeClr>
+                  </a:outerShdw>
+                </a:effectLst>
+                <a:latin typeface="+mn-lt"/>
+                <a:ea typeface="+mn-ea"/>
+                <a:cs typeface="+mn-cs"/>
+              </a:defRPr>
+            </a:lvl8pPr>
+            <a:lvl9pPr marL="3106200" indent="-228600" algn="l" defTabSz="457200" rtl="0" eaLnBrk="1" latinLnBrk="0" hangingPunct="1">
+              <a:spcBef>
+                <a:spcPct val="20000"/>
+              </a:spcBef>
+              <a:spcAft>
+                <a:spcPts val="600"/>
+              </a:spcAft>
+              <a:buClr>
+                <a:schemeClr val="tx2"/>
+              </a:buClr>
+              <a:buSzPct val="70000"/>
+              <a:buFont typeface="Wingdings 2" charset="2"/>
+              <a:buChar char=""/>
+              <a:defRPr sz="1400" kern="1200">
+                <a:ln>
+                  <a:solidFill>
+                    <a:schemeClr val="bg1">
+                      <a:lumMod val="75000"/>
+                      <a:lumOff val="25000"/>
+                      <a:alpha val="10000"/>
+                    </a:schemeClr>
+                  </a:solidFill>
+                </a:ln>
+                <a:solidFill>
+                  <a:schemeClr val="tx2"/>
+                </a:solidFill>
+                <a:effectLst>
+                  <a:outerShdw blurRad="9525" dist="25400" dir="14640000" algn="tl" rotWithShape="0">
+                    <a:schemeClr val="bg1">
+                      <a:alpha val="30000"/>
+                    </a:schemeClr>
+                  </a:outerShdw>
+                </a:effectLst>
+                <a:latin typeface="+mn-lt"/>
+                <a:ea typeface="+mn-ea"/>
+                <a:cs typeface="+mn-cs"/>
+              </a:defRPr>
+            </a:lvl9pPr>
+          </a:lstStyle>
+          <a:p>
+            <a:r>
+              <a:rPr lang="sr-Cyrl-RS" dirty="0"/>
+              <a:t>Ови подаци касније могу бити злоупотребљени како би се добило још више података корисника кроз АПИ ендпоинт: </a:t>
+            </a:r>
+            <a:r>
+              <a:rPr lang="en-US" dirty="0"/>
+              <a:t>/user-s/acc/orgs</a:t>
+            </a:r>
+            <a:endParaRPr lang="sr-Cyrl-RS" dirty="0"/>
+          </a:p>
+        </p:txBody>
+      </p:sp>
+      <p:sp>
+        <p:nvSpPr>
+          <p:cNvPr id="4" name="TextBox 3">
+            <a:extLst>
+              <a:ext uri="{FF2B5EF4-FFF2-40B4-BE49-F238E27FC236}">
+                <a16:creationId xmlns:a16="http://schemas.microsoft.com/office/drawing/2014/main" id="{B254FDD7-B208-5992-6439-8BF7E861588C}"/>
+              </a:ext>
+            </a:extLst>
+          </p:cNvPr>
+          <p:cNvSpPr txBox="1"/>
+          <p:nvPr/>
+        </p:nvSpPr>
+        <p:spPr>
+          <a:xfrm>
+            <a:off x="1726055" y="5854045"/>
+            <a:ext cx="3421930" cy="369332"/>
+          </a:xfrm>
+          <a:prstGeom prst="rect">
+            <a:avLst/>
+          </a:prstGeom>
+          <a:noFill/>
+        </p:spPr>
+        <p:txBody>
+          <a:bodyPr wrap="square" rtlCol="0">
+            <a:spAutoFit/>
+          </a:bodyPr>
+          <a:lstStyle/>
+          <a:p>
+            <a:pPr algn="ctr"/>
+            <a:r>
+              <a:rPr lang="sr-Cyrl-RS" dirty="0"/>
+              <a:t>Одговор сервера садржи</a:t>
+            </a:r>
+            <a:endParaRPr lang="en-US" dirty="0"/>
+          </a:p>
+        </p:txBody>
+      </p:sp>
+    </p:spTree>
+    <p:extLst>
+      <p:ext uri="{BB962C8B-B14F-4D97-AF65-F5344CB8AC3E}">
+        <p14:creationId xmlns:p14="http://schemas.microsoft.com/office/powerpoint/2010/main" val="3417188619"/>
+      </p:ext>
+    </p:extLst>
+  </p:cSld>
+  <p:clrMapOvr>
+    <a:masterClrMapping/>
+  </p:clrMapOvr>
+</p:sld>
+</file>
+
+<file path=ppt/slides/slide18.xml><?xml version="1.0" encoding="utf-8"?>
+<p:sld xmlns:a="http://schemas.openxmlformats.org/drawingml/2006/main" xmlns:r="http://schemas.openxmlformats.org/officeDocument/2006/relationships" xmlns:p="http://schemas.openxmlformats.org/presentationml/2006/main">
+  <p:cSld>
+    <p:spTree>
+      <p:nvGrpSpPr>
+        <p:cNvPr id="1" name=""/>
+        <p:cNvGrpSpPr/>
+        <p:nvPr/>
+      </p:nvGrpSpPr>
+      <p:grpSpPr>
+        <a:xfrm>
+          <a:off x="0" y="0"/>
+          <a:ext cx="0" cy="0"/>
+          <a:chOff x="0" y="0"/>
+          <a:chExt cx="0" cy="0"/>
+        </a:xfrm>
+      </p:grpSpPr>
+      <p:sp>
+        <p:nvSpPr>
+          <p:cNvPr id="2" name="Title 1">
+            <a:extLst>
+              <a:ext uri="{FF2B5EF4-FFF2-40B4-BE49-F238E27FC236}">
+                <a16:creationId xmlns:a16="http://schemas.microsoft.com/office/drawing/2014/main" id="{98664312-35DE-F6E0-29DD-481820550A09}"/>
+              </a:ext>
+            </a:extLst>
+          </p:cNvPr>
+          <p:cNvSpPr>
+            <a:spLocks noGrp="1"/>
+          </p:cNvSpPr>
+          <p:nvPr>
+            <p:ph type="title"/>
+          </p:nvPr>
+        </p:nvSpPr>
+        <p:spPr/>
+        <p:txBody>
+          <a:bodyPr>
+            <a:normAutofit fontScale="90000"/>
+          </a:bodyPr>
+          <a:lstStyle/>
+          <a:p>
+            <a:pPr algn="l"/>
+            <a:r>
+              <a:rPr lang="sr-Cyrl-RS" dirty="0"/>
+              <a:t>Поправљање рањивости и ажурирање система</a:t>
+            </a:r>
+            <a:endParaRPr lang="en-US" dirty="0"/>
+          </a:p>
+        </p:txBody>
+      </p:sp>
+      <p:sp>
+        <p:nvSpPr>
+          <p:cNvPr id="3" name="Content Placeholder 2">
+            <a:extLst>
+              <a:ext uri="{FF2B5EF4-FFF2-40B4-BE49-F238E27FC236}">
+                <a16:creationId xmlns:a16="http://schemas.microsoft.com/office/drawing/2014/main" id="{2CC7C788-1111-25D4-2A4E-A65D63A63297}"/>
+              </a:ext>
+            </a:extLst>
+          </p:cNvPr>
+          <p:cNvSpPr>
+            <a:spLocks noGrp="1"/>
+          </p:cNvSpPr>
+          <p:nvPr>
+            <p:ph idx="1"/>
+          </p:nvPr>
+        </p:nvSpPr>
+        <p:spPr>
+          <a:xfrm>
+            <a:off x="6185561" y="1732449"/>
+            <a:ext cx="5171557" cy="4058751"/>
+          </a:xfrm>
+        </p:spPr>
+        <p:txBody>
+          <a:bodyPr/>
+          <a:lstStyle/>
+          <a:p>
+            <a:r>
+              <a:rPr lang="sr-Cyrl-RS" dirty="0"/>
+              <a:t>Након откривања рањивости у систему БитДефендер обавештава произвођаче, како би проблем био решен и систем ажуриран.</a:t>
+            </a:r>
+          </a:p>
+          <a:p>
+            <a:r>
+              <a:rPr lang="sr-Cyrl-RS" dirty="0"/>
+              <a:t>Обавештење произвођача је брзо након откривања рањивости, међутим сама процедура ажурирање може да потраје и до неколико месеци</a:t>
+            </a:r>
+            <a:endParaRPr lang="en-US" dirty="0"/>
+          </a:p>
+        </p:txBody>
+      </p:sp>
+      <p:pic>
+        <p:nvPicPr>
+          <p:cNvPr id="9" name="Picture 8">
+            <a:extLst>
+              <a:ext uri="{FF2B5EF4-FFF2-40B4-BE49-F238E27FC236}">
+                <a16:creationId xmlns:a16="http://schemas.microsoft.com/office/drawing/2014/main" id="{0D402823-269E-3F54-E7AC-3DD4AF6EA6FE}"/>
+              </a:ext>
+            </a:extLst>
+          </p:cNvPr>
+          <p:cNvPicPr>
+            <a:picLocks noChangeAspect="1"/>
+          </p:cNvPicPr>
+          <p:nvPr/>
+        </p:nvPicPr>
+        <p:blipFill>
+          <a:blip r:embed="rId2">
+            <a:extLst>
+              <a:ext uri="{28A0092B-C50C-407E-A947-70E740481C1C}">
+                <a14:useLocalDpi xmlns:a14="http://schemas.microsoft.com/office/drawing/2010/main" val="0"/>
+              </a:ext>
+            </a:extLst>
+          </a:blip>
+          <a:stretch>
+            <a:fillRect/>
+          </a:stretch>
+        </p:blipFill>
+        <p:spPr>
+          <a:xfrm>
+            <a:off x="924444" y="1732449"/>
+            <a:ext cx="5261117" cy="4058751"/>
+          </a:xfrm>
+          <a:prstGeom prst="rect">
+            <a:avLst/>
+          </a:prstGeom>
+        </p:spPr>
+      </p:pic>
+    </p:spTree>
+    <p:extLst>
+      <p:ext uri="{BB962C8B-B14F-4D97-AF65-F5344CB8AC3E}">
+        <p14:creationId xmlns:p14="http://schemas.microsoft.com/office/powerpoint/2010/main" val="719846731"/>
+      </p:ext>
+    </p:extLst>
+  </p:cSld>
+  <p:clrMapOvr>
+    <a:masterClrMapping/>
+  </p:clrMapOvr>
+</p:sld>
+</file>
+
+<file path=ppt/slides/slide19.xml><?xml version="1.0" encoding="utf-8"?>
+<p:sld xmlns:a="http://schemas.openxmlformats.org/drawingml/2006/main" xmlns:r="http://schemas.openxmlformats.org/officeDocument/2006/relationships" xmlns:p="http://schemas.openxmlformats.org/presentationml/2006/main">
+  <p:cSld>
+    <p:spTree>
+      <p:nvGrpSpPr>
+        <p:cNvPr id="1" name=""/>
+        <p:cNvGrpSpPr/>
+        <p:nvPr/>
+      </p:nvGrpSpPr>
+      <p:grpSpPr>
+        <a:xfrm>
+          <a:off x="0" y="0"/>
+          <a:ext cx="0" cy="0"/>
+          <a:chOff x="0" y="0"/>
+          <a:chExt cx="0" cy="0"/>
+        </a:xfrm>
+      </p:grpSpPr>
+      <p:sp>
+        <p:nvSpPr>
+          <p:cNvPr id="2" name="Title 1">
+            <a:extLst>
+              <a:ext uri="{FF2B5EF4-FFF2-40B4-BE49-F238E27FC236}">
+                <a16:creationId xmlns:a16="http://schemas.microsoft.com/office/drawing/2014/main" id="{28684568-A228-6FE5-7044-A1FAD4B07473}"/>
+              </a:ext>
+            </a:extLst>
+          </p:cNvPr>
+          <p:cNvSpPr>
+            <a:spLocks noGrp="1"/>
+          </p:cNvSpPr>
+          <p:nvPr>
+            <p:ph type="title"/>
+          </p:nvPr>
+        </p:nvSpPr>
+        <p:spPr/>
+        <p:txBody>
+          <a:bodyPr>
+            <a:normAutofit fontScale="90000"/>
+          </a:bodyPr>
+          <a:lstStyle/>
+          <a:p>
+            <a:pPr algn="l"/>
+            <a:r>
+              <a:rPr lang="ru-RU" dirty="0"/>
+              <a:t>Рањивости Сименс (Siemens) соларне опреме</a:t>
+            </a:r>
+            <a:endParaRPr lang="en-US" dirty="0"/>
+          </a:p>
+        </p:txBody>
+      </p:sp>
+      <p:sp>
+        <p:nvSpPr>
+          <p:cNvPr id="3" name="Content Placeholder 2">
+            <a:extLst>
+              <a:ext uri="{FF2B5EF4-FFF2-40B4-BE49-F238E27FC236}">
+                <a16:creationId xmlns:a16="http://schemas.microsoft.com/office/drawing/2014/main" id="{43B5D33C-3615-C6FD-9719-9F136E5D25B1}"/>
               </a:ext>
             </a:extLst>
           </p:cNvPr>
@@ -20833,14 +22812,66 @@
           <a:bodyPr/>
           <a:lstStyle/>
           <a:p>
-            <a:endParaRPr lang="en-US"/>
+            <a:r>
+              <a:rPr lang="sr-Cyrl-RS" dirty="0"/>
+              <a:t>За разлику од неких произвођача истраживање о Сименс рањивостима врши </a:t>
+            </a:r>
+            <a:r>
+              <a:rPr lang="en-US" dirty="0"/>
+              <a:t>Siemens Energy ProductCERT</a:t>
+            </a:r>
+            <a:r>
+              <a:rPr lang="sr-Cyrl-RS" dirty="0"/>
+              <a:t>, интерни тим Сименс-а за испитивање сајбер безбедности и управљање безбедностним ризицима.</a:t>
+            </a:r>
+          </a:p>
+          <a:p>
+            <a:r>
+              <a:rPr lang="sr-Cyrl-RS" dirty="0"/>
+              <a:t>Неке од рањивости из 2024. године на Омниверс Т3000 систему су: </a:t>
+            </a:r>
+          </a:p>
+          <a:p>
+            <a:pPr lvl="1"/>
+            <a:r>
+              <a:rPr lang="ru-RU" dirty="0"/>
+              <a:t>CVE-2024-38876 – апликација са овим проблемом дозвољава извшавање кода обичног корисника као да има администраторске привилегије. </a:t>
+            </a:r>
+            <a:endParaRPr lang="sr-Cyrl-RS" dirty="0"/>
+          </a:p>
+          <a:p>
+            <a:pPr lvl="1"/>
+            <a:r>
+              <a:rPr lang="en-US" dirty="0"/>
+              <a:t>CVE-2024-38878 – </a:t>
+            </a:r>
+            <a:r>
+              <a:rPr lang="sr-Cyrl-RS" dirty="0"/>
+              <a:t>рањив ендпоинт АПИ-ја који дозвољава </a:t>
+            </a:r>
+            <a:r>
+              <a:rPr lang="sr-Cyrl-RS"/>
+              <a:t>недозвољено скидање </a:t>
+            </a:r>
+            <a:r>
+              <a:rPr lang="sr-Cyrl-RS" dirty="0"/>
+              <a:t>података са уређаја. </a:t>
+            </a:r>
+          </a:p>
+          <a:p>
+            <a:pPr lvl="1"/>
+            <a:r>
+              <a:rPr lang="ru-RU" dirty="0"/>
+              <a:t>CVE-2024-38879 – отворен порт интерне аплиакције на јавној мрежи, дозвољава нападачу да комплетно заобиђе логовање.</a:t>
+            </a:r>
+            <a:endParaRPr lang="en-US" dirty="0"/>
           </a:p>
         </p:txBody>
       </p:sp>
     </p:spTree>
     <p:extLst>
       <p:ext uri="{BB962C8B-B14F-4D97-AF65-F5344CB8AC3E}">
-        <p14:creationId xmlns:p14="http://schemas.microsoft.com/office/powerpoint/2010/main" val="2557070465"/>
+        <p14:creationId xmlns:p14="http://schemas.microsoft.com/office/powerpoint/2010/main" val="2391540504"/>
       </p:ext>
     </p:extLst>
   </p:cSld>
@@ -20985,8 +23016,651 @@
 </p:sld>
 </file>
 
-<file path=ppt/slides/slide3.xml><?xml version="1.0" encoding="utf-8"?>
+<file path=ppt/slides/slide20.xml><?xml version="1.0" encoding="utf-8"?>
 <p:sld xmlns:a="http://schemas.openxmlformats.org/drawingml/2006/main" xmlns:r="http://schemas.openxmlformats.org/officeDocument/2006/relationships" xmlns:p="http://schemas.openxmlformats.org/presentationml/2006/main">
+  <p:cSld>
+    <p:spTree>
+      <p:nvGrpSpPr>
+        <p:cNvPr id="1" name=""/>
+        <p:cNvGrpSpPr/>
+        <p:nvPr/>
+      </p:nvGrpSpPr>
+      <p:grpSpPr>
+        <a:xfrm>
+          <a:off x="0" y="0"/>
+          <a:ext cx="0" cy="0"/>
+          <a:chOff x="0" y="0"/>
+          <a:chExt cx="0" cy="0"/>
+        </a:xfrm>
+      </p:grpSpPr>
+      <p:pic>
+        <p:nvPicPr>
+          <p:cNvPr id="5" name="Picture 4">
+            <a:extLst>
+              <a:ext uri="{FF2B5EF4-FFF2-40B4-BE49-F238E27FC236}">
+                <a16:creationId xmlns:a16="http://schemas.microsoft.com/office/drawing/2014/main" id="{9BD6A0F9-4C22-0A6C-78E1-210A5C8C79F2}"/>
+              </a:ext>
+            </a:extLst>
+          </p:cNvPr>
+          <p:cNvPicPr>
+            <a:picLocks noChangeAspect="1"/>
+          </p:cNvPicPr>
+          <p:nvPr/>
+        </p:nvPicPr>
+        <p:blipFill>
+          <a:blip r:embed="rId3">
+            <a:extLst>
+              <a:ext uri="{28A0092B-C50C-407E-A947-70E740481C1C}">
+                <a14:useLocalDpi xmlns:a14="http://schemas.microsoft.com/office/drawing/2010/main" val="0"/>
+              </a:ext>
+            </a:extLst>
+          </a:blip>
+          <a:stretch>
+            <a:fillRect/>
+          </a:stretch>
+        </p:blipFill>
+        <p:spPr>
+          <a:xfrm>
+            <a:off x="991991" y="782426"/>
+            <a:ext cx="10208018" cy="4845578"/>
+          </a:xfrm>
+          <a:prstGeom prst="rect">
+            <a:avLst/>
+          </a:prstGeom>
+        </p:spPr>
+      </p:pic>
+      <p:sp>
+        <p:nvSpPr>
+          <p:cNvPr id="6" name="TextBox 5">
+            <a:extLst>
+              <a:ext uri="{FF2B5EF4-FFF2-40B4-BE49-F238E27FC236}">
+                <a16:creationId xmlns:a16="http://schemas.microsoft.com/office/drawing/2014/main" id="{687291BC-7047-A5B6-1ECB-7196DE2837E1}"/>
+              </a:ext>
+            </a:extLst>
+          </p:cNvPr>
+          <p:cNvSpPr txBox="1"/>
+          <p:nvPr/>
+        </p:nvSpPr>
+        <p:spPr>
+          <a:xfrm>
+            <a:off x="3248493" y="5891953"/>
+            <a:ext cx="5684362" cy="307777"/>
+          </a:xfrm>
+          <a:prstGeom prst="rect">
+            <a:avLst/>
+          </a:prstGeom>
+          <a:noFill/>
+        </p:spPr>
+        <p:txBody>
+          <a:bodyPr wrap="square" rtlCol="0">
+            <a:spAutoFit/>
+          </a:bodyPr>
+          <a:lstStyle/>
+          <a:p>
+            <a:pPr algn="ctr"/>
+            <a:r>
+              <a:rPr lang="en-US" sz="1400" dirty="0"/>
+              <a:t>Siemens Energy ProductCERT</a:t>
+            </a:r>
+            <a:r>
+              <a:rPr lang="sr-Cyrl-RS" sz="1400" dirty="0"/>
+              <a:t> мапа рањивости у односу на године</a:t>
+            </a:r>
+            <a:endParaRPr lang="en-US" sz="1400" dirty="0"/>
+          </a:p>
+        </p:txBody>
+      </p:sp>
+    </p:spTree>
+    <p:extLst>
+      <p:ext uri="{BB962C8B-B14F-4D97-AF65-F5344CB8AC3E}">
+        <p14:creationId xmlns:p14="http://schemas.microsoft.com/office/powerpoint/2010/main" val="936054901"/>
+      </p:ext>
+    </p:extLst>
+  </p:cSld>
+  <p:clrMapOvr>
+    <a:masterClrMapping/>
+  </p:clrMapOvr>
+</p:sld>
+</file>
+
+<file path=ppt/slides/slide21.xml><?xml version="1.0" encoding="utf-8"?>
+<p:sld xmlns:a="http://schemas.openxmlformats.org/drawingml/2006/main" xmlns:r="http://schemas.openxmlformats.org/officeDocument/2006/relationships" xmlns:p="http://schemas.openxmlformats.org/presentationml/2006/main">
+  <p:cSld>
+    <p:spTree>
+      <p:nvGrpSpPr>
+        <p:cNvPr id="1" name=""/>
+        <p:cNvGrpSpPr/>
+        <p:nvPr/>
+      </p:nvGrpSpPr>
+      <p:grpSpPr>
+        <a:xfrm>
+          <a:off x="0" y="0"/>
+          <a:ext cx="0" cy="0"/>
+          <a:chOff x="0" y="0"/>
+          <a:chExt cx="0" cy="0"/>
+        </a:xfrm>
+      </p:grpSpPr>
+      <p:sp>
+        <p:nvSpPr>
+          <p:cNvPr id="2" name="Title 1">
+            <a:extLst>
+              <a:ext uri="{FF2B5EF4-FFF2-40B4-BE49-F238E27FC236}">
+                <a16:creationId xmlns:a16="http://schemas.microsoft.com/office/drawing/2014/main" id="{9799B917-5610-685B-30EE-4BE0E45430FE}"/>
+              </a:ext>
+            </a:extLst>
+          </p:cNvPr>
+          <p:cNvSpPr>
+            <a:spLocks noGrp="1"/>
+          </p:cNvSpPr>
+          <p:nvPr>
+            <p:ph type="title"/>
+          </p:nvPr>
+        </p:nvSpPr>
+        <p:spPr>
+          <a:xfrm>
+            <a:off x="913795" y="502132"/>
+            <a:ext cx="10353762" cy="970450"/>
+          </a:xfrm>
+        </p:spPr>
+        <p:txBody>
+          <a:bodyPr>
+            <a:normAutofit fontScale="90000"/>
+          </a:bodyPr>
+          <a:lstStyle/>
+          <a:p>
+            <a:pPr algn="l"/>
+            <a:r>
+              <a:rPr lang="ru-RU" dirty="0"/>
+              <a:t>Рањивости Сангроу (Sungrow) соларне опреме</a:t>
+            </a:r>
+            <a:endParaRPr lang="en-US" dirty="0"/>
+          </a:p>
+        </p:txBody>
+      </p:sp>
+      <p:sp>
+        <p:nvSpPr>
+          <p:cNvPr id="3" name="Content Placeholder 2">
+            <a:extLst>
+              <a:ext uri="{FF2B5EF4-FFF2-40B4-BE49-F238E27FC236}">
+                <a16:creationId xmlns:a16="http://schemas.microsoft.com/office/drawing/2014/main" id="{A98D7CE8-1538-9D17-998D-E11B36FB374C}"/>
+              </a:ext>
+            </a:extLst>
+          </p:cNvPr>
+          <p:cNvSpPr>
+            <a:spLocks noGrp="1"/>
+          </p:cNvSpPr>
+          <p:nvPr>
+            <p:ph idx="1"/>
+          </p:nvPr>
+        </p:nvSpPr>
+        <p:spPr>
+          <a:xfrm>
+            <a:off x="913795" y="1472582"/>
+            <a:ext cx="10353762" cy="4058751"/>
+          </a:xfrm>
+        </p:spPr>
+        <p:txBody>
+          <a:bodyPr/>
+          <a:lstStyle/>
+          <a:p>
+            <a:r>
+              <a:rPr lang="sr-Cyrl-RS" dirty="0"/>
+              <a:t>ХТМЛ форма за креирање, подешавање налога има сакривено подешавање типа налога.</a:t>
+            </a:r>
+            <a:endParaRPr lang="en-US" dirty="0"/>
+          </a:p>
+        </p:txBody>
+      </p:sp>
+      <p:pic>
+        <p:nvPicPr>
+          <p:cNvPr id="5" name="Picture 4">
+            <a:extLst>
+              <a:ext uri="{FF2B5EF4-FFF2-40B4-BE49-F238E27FC236}">
+                <a16:creationId xmlns:a16="http://schemas.microsoft.com/office/drawing/2014/main" id="{74F7D569-2B15-C4EB-7492-E49B10DA73AE}"/>
+              </a:ext>
+            </a:extLst>
+          </p:cNvPr>
+          <p:cNvPicPr>
+            <a:picLocks noChangeAspect="1"/>
+          </p:cNvPicPr>
+          <p:nvPr/>
+        </p:nvPicPr>
+        <p:blipFill>
+          <a:blip r:embed="rId3">
+            <a:extLst>
+              <a:ext uri="{28A0092B-C50C-407E-A947-70E740481C1C}">
+                <a14:useLocalDpi xmlns:a14="http://schemas.microsoft.com/office/drawing/2010/main" val="0"/>
+              </a:ext>
+            </a:extLst>
+          </a:blip>
+          <a:stretch>
+            <a:fillRect/>
+          </a:stretch>
+        </p:blipFill>
+        <p:spPr>
+          <a:xfrm>
+            <a:off x="2120420" y="2165881"/>
+            <a:ext cx="7940511" cy="3837422"/>
+          </a:xfrm>
+          <a:prstGeom prst="rect">
+            <a:avLst/>
+          </a:prstGeom>
+        </p:spPr>
+      </p:pic>
+      <mc:AlternateContent xmlns:mc="http://schemas.openxmlformats.org/markup-compatibility/2006">
+        <mc:Choice xmlns:p14="http://schemas.microsoft.com/office/powerpoint/2010/main" Requires="p14">
+          <p:contentPart p14:bwMode="auto" r:id="rId4">
+            <p14:nvContentPartPr>
+              <p14:cNvPr id="7" name="Ink 6">
+                <a:extLst>
+                  <a:ext uri="{FF2B5EF4-FFF2-40B4-BE49-F238E27FC236}">
+                    <a16:creationId xmlns:a16="http://schemas.microsoft.com/office/drawing/2014/main" id="{6EB81B1D-C226-996B-D60D-67FCA99324B0}"/>
+                  </a:ext>
+                </a:extLst>
+              </p14:cNvPr>
+              <p14:cNvContentPartPr/>
+              <p14:nvPr/>
+            </p14:nvContentPartPr>
+            <p14:xfrm>
+              <a:off x="2733625" y="3321664"/>
+              <a:ext cx="2940480" cy="360"/>
+            </p14:xfrm>
+          </p:contentPart>
+        </mc:Choice>
+        <mc:Fallback>
+          <p:pic>
+            <p:nvPicPr>
+              <p:cNvPr id="7" name="Ink 6">
+                <a:extLst>
+                  <a:ext uri="{FF2B5EF4-FFF2-40B4-BE49-F238E27FC236}">
+                    <a16:creationId xmlns:a16="http://schemas.microsoft.com/office/drawing/2014/main" id="{6EB81B1D-C226-996B-D60D-67FCA99324B0}"/>
+                  </a:ext>
+                </a:extLst>
+              </p:cNvPr>
+              <p:cNvPicPr/>
+              <p:nvPr/>
+            </p:nvPicPr>
+            <p:blipFill>
+              <a:blip r:embed="rId5"/>
+              <a:stretch>
+                <a:fillRect/>
+              </a:stretch>
+            </p:blipFill>
+            <p:spPr>
+              <a:xfrm>
+                <a:off x="2727505" y="3315544"/>
+                <a:ext cx="2952720" cy="12600"/>
+              </a:xfrm>
+              <a:prstGeom prst="rect">
+                <a:avLst/>
+              </a:prstGeom>
+            </p:spPr>
+          </p:pic>
+        </mc:Fallback>
+      </mc:AlternateContent>
+      <p:sp>
+        <p:nvSpPr>
+          <p:cNvPr id="8" name="TextBox 7">
+            <a:extLst>
+              <a:ext uri="{FF2B5EF4-FFF2-40B4-BE49-F238E27FC236}">
+                <a16:creationId xmlns:a16="http://schemas.microsoft.com/office/drawing/2014/main" id="{80609584-1509-8267-F395-E9D72DC3C4AB}"/>
+              </a:ext>
+            </a:extLst>
+          </p:cNvPr>
+          <p:cNvSpPr txBox="1"/>
+          <p:nvPr/>
+        </p:nvSpPr>
+        <p:spPr>
+          <a:xfrm>
+            <a:off x="3686840" y="6081989"/>
+            <a:ext cx="4807670" cy="307777"/>
+          </a:xfrm>
+          <a:prstGeom prst="rect">
+            <a:avLst/>
+          </a:prstGeom>
+          <a:noFill/>
+        </p:spPr>
+        <p:txBody>
+          <a:bodyPr wrap="square" rtlCol="0">
+            <a:spAutoFit/>
+          </a:bodyPr>
+          <a:lstStyle/>
+          <a:p>
+            <a:pPr algn="ctr"/>
+            <a:r>
+              <a:rPr lang="sr-Cyrl-RS" sz="1400" dirty="0"/>
+              <a:t>Форма за креирање, подешавање налога</a:t>
+            </a:r>
+            <a:endParaRPr lang="en-US" sz="1400" dirty="0"/>
+          </a:p>
+        </p:txBody>
+      </p:sp>
+    </p:spTree>
+    <p:extLst>
+      <p:ext uri="{BB962C8B-B14F-4D97-AF65-F5344CB8AC3E}">
+        <p14:creationId xmlns:p14="http://schemas.microsoft.com/office/powerpoint/2010/main" val="1507643261"/>
+      </p:ext>
+    </p:extLst>
+  </p:cSld>
+  <p:clrMapOvr>
+    <a:masterClrMapping/>
+  </p:clrMapOvr>
+</p:sld>
+</file>
+
+<file path=ppt/slides/slide22.xml><?xml version="1.0" encoding="utf-8"?>
+<p:sld xmlns:a="http://schemas.openxmlformats.org/drawingml/2006/main" xmlns:r="http://schemas.openxmlformats.org/officeDocument/2006/relationships" xmlns:p="http://schemas.openxmlformats.org/presentationml/2006/main">
+  <p:cSld>
+    <p:spTree>
+      <p:nvGrpSpPr>
+        <p:cNvPr id="1" name=""/>
+        <p:cNvGrpSpPr/>
+        <p:nvPr/>
+      </p:nvGrpSpPr>
+      <p:grpSpPr>
+        <a:xfrm>
+          <a:off x="0" y="0"/>
+          <a:ext cx="0" cy="0"/>
+          <a:chOff x="0" y="0"/>
+          <a:chExt cx="0" cy="0"/>
+        </a:xfrm>
+      </p:grpSpPr>
+      <p:sp>
+        <p:nvSpPr>
+          <p:cNvPr id="3" name="Content Placeholder 2">
+            <a:extLst>
+              <a:ext uri="{FF2B5EF4-FFF2-40B4-BE49-F238E27FC236}">
+                <a16:creationId xmlns:a16="http://schemas.microsoft.com/office/drawing/2014/main" id="{5AA46D2B-A005-DAA0-3ABB-A7E9F4497F3C}"/>
+              </a:ext>
+            </a:extLst>
+          </p:cNvPr>
+          <p:cNvSpPr>
+            <a:spLocks noGrp="1"/>
+          </p:cNvSpPr>
+          <p:nvPr>
+            <p:ph idx="1"/>
+          </p:nvPr>
+        </p:nvSpPr>
+        <p:spPr>
+          <a:xfrm>
+            <a:off x="919118" y="693068"/>
+            <a:ext cx="10353762" cy="4058751"/>
+          </a:xfrm>
+        </p:spPr>
+        <p:txBody>
+          <a:bodyPr/>
+          <a:lstStyle/>
+          <a:p>
+            <a:r>
+              <a:rPr lang="sr-Cyrl-RS" dirty="0"/>
+              <a:t>Корисник типа суперадминистратор има највећи приступ систему, па чак и измену било ког профила осталих корисника на клауду.</a:t>
+            </a:r>
+            <a:endParaRPr lang="en-US" dirty="0"/>
+          </a:p>
+        </p:txBody>
+      </p:sp>
+      <p:pic>
+        <p:nvPicPr>
+          <p:cNvPr id="5" name="Picture 4">
+            <a:extLst>
+              <a:ext uri="{FF2B5EF4-FFF2-40B4-BE49-F238E27FC236}">
+                <a16:creationId xmlns:a16="http://schemas.microsoft.com/office/drawing/2014/main" id="{8CF900D8-0958-C79B-056F-8A45778CDA30}"/>
+              </a:ext>
+            </a:extLst>
+          </p:cNvPr>
+          <p:cNvPicPr>
+            <a:picLocks noChangeAspect="1"/>
+          </p:cNvPicPr>
+          <p:nvPr/>
+        </p:nvPicPr>
+        <p:blipFill>
+          <a:blip r:embed="rId2">
+            <a:extLst>
+              <a:ext uri="{28A0092B-C50C-407E-A947-70E740481C1C}">
+                <a14:useLocalDpi xmlns:a14="http://schemas.microsoft.com/office/drawing/2010/main" val="0"/>
+              </a:ext>
+            </a:extLst>
+          </a:blip>
+          <a:stretch>
+            <a:fillRect/>
+          </a:stretch>
+        </p:blipFill>
+        <p:spPr>
+          <a:xfrm>
+            <a:off x="1647207" y="1423447"/>
+            <a:ext cx="8897586" cy="4309768"/>
+          </a:xfrm>
+          <a:prstGeom prst="rect">
+            <a:avLst/>
+          </a:prstGeom>
+        </p:spPr>
+      </p:pic>
+      <p:sp>
+        <p:nvSpPr>
+          <p:cNvPr id="6" name="TextBox 5">
+            <a:extLst>
+              <a:ext uri="{FF2B5EF4-FFF2-40B4-BE49-F238E27FC236}">
+                <a16:creationId xmlns:a16="http://schemas.microsoft.com/office/drawing/2014/main" id="{FCB1228D-B4D7-6A3C-C14E-6971EB4E95FF}"/>
+              </a:ext>
+            </a:extLst>
+          </p:cNvPr>
+          <p:cNvSpPr txBox="1"/>
+          <p:nvPr/>
+        </p:nvSpPr>
+        <p:spPr>
+          <a:xfrm>
+            <a:off x="1715679" y="5816338"/>
+            <a:ext cx="8897586" cy="307777"/>
+          </a:xfrm>
+          <a:prstGeom prst="rect">
+            <a:avLst/>
+          </a:prstGeom>
+          <a:noFill/>
+        </p:spPr>
+        <p:txBody>
+          <a:bodyPr wrap="square" rtlCol="0">
+            <a:spAutoFit/>
+          </a:bodyPr>
+          <a:lstStyle/>
+          <a:p>
+            <a:pPr algn="ctr"/>
+            <a:r>
+              <a:rPr lang="ru-RU" sz="1400" dirty="0"/>
+              <a:t>Читање, брисање или модификацију било ког корисничког профила унутар иСЦ система</a:t>
+            </a:r>
+            <a:endParaRPr lang="en-US" sz="1400" dirty="0"/>
+          </a:p>
+        </p:txBody>
+      </p:sp>
+    </p:spTree>
+    <p:extLst>
+      <p:ext uri="{BB962C8B-B14F-4D97-AF65-F5344CB8AC3E}">
+        <p14:creationId xmlns:p14="http://schemas.microsoft.com/office/powerpoint/2010/main" val="2347538354"/>
+      </p:ext>
+    </p:extLst>
+  </p:cSld>
+  <p:clrMapOvr>
+    <a:masterClrMapping/>
+  </p:clrMapOvr>
+</p:sld>
+</file>
+
+<file path=ppt/slides/slide23.xml><?xml version="1.0" encoding="utf-8"?>
+<p:sld xmlns:a="http://schemas.openxmlformats.org/drawingml/2006/main" xmlns:r="http://schemas.openxmlformats.org/officeDocument/2006/relationships" xmlns:p="http://schemas.openxmlformats.org/presentationml/2006/main">
+  <p:cSld>
+    <p:spTree>
+      <p:nvGrpSpPr>
+        <p:cNvPr id="1" name=""/>
+        <p:cNvGrpSpPr/>
+        <p:nvPr/>
+      </p:nvGrpSpPr>
+      <p:grpSpPr>
+        <a:xfrm>
+          <a:off x="0" y="0"/>
+          <a:ext cx="0" cy="0"/>
+          <a:chOff x="0" y="0"/>
+          <a:chExt cx="0" cy="0"/>
+        </a:xfrm>
+      </p:grpSpPr>
+      <p:sp>
+        <p:nvSpPr>
+          <p:cNvPr id="2" name="Title 1">
+            <a:extLst>
+              <a:ext uri="{FF2B5EF4-FFF2-40B4-BE49-F238E27FC236}">
+                <a16:creationId xmlns:a16="http://schemas.microsoft.com/office/drawing/2014/main" id="{0095A264-6811-EB05-FF7A-853298EDDA97}"/>
+              </a:ext>
+            </a:extLst>
+          </p:cNvPr>
+          <p:cNvSpPr>
+            <a:spLocks noGrp="1"/>
+          </p:cNvSpPr>
+          <p:nvPr>
+            <p:ph type="title"/>
+          </p:nvPr>
+        </p:nvSpPr>
+        <p:spPr/>
+        <p:txBody>
+          <a:bodyPr/>
+          <a:lstStyle/>
+          <a:p>
+            <a:pPr algn="l"/>
+            <a:r>
+              <a:rPr lang="sr-Cyrl-RS" dirty="0"/>
+              <a:t>Закључак</a:t>
+            </a:r>
+            <a:endParaRPr lang="en-US" dirty="0"/>
+          </a:p>
+        </p:txBody>
+      </p:sp>
+      <p:sp>
+        <p:nvSpPr>
+          <p:cNvPr id="3" name="Content Placeholder 2">
+            <a:extLst>
+              <a:ext uri="{FF2B5EF4-FFF2-40B4-BE49-F238E27FC236}">
+                <a16:creationId xmlns:a16="http://schemas.microsoft.com/office/drawing/2014/main" id="{6B250F92-A5D6-4144-1009-8D97C6A53696}"/>
+              </a:ext>
+            </a:extLst>
+          </p:cNvPr>
+          <p:cNvSpPr>
+            <a:spLocks noGrp="1"/>
+          </p:cNvSpPr>
+          <p:nvPr>
+            <p:ph idx="1"/>
+          </p:nvPr>
+        </p:nvSpPr>
+        <p:spPr>
+          <a:xfrm>
+            <a:off x="913795" y="1580050"/>
+            <a:ext cx="10353762" cy="4500239"/>
+          </a:xfrm>
+        </p:spPr>
+        <p:txBody>
+          <a:bodyPr>
+            <a:normAutofit/>
+          </a:bodyPr>
+          <a:lstStyle/>
+          <a:p>
+            <a:r>
+              <a:rPr lang="ru-RU" dirty="0"/>
+              <a:t>Тренутно највећу примену Интернет ствари у електропривреди представљају соларни претварачи (инвертери). Интернет ствари технологија омогућава реализацију децентрализованих енергетских извора (ДЕР).</a:t>
+            </a:r>
+          </a:p>
+          <a:p>
+            <a:r>
+              <a:rPr lang="ru-RU" dirty="0"/>
+              <a:t>Различити произвођачи користе различите системе, различите технологије повезивања, комуникације, нивоа заштите ако их уопште има. Сва та разноврсност технологија и њихово комбиновање, као и пропусти приликом имплентације истих довело је до стварања ризика, рањивости. На шта ни један произвођач није имун. </a:t>
+            </a:r>
+          </a:p>
+          <a:p>
+            <a:r>
+              <a:rPr lang="ru-RU" dirty="0"/>
+              <a:t>Са циљем да се формира листа правила, прописа које морају испуњавати произвођачи, темељна анализа претњи и стандарда безбедности соларних инвертера је од кључне важности за очување стабилности и сигурности енергетских система. У будућности, континуирано унапређивање безбедносних мера и стандарда биће кључно за обезбеђивање стабилности енергетских система, а све ће бити последица формираних правила и прописа. </a:t>
+            </a:r>
+            <a:endParaRPr lang="en-US" dirty="0"/>
+          </a:p>
+        </p:txBody>
+      </p:sp>
+    </p:spTree>
+    <p:extLst>
+      <p:ext uri="{BB962C8B-B14F-4D97-AF65-F5344CB8AC3E}">
+        <p14:creationId xmlns:p14="http://schemas.microsoft.com/office/powerpoint/2010/main" val="3044351873"/>
+      </p:ext>
+    </p:extLst>
+  </p:cSld>
+  <p:clrMapOvr>
+    <a:masterClrMapping/>
+  </p:clrMapOvr>
+</p:sld>
+</file>
+
+<file path=ppt/slides/slide24.xml><?xml version="1.0" encoding="utf-8"?>
+<p:sld xmlns:a="http://schemas.openxmlformats.org/drawingml/2006/main" xmlns:r="http://schemas.openxmlformats.org/officeDocument/2006/relationships" xmlns:p="http://schemas.openxmlformats.org/presentationml/2006/main">
+  <p:cSld>
+    <p:spTree>
+      <p:nvGrpSpPr>
+        <p:cNvPr id="1" name=""/>
+        <p:cNvGrpSpPr/>
+        <p:nvPr/>
+      </p:nvGrpSpPr>
+      <p:grpSpPr>
+        <a:xfrm>
+          <a:off x="0" y="0"/>
+          <a:ext cx="0" cy="0"/>
+          <a:chOff x="0" y="0"/>
+          <a:chExt cx="0" cy="0"/>
+        </a:xfrm>
+      </p:grpSpPr>
+      <p:sp>
+        <p:nvSpPr>
+          <p:cNvPr id="5" name="Text Placeholder 4">
+            <a:extLst>
+              <a:ext uri="{FF2B5EF4-FFF2-40B4-BE49-F238E27FC236}">
+                <a16:creationId xmlns:a16="http://schemas.microsoft.com/office/drawing/2014/main" id="{6B8B1C84-2341-71B4-C8F3-D91AEF59983A}"/>
+              </a:ext>
+            </a:extLst>
+          </p:cNvPr>
+          <p:cNvSpPr>
+            <a:spLocks noGrp="1"/>
+          </p:cNvSpPr>
+          <p:nvPr>
+            <p:ph type="body" sz="half" idx="2"/>
+          </p:nvPr>
+        </p:nvSpPr>
+        <p:spPr>
+          <a:xfrm>
+            <a:off x="919118" y="2579502"/>
+            <a:ext cx="10353763" cy="1501826"/>
+          </a:xfrm>
+        </p:spPr>
+        <p:txBody>
+          <a:bodyPr>
+            <a:normAutofit/>
+          </a:bodyPr>
+          <a:lstStyle/>
+          <a:p>
+            <a:r>
+              <a:rPr lang="sr-Cyrl-RS" sz="8800" dirty="0"/>
+              <a:t>Хвала на пажњи </a:t>
+            </a:r>
+            <a:endParaRPr lang="en-US" sz="8800" dirty="0"/>
+          </a:p>
+        </p:txBody>
+      </p:sp>
+    </p:spTree>
+    <p:extLst>
+      <p:ext uri="{BB962C8B-B14F-4D97-AF65-F5344CB8AC3E}">
+        <p14:creationId xmlns:p14="http://schemas.microsoft.com/office/powerpoint/2010/main" val="2999398418"/>
+      </p:ext>
+    </p:extLst>
+  </p:cSld>
+  <p:clrMapOvr>
+    <a:masterClrMapping/>
+  </p:clrMapOvr>
+</p:sld>
+</file>
+
+<file path=ppt/slides/slide25.xml><?xml version="1.0" encoding="utf-8"?>
+<p:sld xmlns:a="http://schemas.openxmlformats.org/drawingml/2006/main" xmlns:r="http://schemas.openxmlformats.org/officeDocument/2006/relationships" xmlns:p="http://schemas.openxmlformats.org/presentationml/2006/main" show="0">
   <p:cSld>
     <p:spTree>
       <p:nvGrpSpPr>
@@ -21461,9 +24135,10 @@
           <a:p>
             <a:pPr lvl="1"/>
             <a:r>
-              <a:rPr lang="sr-Cyrl-RS" sz="1600" dirty="0"/>
+              <a:rPr lang="sr-Cyrl-RS" sz="1600"/>
               <a:t>Хидроенергија</a:t>
             </a:r>
+            <a:endParaRPr lang="sr-Cyrl-RS" sz="1600" dirty="0"/>
           </a:p>
           <a:p>
             <a:pPr lvl="1"/>
@@ -21525,8 +24200,8 @@
 </p:sld>
 </file>
 
-<file path=ppt/slides/slide4.xml><?xml version="1.0" encoding="utf-8"?>
-<p:sld xmlns:a="http://schemas.openxmlformats.org/drawingml/2006/main" xmlns:r="http://schemas.openxmlformats.org/officeDocument/2006/relationships" xmlns:p="http://schemas.openxmlformats.org/presentationml/2006/main">
+<file path=ppt/slides/slide26.xml><?xml version="1.0" encoding="utf-8"?>
+<p:sld xmlns:a="http://schemas.openxmlformats.org/drawingml/2006/main" xmlns:r="http://schemas.openxmlformats.org/officeDocument/2006/relationships" xmlns:p="http://schemas.openxmlformats.org/presentationml/2006/main" show="0">
   <p:cSld>
     <p:spTree>
       <p:nvGrpSpPr>
@@ -21678,7 +24353,210 @@
 </p:sld>
 </file>
 
-<file path=ppt/slides/slide5.xml><?xml version="1.0" encoding="utf-8"?>
+<file path=ppt/slides/slide27.xml><?xml version="1.0" encoding="utf-8"?>
+<p:sld xmlns:a="http://schemas.openxmlformats.org/drawingml/2006/main" xmlns:r="http://schemas.openxmlformats.org/officeDocument/2006/relationships" xmlns:p="http://schemas.openxmlformats.org/presentationml/2006/main" show="0">
+  <p:cSld>
+    <p:spTree>
+      <p:nvGrpSpPr>
+        <p:cNvPr id="1" name=""/>
+        <p:cNvGrpSpPr/>
+        <p:nvPr/>
+      </p:nvGrpSpPr>
+      <p:grpSpPr>
+        <a:xfrm>
+          <a:off x="0" y="0"/>
+          <a:ext cx="0" cy="0"/>
+          <a:chOff x="0" y="0"/>
+          <a:chExt cx="0" cy="0"/>
+        </a:xfrm>
+      </p:grpSpPr>
+      <p:sp>
+        <p:nvSpPr>
+          <p:cNvPr id="2" name="Title 1">
+            <a:extLst>
+              <a:ext uri="{FF2B5EF4-FFF2-40B4-BE49-F238E27FC236}">
+                <a16:creationId xmlns:a16="http://schemas.microsoft.com/office/drawing/2014/main" id="{D1C73119-3900-151E-39EC-BFFC873522F4}"/>
+              </a:ext>
+            </a:extLst>
+          </p:cNvPr>
+          <p:cNvSpPr>
+            <a:spLocks noGrp="1"/>
+          </p:cNvSpPr>
+          <p:nvPr>
+            <p:ph type="title"/>
+          </p:nvPr>
+        </p:nvSpPr>
+        <p:spPr/>
+        <p:txBody>
+          <a:bodyPr/>
+          <a:lstStyle/>
+          <a:p>
+            <a:pPr algn="l"/>
+            <a:r>
+              <a:rPr lang="sr-Cyrl-RS" dirty="0"/>
+              <a:t>Употреба паметних инвертера</a:t>
+            </a:r>
+            <a:endParaRPr lang="en-US" dirty="0"/>
+          </a:p>
+        </p:txBody>
+      </p:sp>
+      <p:sp>
+        <p:nvSpPr>
+          <p:cNvPr id="3" name="Content Placeholder 2">
+            <a:extLst>
+              <a:ext uri="{FF2B5EF4-FFF2-40B4-BE49-F238E27FC236}">
+                <a16:creationId xmlns:a16="http://schemas.microsoft.com/office/drawing/2014/main" id="{83ACD906-66CC-F559-87F8-54F937C7B714}"/>
+              </a:ext>
+            </a:extLst>
+          </p:cNvPr>
+          <p:cNvSpPr>
+            <a:spLocks noGrp="1"/>
+          </p:cNvSpPr>
+          <p:nvPr>
+            <p:ph idx="1"/>
+          </p:nvPr>
+        </p:nvSpPr>
+        <p:spPr/>
+        <p:txBody>
+          <a:bodyPr/>
+          <a:lstStyle/>
+          <a:p>
+            <a:r>
+              <a:rPr lang="sr-Cyrl-RS" dirty="0"/>
+              <a:t>Паметни претварачи донесе велики број побољшања у погледу ефикасности и мониторинга, стим </a:t>
+            </a:r>
+            <a:r>
+              <a:rPr lang="sr-Cyrl-RS"/>
+              <a:t>у виду </a:t>
+            </a:r>
+            <a:r>
+              <a:rPr lang="sr-Cyrl-RS" dirty="0"/>
+              <a:t>имају и примене ван електрана.</a:t>
+            </a:r>
+          </a:p>
+          <a:p>
+            <a:r>
+              <a:rPr lang="sr-Cyrl-RS" dirty="0"/>
+              <a:t>Омогућавају прецизну контролу, надгледање делова система.</a:t>
+            </a:r>
+          </a:p>
+          <a:p>
+            <a:r>
+              <a:rPr lang="sr-Cyrl-RS" dirty="0"/>
+              <a:t>Употребе могу бити:</a:t>
+            </a:r>
+          </a:p>
+          <a:p>
+            <a:pPr lvl="1"/>
+            <a:r>
+              <a:rPr lang="sr-Cyrl-RS" dirty="0"/>
+              <a:t>ХВАК системи</a:t>
+            </a:r>
+          </a:p>
+          <a:p>
+            <a:pPr lvl="1"/>
+            <a:r>
+              <a:rPr lang="sr-Cyrl-RS" dirty="0"/>
+              <a:t>Медицинска опрема</a:t>
+            </a:r>
+          </a:p>
+          <a:p>
+            <a:pPr lvl="1"/>
+            <a:r>
+              <a:rPr lang="sr-Cyrl-RS" dirty="0"/>
+              <a:t>Индустријска аутоматизација</a:t>
+            </a:r>
+            <a:endParaRPr lang="en-US" dirty="0"/>
+          </a:p>
+        </p:txBody>
+      </p:sp>
+      <p:pic>
+        <p:nvPicPr>
+          <p:cNvPr id="5" name="Picture 4">
+            <a:extLst>
+              <a:ext uri="{FF2B5EF4-FFF2-40B4-BE49-F238E27FC236}">
+                <a16:creationId xmlns:a16="http://schemas.microsoft.com/office/drawing/2014/main" id="{84311036-4BA8-E015-FA60-76C6E59A001E}"/>
+              </a:ext>
+            </a:extLst>
+          </p:cNvPr>
+          <p:cNvPicPr>
+            <a:picLocks noChangeAspect="1"/>
+          </p:cNvPicPr>
+          <p:nvPr/>
+        </p:nvPicPr>
+        <p:blipFill>
+          <a:blip r:embed="rId2">
+            <a:extLst>
+              <a:ext uri="{28A0092B-C50C-407E-A947-70E740481C1C}">
+                <a14:useLocalDpi xmlns:a14="http://schemas.microsoft.com/office/drawing/2010/main" val="0"/>
+              </a:ext>
+            </a:extLst>
+          </a:blip>
+          <a:stretch>
+            <a:fillRect/>
+          </a:stretch>
+        </p:blipFill>
+        <p:spPr>
+          <a:xfrm>
+            <a:off x="5356542" y="2998176"/>
+            <a:ext cx="5353797" cy="3057952"/>
+          </a:xfrm>
+          <a:prstGeom prst="rect">
+            <a:avLst/>
+          </a:prstGeom>
+        </p:spPr>
+      </p:pic>
+      <p:sp>
+        <p:nvSpPr>
+          <p:cNvPr id="6" name="TextBox 5">
+            <a:extLst>
+              <a:ext uri="{FF2B5EF4-FFF2-40B4-BE49-F238E27FC236}">
+                <a16:creationId xmlns:a16="http://schemas.microsoft.com/office/drawing/2014/main" id="{DC5A049F-C92B-AA38-930C-2E40E0BCD67B}"/>
+              </a:ext>
+            </a:extLst>
+          </p:cNvPr>
+          <p:cNvSpPr txBox="1"/>
+          <p:nvPr/>
+        </p:nvSpPr>
+        <p:spPr>
+          <a:xfrm>
+            <a:off x="5847028" y="6109900"/>
+            <a:ext cx="4372824" cy="276999"/>
+          </a:xfrm>
+          <a:prstGeom prst="rect">
+            <a:avLst/>
+          </a:prstGeom>
+          <a:noFill/>
+        </p:spPr>
+        <p:txBody>
+          <a:bodyPr wrap="square" rtlCol="0">
+            <a:spAutoFit/>
+          </a:bodyPr>
+          <a:lstStyle/>
+          <a:p>
+            <a:pPr algn="ctr"/>
+            <a:r>
+              <a:rPr lang="sr-Cyrl-RS" sz="1200" dirty="0"/>
+              <a:t>Пример употребе инвертера унутар ХВАК система</a:t>
+            </a:r>
+            <a:endParaRPr lang="en-US" sz="1200" dirty="0"/>
+          </a:p>
+        </p:txBody>
+      </p:sp>
+    </p:spTree>
+    <p:extLst>
+      <p:ext uri="{BB962C8B-B14F-4D97-AF65-F5344CB8AC3E}">
+        <p14:creationId xmlns:p14="http://schemas.microsoft.com/office/powerpoint/2010/main" val="3338097333"/>
+      </p:ext>
+    </p:extLst>
+  </p:cSld>
+  <p:clrMapOvr>
+    <a:masterClrMapping/>
+  </p:clrMapOvr>
+</p:sld>
+</file>
+
+<file path=ppt/slides/slide3.xml><?xml version="1.0" encoding="utf-8"?>
 <p:sld xmlns:a="http://schemas.openxmlformats.org/drawingml/2006/main" xmlns:r="http://schemas.openxmlformats.org/officeDocument/2006/relationships" xmlns:p="http://schemas.openxmlformats.org/presentationml/2006/main">
   <p:cSld>
     <p:spTree>
@@ -21820,7 +24698,7 @@
 </p:sld>
 </file>
 
-<file path=ppt/slides/slide6.xml><?xml version="1.0" encoding="utf-8"?>
+<file path=ppt/slides/slide4.xml><?xml version="1.0" encoding="utf-8"?>
 <p:sld xmlns:a="http://schemas.openxmlformats.org/drawingml/2006/main" xmlns:r="http://schemas.openxmlformats.org/officeDocument/2006/relationships" xmlns:p="http://schemas.openxmlformats.org/presentationml/2006/main">
   <p:cSld>
     <p:spTree>
@@ -21860,8 +24738,20 @@
           <a:p>
             <a:pPr algn="l"/>
             <a:r>
+              <a:rPr lang="en-US" dirty="0"/>
+              <a:t>“</a:t>
+            </a:r>
+            <a:r>
               <a:rPr lang="sr-Cyrl-RS" dirty="0"/>
-              <a:t>’’Паметни соларни инвертери’’</a:t>
+              <a:t>Паметни</a:t>
+            </a:r>
+            <a:r>
+              <a:rPr lang="en-US" dirty="0"/>
+              <a:t>”</a:t>
+            </a:r>
+            <a:r>
+              <a:rPr lang="sr-Cyrl-RS" dirty="0"/>
+              <a:t> соларни инвертери</a:t>
             </a:r>
             <a:endParaRPr lang="en-US" dirty="0"/>
           </a:p>
@@ -21885,8 +24775,8 @@
         </p:nvSpPr>
         <p:spPr>
           <a:xfrm>
-            <a:off x="913795" y="1732449"/>
-            <a:ext cx="3384828" cy="4058751"/>
+            <a:off x="913794" y="1732449"/>
+            <a:ext cx="4780836" cy="4058751"/>
           </a:xfrm>
         </p:spPr>
         <p:txBody>
@@ -21895,18 +24785,68 @@
           <a:p>
             <a:r>
               <a:rPr lang="sr-Cyrl-RS" dirty="0"/>
-              <a:t>’асдасд</a:t>
+              <a:t>Инвертери који имају интегрисане могућности за повезивање на комуникацину мрежу, Интернет Ствари технологије.</a:t>
             </a:r>
             <a:endParaRPr lang="en-US" dirty="0"/>
+          </a:p>
+          <a:p>
+            <a:pPr marL="36900" indent="0">
+              <a:buNone/>
+            </a:pPr>
+            <a:endParaRPr lang="sr-Cyrl-RS" dirty="0"/>
+          </a:p>
+          <a:p>
+            <a:r>
+              <a:rPr lang="sr-Cyrl-RS" dirty="0"/>
+              <a:t>Технологија паметних инвертера нема примену само у фотонапонским системима, већ и у многим другим системима који захтевају претварање енергије.</a:t>
+            </a:r>
+            <a:endParaRPr lang="en-US" dirty="0"/>
+          </a:p>
+        </p:txBody>
+      </p:sp>
+      <p:sp>
+        <p:nvSpPr>
+          <p:cNvPr id="6" name="TextBox 5">
+            <a:extLst>
+              <a:ext uri="{FF2B5EF4-FFF2-40B4-BE49-F238E27FC236}">
+                <a16:creationId xmlns:a16="http://schemas.microsoft.com/office/drawing/2014/main" id="{646D0C99-881B-6CDD-C44D-D7089FAA7886}"/>
+              </a:ext>
+            </a:extLst>
+          </p:cNvPr>
+          <p:cNvSpPr txBox="1"/>
+          <p:nvPr/>
+        </p:nvSpPr>
+        <p:spPr>
+          <a:xfrm>
+            <a:off x="7494814" y="5233643"/>
+            <a:ext cx="2146167" cy="276999"/>
+          </a:xfrm>
+          <a:prstGeom prst="rect">
+            <a:avLst/>
+          </a:prstGeom>
+          <a:noFill/>
+        </p:spPr>
+        <p:txBody>
+          <a:bodyPr wrap="square" rtlCol="0">
+            <a:spAutoFit/>
+          </a:bodyPr>
+          <a:lstStyle/>
+          <a:p>
+            <a:pPr algn="ctr"/>
+            <a:r>
+              <a:rPr lang="sr-Cyrl-RS" sz="1200" dirty="0"/>
+              <a:t>Шема Солармен инвертера</a:t>
+            </a:r>
+            <a:endParaRPr lang="en-US" sz="1200" dirty="0"/>
           </a:p>
         </p:txBody>
       </p:sp>
       <p:pic>
         <p:nvPicPr>
-          <p:cNvPr id="5" name="Picture 4">
+          <p:cNvPr id="7" name="Picture 6">
             <a:extLst>
               <a:ext uri="{FF2B5EF4-FFF2-40B4-BE49-F238E27FC236}">
-                <a16:creationId xmlns:a16="http://schemas.microsoft.com/office/drawing/2014/main" id="{F0DD90C1-AD02-C6FD-E564-A871011BEE4A}"/>
+                <a16:creationId xmlns:a16="http://schemas.microsoft.com/office/drawing/2014/main" id="{B130A537-A69F-58EC-6A3B-2C4A3D9EE203}"/>
               </a:ext>
             </a:extLst>
           </p:cNvPr>
@@ -21929,51 +24869,14 @@
         </p:blipFill>
         <p:spPr>
           <a:xfrm>
-            <a:off x="6861143" y="1833481"/>
-            <a:ext cx="4210638" cy="3439005"/>
+            <a:off x="5846944" y="1732449"/>
+            <a:ext cx="5420613" cy="3501194"/>
           </a:xfrm>
           <a:prstGeom prst="rect">
             <a:avLst/>
           </a:prstGeom>
         </p:spPr>
       </p:pic>
-      <p:sp>
-        <p:nvSpPr>
-          <p:cNvPr id="6" name="TextBox 5">
-            <a:extLst>
-              <a:ext uri="{FF2B5EF4-FFF2-40B4-BE49-F238E27FC236}">
-                <a16:creationId xmlns:a16="http://schemas.microsoft.com/office/drawing/2014/main" id="{646D0C99-881B-6CDD-C44D-D7089FAA7886}"/>
-              </a:ext>
-            </a:extLst>
-          </p:cNvPr>
-          <p:cNvSpPr txBox="1"/>
-          <p:nvPr/>
-        </p:nvSpPr>
-        <p:spPr>
-          <a:xfrm>
-            <a:off x="7893379" y="5387417"/>
-            <a:ext cx="2146167" cy="276999"/>
-          </a:xfrm>
-          <a:prstGeom prst="rect">
-            <a:avLst/>
-          </a:prstGeom>
-          <a:noFill/>
-        </p:spPr>
-        <p:txBody>
-          <a:bodyPr wrap="square" rtlCol="0">
-            <a:spAutoFit/>
-          </a:bodyPr>
-          <a:lstStyle/>
-          <a:p>
-            <a:pPr algn="ctr"/>
-            <a:r>
-              <a:rPr lang="sr-Cyrl-RS" sz="1200" dirty="0"/>
-              <a:t>Шема Солармен инвертера</a:t>
-            </a:r>
-            <a:endParaRPr lang="en-US" sz="1200" dirty="0"/>
-          </a:p>
-        </p:txBody>
-      </p:sp>
     </p:spTree>
     <p:extLst>
       <p:ext uri="{BB962C8B-B14F-4D97-AF65-F5344CB8AC3E}">
@@ -21987,7 +24890,7 @@
 </p:sld>
 </file>
 
-<file path=ppt/slides/slide7.xml><?xml version="1.0" encoding="utf-8"?>
+<file path=ppt/slides/slide5.xml><?xml version="1.0" encoding="utf-8"?>
 <p:sld xmlns:a="http://schemas.openxmlformats.org/drawingml/2006/main" xmlns:r="http://schemas.openxmlformats.org/officeDocument/2006/relationships" xmlns:p="http://schemas.openxmlformats.org/presentationml/2006/main">
   <p:cSld>
     <p:spTree>
@@ -22025,7 +24928,12 @@
           <a:bodyPr/>
           <a:lstStyle/>
           <a:p>
-            <a:endParaRPr lang="en-US"/>
+            <a:pPr algn="l"/>
+            <a:r>
+              <a:rPr lang="sr-Cyrl-RS" dirty="0"/>
+              <a:t>Инвертерске комуникације</a:t>
+            </a:r>
+            <a:endParaRPr lang="en-US" dirty="0"/>
           </a:p>
         </p:txBody>
       </p:sp>
@@ -22050,10 +24958,50 @@
           <a:bodyPr/>
           <a:lstStyle/>
           <a:p>
-            <a:endParaRPr lang="en-US"/>
+            <a:r>
+              <a:rPr lang="sr-Cyrl-RS" dirty="0"/>
+              <a:t>Веза претварача са другим претварачима у систему, или са осталим деловима система.</a:t>
+            </a:r>
+            <a:endParaRPr lang="en-US" dirty="0"/>
           </a:p>
         </p:txBody>
       </p:sp>
+      <p:pic>
+        <p:nvPicPr>
+          <p:cNvPr id="5" name="Picture 4">
+            <a:extLst>
+              <a:ext uri="{FF2B5EF4-FFF2-40B4-BE49-F238E27FC236}">
+                <a16:creationId xmlns:a16="http://schemas.microsoft.com/office/drawing/2014/main" id="{1BFB9991-0378-2331-0CA3-C05EF281B7A5}"/>
+              </a:ext>
+            </a:extLst>
+          </p:cNvPr>
+          <p:cNvPicPr>
+            <a:picLocks noChangeAspect="1"/>
+          </p:cNvPicPr>
+          <p:nvPr/>
+        </p:nvPicPr>
+        <p:blipFill>
+          <a:blip r:embed="rId2">
+            <a:extLst>
+              <a:ext uri="{28A0092B-C50C-407E-A947-70E740481C1C}">
+                <a14:useLocalDpi xmlns:a14="http://schemas.microsoft.com/office/drawing/2010/main" val="0"/>
+              </a:ext>
+            </a:extLst>
+          </a:blip>
+          <a:stretch>
+            <a:fillRect/>
+          </a:stretch>
+        </p:blipFill>
+        <p:spPr>
+          <a:xfrm>
+            <a:off x="3014803" y="2299580"/>
+            <a:ext cx="5939449" cy="3948820"/>
+          </a:xfrm>
+          <a:prstGeom prst="rect">
+            <a:avLst/>
+          </a:prstGeom>
+        </p:spPr>
+      </p:pic>
     </p:spTree>
     <p:extLst>
       <p:ext uri="{BB962C8B-B14F-4D97-AF65-F5344CB8AC3E}">
@@ -22067,7 +25015,7 @@
 </p:sld>
 </file>
 
-<file path=ppt/slides/slide8.xml><?xml version="1.0" encoding="utf-8"?>
+<file path=ppt/slides/slide6.xml><?xml version="1.0" encoding="utf-8"?>
 <p:sld xmlns:a="http://schemas.openxmlformats.org/drawingml/2006/main" xmlns:r="http://schemas.openxmlformats.org/officeDocument/2006/relationships" xmlns:p="http://schemas.openxmlformats.org/presentationml/2006/main">
   <p:cSld>
     <p:spTree>
@@ -22105,35 +25053,662 @@
           <a:bodyPr/>
           <a:lstStyle/>
           <a:p>
-            <a:endParaRPr lang="en-US"/>
+            <a:pPr algn="l"/>
+            <a:r>
+              <a:rPr lang="sr-Cyrl-RS" dirty="0"/>
+              <a:t>Типови инвертерске комуникације</a:t>
+            </a:r>
+            <a:endParaRPr lang="en-US" dirty="0"/>
           </a:p>
         </p:txBody>
       </p:sp>
-      <p:sp>
-        <p:nvSpPr>
-          <p:cNvPr id="3" name="Content Placeholder 2">
+      <p:graphicFrame>
+        <p:nvGraphicFramePr>
+          <p:cNvPr id="4" name="Content Placeholder 3">
             <a:extLst>
               <a:ext uri="{FF2B5EF4-FFF2-40B4-BE49-F238E27FC236}">
-                <a16:creationId xmlns:a16="http://schemas.microsoft.com/office/drawing/2014/main" id="{9F7E8B7C-1DD7-8F4C-2A1D-8112CD94CBA2}"/>
+                <a16:creationId xmlns:a16="http://schemas.microsoft.com/office/drawing/2014/main" id="{D07E9866-AD9E-B081-4D7F-704346107BB6}"/>
               </a:ext>
             </a:extLst>
           </p:cNvPr>
-          <p:cNvSpPr>
-            <a:spLocks noGrp="1"/>
-          </p:cNvSpPr>
+          <p:cNvGraphicFramePr>
+            <a:graphicFrameLocks noGrp="1"/>
+          </p:cNvGraphicFramePr>
           <p:nvPr>
             <p:ph idx="1"/>
+            <p:extLst>
+              <p:ext uri="{D42A27DB-BD31-4B8C-83A1-F6EECF244321}">
+                <p14:modId xmlns:p14="http://schemas.microsoft.com/office/powerpoint/2010/main" val="31038107"/>
+              </p:ext>
+            </p:extLst>
           </p:nvPr>
-        </p:nvSpPr>
-        <p:spPr/>
-        <p:txBody>
-          <a:bodyPr/>
-          <a:lstStyle/>
-          <a:p>
-            <a:endParaRPr lang="en-US"/>
-          </a:p>
-        </p:txBody>
-      </p:sp>
+        </p:nvGraphicFramePr>
+        <p:xfrm>
+          <a:off x="914403" y="1580050"/>
+          <a:ext cx="10353154" cy="4748017"/>
+        </p:xfrm>
+        <a:graphic>
+          <a:graphicData uri="http://schemas.openxmlformats.org/drawingml/2006/table">
+            <a:tbl>
+              <a:tblPr firstRow="1" bandRow="1">
+                <a:tableStyleId>{9D7B26C5-4107-4FEC-AEDC-1716B250A1EF}</a:tableStyleId>
+              </a:tblPr>
+              <a:tblGrid>
+                <a:gridCol w="1479022">
+                  <a:extLst>
+                    <a:ext uri="{9D8B030D-6E8A-4147-A177-3AD203B41FA5}">
+                      <a16:colId xmlns:a16="http://schemas.microsoft.com/office/drawing/2014/main" val="15425494"/>
+                    </a:ext>
+                  </a:extLst>
+                </a:gridCol>
+                <a:gridCol w="1479022">
+                  <a:extLst>
+                    <a:ext uri="{9D8B030D-6E8A-4147-A177-3AD203B41FA5}">
+                      <a16:colId xmlns:a16="http://schemas.microsoft.com/office/drawing/2014/main" val="2035850536"/>
+                    </a:ext>
+                  </a:extLst>
+                </a:gridCol>
+                <a:gridCol w="1479022">
+                  <a:extLst>
+                    <a:ext uri="{9D8B030D-6E8A-4147-A177-3AD203B41FA5}">
+                      <a16:colId xmlns:a16="http://schemas.microsoft.com/office/drawing/2014/main" val="1179222839"/>
+                    </a:ext>
+                  </a:extLst>
+                </a:gridCol>
+                <a:gridCol w="1479022">
+                  <a:extLst>
+                    <a:ext uri="{9D8B030D-6E8A-4147-A177-3AD203B41FA5}">
+                      <a16:colId xmlns:a16="http://schemas.microsoft.com/office/drawing/2014/main" val="2362061836"/>
+                    </a:ext>
+                  </a:extLst>
+                </a:gridCol>
+                <a:gridCol w="1480593">
+                  <a:extLst>
+                    <a:ext uri="{9D8B030D-6E8A-4147-A177-3AD203B41FA5}">
+                      <a16:colId xmlns:a16="http://schemas.microsoft.com/office/drawing/2014/main" val="750263094"/>
+                    </a:ext>
+                  </a:extLst>
+                </a:gridCol>
+                <a:gridCol w="1477451">
+                  <a:extLst>
+                    <a:ext uri="{9D8B030D-6E8A-4147-A177-3AD203B41FA5}">
+                      <a16:colId xmlns:a16="http://schemas.microsoft.com/office/drawing/2014/main" val="2664919717"/>
+                    </a:ext>
+                  </a:extLst>
+                </a:gridCol>
+                <a:gridCol w="1479022">
+                  <a:extLst>
+                    <a:ext uri="{9D8B030D-6E8A-4147-A177-3AD203B41FA5}">
+                      <a16:colId xmlns:a16="http://schemas.microsoft.com/office/drawing/2014/main" val="3328025768"/>
+                    </a:ext>
+                  </a:extLst>
+                </a:gridCol>
+              </a:tblGrid>
+              <a:tr h="1151377">
+                <a:tc>
+                  <a:txBody>
+                    <a:bodyPr/>
+                    <a:lstStyle/>
+                    <a:p>
+                      <a:pPr algn="ctr"/>
+                      <a:r>
+                        <a:rPr lang="sr-Cyrl-RS" sz="1600" dirty="0"/>
+                        <a:t>Тип комуникације</a:t>
+                      </a:r>
+                      <a:endParaRPr lang="en-US" sz="1600" dirty="0"/>
+                    </a:p>
+                  </a:txBody>
+                  <a:tcPr/>
+                </a:tc>
+                <a:tc>
+                  <a:txBody>
+                    <a:bodyPr/>
+                    <a:lstStyle/>
+                    <a:p>
+                      <a:pPr algn="ctr"/>
+                      <a:r>
+                        <a:rPr lang="sr-Cyrl-RS" sz="1600" dirty="0"/>
+                        <a:t>Серијска комуникација</a:t>
+                      </a:r>
+                      <a:endParaRPr lang="en-US" sz="1600" dirty="0"/>
+                    </a:p>
+                  </a:txBody>
+                  <a:tcPr/>
+                </a:tc>
+                <a:tc>
+                  <a:txBody>
+                    <a:bodyPr/>
+                    <a:lstStyle/>
+                    <a:p>
+                      <a:pPr algn="ctr"/>
+                      <a:r>
+                        <a:rPr lang="sr-Cyrl-RS" sz="1600" dirty="0"/>
+                        <a:t>Паралелна комуникација</a:t>
+                      </a:r>
+                      <a:endParaRPr lang="en-US" sz="1600" dirty="0"/>
+                    </a:p>
+                  </a:txBody>
+                  <a:tcPr/>
+                </a:tc>
+                <a:tc>
+                  <a:txBody>
+                    <a:bodyPr/>
+                    <a:lstStyle/>
+                    <a:p>
+                      <a:pPr algn="ctr"/>
+                      <a:r>
+                        <a:rPr lang="sr-Cyrl-RS" sz="1600" dirty="0"/>
+                        <a:t>Етернет </a:t>
+                      </a:r>
+                      <a:r>
+                        <a:rPr lang="en-US" sz="1600" dirty="0"/>
+                        <a:t>(Ethernet)</a:t>
+                      </a:r>
+                      <a:r>
+                        <a:rPr lang="sr-Cyrl-RS" sz="1600" dirty="0"/>
+                        <a:t> комуника-ција</a:t>
+                      </a:r>
+                      <a:endParaRPr lang="en-US" sz="1600" dirty="0"/>
+                    </a:p>
+                  </a:txBody>
+                  <a:tcPr/>
+                </a:tc>
+                <a:tc>
+                  <a:txBody>
+                    <a:bodyPr/>
+                    <a:lstStyle/>
+                    <a:p>
+                      <a:pPr algn="ctr"/>
+                      <a:r>
+                        <a:rPr lang="sr-Cyrl-RS" sz="1600" dirty="0"/>
+                        <a:t>Блутут (</a:t>
+                      </a:r>
+                      <a:r>
+                        <a:rPr lang="en-US" sz="1600" dirty="0"/>
+                        <a:t>Bluetooth) </a:t>
+                      </a:r>
+                      <a:r>
+                        <a:rPr lang="sr-Cyrl-RS" sz="1600" dirty="0"/>
+                        <a:t>комуника-ција</a:t>
+                      </a:r>
+                      <a:endParaRPr lang="en-US" sz="1600" dirty="0"/>
+                    </a:p>
+                  </a:txBody>
+                  <a:tcPr/>
+                </a:tc>
+                <a:tc>
+                  <a:txBody>
+                    <a:bodyPr/>
+                    <a:lstStyle/>
+                    <a:p>
+                      <a:pPr algn="ctr"/>
+                      <a:r>
+                        <a:rPr lang="sr-Cyrl-RS" sz="1600" dirty="0"/>
+                        <a:t>Зигби (</a:t>
+                      </a:r>
+                      <a:r>
+                        <a:rPr lang="en-US" sz="1600" dirty="0"/>
+                        <a:t>Zigbee) </a:t>
+                      </a:r>
+                      <a:r>
+                        <a:rPr lang="sr-Cyrl-RS" sz="1600" dirty="0"/>
+                        <a:t>комуника-ција</a:t>
+                      </a:r>
+                      <a:endParaRPr lang="en-US" sz="1600" dirty="0"/>
+                    </a:p>
+                  </a:txBody>
+                  <a:tcPr/>
+                </a:tc>
+                <a:tc>
+                  <a:txBody>
+                    <a:bodyPr/>
+                    <a:lstStyle/>
+                    <a:p>
+                      <a:pPr algn="ctr"/>
+                      <a:r>
+                        <a:rPr lang="sr-Cyrl-RS" sz="1600" dirty="0"/>
+                        <a:t>Вај-фај (</a:t>
+                      </a:r>
+                      <a:r>
+                        <a:rPr lang="en-US" sz="1600" dirty="0"/>
+                        <a:t>Wi-Fi) </a:t>
+                      </a:r>
+                      <a:r>
+                        <a:rPr lang="sr-Cyrl-RS" sz="1600" dirty="0"/>
+                        <a:t>комуника-ција</a:t>
+                      </a:r>
+                      <a:endParaRPr lang="en-US" sz="1600" dirty="0"/>
+                    </a:p>
+                  </a:txBody>
+                  <a:tcPr/>
+                </a:tc>
+                <a:extLst>
+                  <a:ext uri="{0D108BD9-81ED-4DB2-BD59-A6C34878D82A}">
+                    <a16:rowId xmlns:a16="http://schemas.microsoft.com/office/drawing/2014/main" val="3998533407"/>
+                  </a:ext>
+                </a:extLst>
+              </a:tr>
+              <a:tr h="982365">
+                <a:tc>
+                  <a:txBody>
+                    <a:bodyPr/>
+                    <a:lstStyle/>
+                    <a:p>
+                      <a:pPr algn="ctr"/>
+                      <a:endParaRPr lang="sr-Cyrl-RS" sz="1600" dirty="0"/>
+                    </a:p>
+                    <a:p>
+                      <a:pPr algn="ctr"/>
+                      <a:r>
+                        <a:rPr lang="sr-Cyrl-RS" sz="1600" dirty="0"/>
+                        <a:t>Пример</a:t>
+                      </a:r>
+                      <a:endParaRPr lang="en-US" sz="1600" dirty="0"/>
+                    </a:p>
+                  </a:txBody>
+                  <a:tcPr/>
+                </a:tc>
+                <a:tc>
+                  <a:txBody>
+                    <a:bodyPr/>
+                    <a:lstStyle/>
+                    <a:p>
+                      <a:pPr algn="ctr"/>
+                      <a:r>
+                        <a:rPr lang="sr-Cyrl-RS" sz="1600" dirty="0"/>
+                        <a:t>РС-232, </a:t>
+                      </a:r>
+                    </a:p>
+                    <a:p>
+                      <a:pPr algn="ctr"/>
+                      <a:r>
+                        <a:rPr lang="sr-Cyrl-RS" sz="1600" dirty="0"/>
+                        <a:t>РС-485 </a:t>
+                      </a:r>
+                      <a:endParaRPr lang="en-US" sz="1600" dirty="0"/>
+                    </a:p>
+                  </a:txBody>
+                  <a:tcPr/>
+                </a:tc>
+                <a:tc>
+                  <a:txBody>
+                    <a:bodyPr/>
+                    <a:lstStyle/>
+                    <a:p>
+                      <a:pPr algn="ctr"/>
+                      <a:r>
+                        <a:rPr lang="sr-Cyrl-RS" sz="1600" dirty="0"/>
+                        <a:t>Центроникс (</a:t>
+                      </a:r>
+                      <a:r>
+                        <a:rPr lang="en-US" sz="1600" dirty="0"/>
+                        <a:t>Centronics), </a:t>
+                      </a:r>
+                      <a:r>
+                        <a:rPr lang="sr-Cyrl-RS" sz="1600" dirty="0"/>
+                        <a:t>СЦСИ (</a:t>
+                      </a:r>
+                      <a:r>
+                        <a:rPr lang="en-US" sz="1600" dirty="0"/>
+                        <a:t>SCSI) </a:t>
+                      </a:r>
+                    </a:p>
+                  </a:txBody>
+                  <a:tcPr/>
+                </a:tc>
+                <a:tc>
+                  <a:txBody>
+                    <a:bodyPr/>
+                    <a:lstStyle/>
+                    <a:p>
+                      <a:pPr algn="ctr"/>
+                      <a:r>
+                        <a:rPr lang="sr-Cyrl-RS" sz="1600" dirty="0"/>
+                        <a:t>Етернет (</a:t>
+                      </a:r>
+                      <a:r>
+                        <a:rPr lang="en-US" sz="1600" dirty="0"/>
+                        <a:t>Ethernet), </a:t>
+                      </a:r>
+                      <a:r>
+                        <a:rPr lang="sr-Cyrl-RS" sz="1600" dirty="0"/>
+                        <a:t>ТЦП(</a:t>
+                      </a:r>
+                      <a:r>
+                        <a:rPr lang="en-US" sz="1600" dirty="0"/>
+                        <a:t>TCP) </a:t>
+                      </a:r>
+                    </a:p>
+                  </a:txBody>
+                  <a:tcPr/>
+                </a:tc>
+                <a:tc>
+                  <a:txBody>
+                    <a:bodyPr/>
+                    <a:lstStyle/>
+                    <a:p>
+                      <a:pPr algn="ctr"/>
+                      <a:r>
+                        <a:rPr lang="en-US" sz="1600" dirty="0"/>
+                        <a:t>Блутут (Bluetooth Classic)</a:t>
+                      </a:r>
+                    </a:p>
+                  </a:txBody>
+                  <a:tcPr/>
+                </a:tc>
+                <a:tc>
+                  <a:txBody>
+                    <a:bodyPr/>
+                    <a:lstStyle/>
+                    <a:p>
+                      <a:pPr algn="ctr"/>
+                      <a:r>
+                        <a:rPr lang="sr-Cyrl-RS" sz="1600" dirty="0"/>
+                        <a:t>Зигби (</a:t>
+                      </a:r>
+                      <a:r>
+                        <a:rPr lang="en-US" sz="1600" dirty="0"/>
+                        <a:t>Zigbee),</a:t>
+                      </a:r>
+                      <a:r>
+                        <a:rPr lang="sr-Cyrl-RS" sz="1600" dirty="0"/>
+                        <a:t> Тред (</a:t>
+                      </a:r>
+                      <a:r>
+                        <a:rPr lang="en-US" sz="1600" dirty="0"/>
+                        <a:t>Thread)</a:t>
+                      </a:r>
+                    </a:p>
+                  </a:txBody>
+                  <a:tcPr/>
+                </a:tc>
+                <a:tc>
+                  <a:txBody>
+                    <a:bodyPr/>
+                    <a:lstStyle/>
+                    <a:p>
+                      <a:pPr algn="ctr"/>
+                      <a:r>
+                        <a:rPr lang="sr-Cyrl-RS" sz="1600" dirty="0"/>
+                        <a:t>Вај-фај (</a:t>
+                      </a:r>
+                      <a:r>
+                        <a:rPr lang="en-US" sz="1600" dirty="0" err="1"/>
+                        <a:t>WiFi</a:t>
+                      </a:r>
+                      <a:r>
+                        <a:rPr lang="en-US" sz="1600" dirty="0"/>
+                        <a:t>), </a:t>
+                      </a:r>
+                      <a:endParaRPr lang="sr-Cyrl-RS" sz="1600" dirty="0"/>
+                    </a:p>
+                    <a:p>
+                      <a:pPr algn="ctr"/>
+                      <a:r>
+                        <a:rPr lang="sr-Cyrl-RS" sz="1600" dirty="0"/>
+                        <a:t>ТЦП/ИП (</a:t>
+                      </a:r>
+                      <a:r>
+                        <a:rPr lang="en-US" sz="1600" dirty="0"/>
+                        <a:t>TCP/IP) </a:t>
+                      </a:r>
+                    </a:p>
+                  </a:txBody>
+                  <a:tcPr/>
+                </a:tc>
+                <a:extLst>
+                  <a:ext uri="{0D108BD9-81ED-4DB2-BD59-A6C34878D82A}">
+                    <a16:rowId xmlns:a16="http://schemas.microsoft.com/office/drawing/2014/main" val="3605927231"/>
+                  </a:ext>
+                </a:extLst>
+              </a:tr>
+              <a:tr h="982365">
+                <a:tc>
+                  <a:txBody>
+                    <a:bodyPr/>
+                    <a:lstStyle/>
+                    <a:p>
+                      <a:pPr algn="ctr"/>
+                      <a:endParaRPr lang="sr-Cyrl-RS" dirty="0"/>
+                    </a:p>
+                    <a:p>
+                      <a:pPr algn="ctr"/>
+                      <a:r>
+                        <a:rPr lang="sr-Cyrl-RS" dirty="0"/>
+                        <a:t>Предности</a:t>
+                      </a:r>
+                      <a:endParaRPr lang="en-US" dirty="0"/>
+                    </a:p>
+                  </a:txBody>
+                  <a:tcPr/>
+                </a:tc>
+                <a:tc>
+                  <a:txBody>
+                    <a:bodyPr/>
+                    <a:lstStyle/>
+                    <a:p>
+                      <a:pPr algn="ctr"/>
+                      <a:r>
+                        <a:rPr lang="sr-Cyrl-RS" sz="1600" dirty="0"/>
+                        <a:t>Поузданост </a:t>
+                      </a:r>
+                      <a:r>
+                        <a:rPr lang="sr-Cyrl-RS" sz="1400" dirty="0"/>
+                        <a:t>једноста-вност</a:t>
+                      </a:r>
+                      <a:r>
+                        <a:rPr lang="sr-Cyrl-RS" sz="1600" dirty="0"/>
+                        <a:t> имплеме-нтације </a:t>
+                      </a:r>
+                      <a:endParaRPr lang="en-US" sz="1600" dirty="0"/>
+                    </a:p>
+                  </a:txBody>
+                  <a:tcPr/>
+                </a:tc>
+                <a:tc>
+                  <a:txBody>
+                    <a:bodyPr/>
+                    <a:lstStyle/>
+                    <a:p>
+                      <a:pPr algn="ctr"/>
+                      <a:r>
+                        <a:rPr lang="sr-Cyrl-RS" sz="1600" dirty="0"/>
+                        <a:t>Велика брзина и проток </a:t>
+                      </a:r>
+                      <a:endParaRPr lang="en-US" sz="1600" dirty="0"/>
+                    </a:p>
+                  </a:txBody>
+                  <a:tcPr/>
+                </a:tc>
+                <a:tc>
+                  <a:txBody>
+                    <a:bodyPr/>
+                    <a:lstStyle/>
+                    <a:p>
+                      <a:pPr algn="ctr"/>
+                      <a:r>
+                        <a:rPr lang="ru-RU" sz="1600" dirty="0"/>
+                        <a:t>Велика брзина, велика дужина кабла</a:t>
+                      </a:r>
+                      <a:endParaRPr lang="en-US" sz="1600" dirty="0"/>
+                    </a:p>
+                  </a:txBody>
+                  <a:tcPr/>
+                </a:tc>
+                <a:tc>
+                  <a:txBody>
+                    <a:bodyPr/>
+                    <a:lstStyle/>
+                    <a:p>
+                      <a:pPr algn="ctr"/>
+                      <a:r>
+                        <a:rPr lang="ru-RU" sz="1400" dirty="0"/>
+                        <a:t>Мали утрошак енергија и једноставна имплемента-ција </a:t>
+                      </a:r>
+                      <a:endParaRPr lang="en-US" sz="1400" dirty="0"/>
+                    </a:p>
+                  </a:txBody>
+                  <a:tcPr/>
+                </a:tc>
+                <a:tc>
+                  <a:txBody>
+                    <a:bodyPr/>
+                    <a:lstStyle/>
+                    <a:p>
+                      <a:pPr algn="ctr"/>
+                      <a:r>
+                        <a:rPr lang="sr-Cyrl-RS" sz="1400" dirty="0"/>
+                        <a:t>Мала потрошња енергије, сигурност, (</a:t>
+                      </a:r>
+                      <a:r>
+                        <a:rPr lang="en-US" sz="1400" dirty="0"/>
+                        <a:t>mesh networking)</a:t>
+                      </a:r>
+                    </a:p>
+                  </a:txBody>
+                  <a:tcPr/>
+                </a:tc>
+                <a:tc>
+                  <a:txBody>
+                    <a:bodyPr/>
+                    <a:lstStyle/>
+                    <a:p>
+                      <a:pPr algn="ctr"/>
+                      <a:r>
+                        <a:rPr lang="ru-RU" sz="1400" dirty="0"/>
+                        <a:t>Велика брзина, велики проток, велики домет и лакоћа употребе </a:t>
+                      </a:r>
+                      <a:endParaRPr lang="en-US" sz="1400" dirty="0"/>
+                    </a:p>
+                  </a:txBody>
+                  <a:tcPr/>
+                </a:tc>
+                <a:extLst>
+                  <a:ext uri="{0D108BD9-81ED-4DB2-BD59-A6C34878D82A}">
+                    <a16:rowId xmlns:a16="http://schemas.microsoft.com/office/drawing/2014/main" val="1141620355"/>
+                  </a:ext>
+                </a:extLst>
+              </a:tr>
+              <a:tr h="982365">
+                <a:tc>
+                  <a:txBody>
+                    <a:bodyPr/>
+                    <a:lstStyle/>
+                    <a:p>
+                      <a:pPr algn="ctr"/>
+                      <a:endParaRPr lang="sr-Cyrl-RS" dirty="0"/>
+                    </a:p>
+                    <a:p>
+                      <a:pPr algn="ctr"/>
+                      <a:r>
+                        <a:rPr lang="sr-Cyrl-RS" dirty="0"/>
+                        <a:t>Мане</a:t>
+                      </a:r>
+                      <a:endParaRPr lang="en-US" dirty="0"/>
+                    </a:p>
+                  </a:txBody>
+                  <a:tcPr/>
+                </a:tc>
+                <a:tc>
+                  <a:txBody>
+                    <a:bodyPr/>
+                    <a:lstStyle/>
+                    <a:p>
+                      <a:pPr algn="ctr"/>
+                      <a:r>
+                        <a:rPr lang="ru-RU" sz="1400" dirty="0"/>
+                        <a:t>Може бити спор и ограничена брзина преноса</a:t>
+                      </a:r>
+                      <a:endParaRPr lang="en-US" sz="1400" dirty="0"/>
+                    </a:p>
+                  </a:txBody>
+                  <a:tcPr/>
+                </a:tc>
+                <a:tc>
+                  <a:txBody>
+                    <a:bodyPr/>
+                    <a:lstStyle/>
+                    <a:p>
+                      <a:pPr algn="ctr"/>
+                      <a:r>
+                        <a:rPr lang="ru-RU" sz="1400" dirty="0"/>
+                        <a:t>Захтева велики број каблова и пинова, тешка синхронизација </a:t>
+                      </a:r>
+                      <a:endParaRPr lang="en-US" sz="1400" dirty="0"/>
+                    </a:p>
+                  </a:txBody>
+                  <a:tcPr/>
+                </a:tc>
+                <a:tc>
+                  <a:txBody>
+                    <a:bodyPr/>
+                    <a:lstStyle/>
+                    <a:p>
+                      <a:pPr algn="ctr"/>
+                      <a:r>
+                        <a:rPr lang="ru-RU" sz="1400" dirty="0"/>
+                        <a:t>Додатна опрема, подлежан мре-жним пробле-мима </a:t>
+                      </a:r>
+                      <a:endParaRPr lang="en-US" sz="1400" dirty="0"/>
+                    </a:p>
+                  </a:txBody>
+                  <a:tcPr/>
+                </a:tc>
+                <a:tc>
+                  <a:txBody>
+                    <a:bodyPr/>
+                    <a:lstStyle/>
+                    <a:p>
+                      <a:pPr algn="ctr"/>
+                      <a:r>
+                        <a:rPr lang="ru-RU" sz="1400" dirty="0"/>
+                        <a:t>Ограничен домат, подложан сметњама</a:t>
+                      </a:r>
+                      <a:endParaRPr lang="en-US" sz="1400" dirty="0"/>
+                    </a:p>
+                  </a:txBody>
+                  <a:tcPr/>
+                </a:tc>
+                <a:tc>
+                  <a:txBody>
+                    <a:bodyPr/>
+                    <a:lstStyle/>
+                    <a:p>
+                      <a:pPr algn="ctr"/>
+                      <a:r>
+                        <a:rPr lang="ru-RU" sz="1400" dirty="0"/>
+                        <a:t>Ограничен проток, домет, и број уређаја.</a:t>
+                      </a:r>
+                      <a:endParaRPr lang="en-US" sz="1400" dirty="0"/>
+                    </a:p>
+                  </a:txBody>
+                  <a:tcPr/>
+                </a:tc>
+                <a:tc>
+                  <a:txBody>
+                    <a:bodyPr/>
+                    <a:lstStyle/>
+                    <a:p>
+                      <a:pPr algn="ctr"/>
+                      <a:r>
+                        <a:rPr lang="ru-RU" sz="1400" dirty="0"/>
+                        <a:t>Захтева дода-тну опрему, подлежан интерфе-рнецији</a:t>
+                      </a:r>
+                      <a:endParaRPr lang="en-US" sz="1400" dirty="0"/>
+                    </a:p>
+                  </a:txBody>
+                  <a:tcPr/>
+                </a:tc>
+                <a:extLst>
+                  <a:ext uri="{0D108BD9-81ED-4DB2-BD59-A6C34878D82A}">
+                    <a16:rowId xmlns:a16="http://schemas.microsoft.com/office/drawing/2014/main" val="745050649"/>
+                  </a:ext>
+                </a:extLst>
+              </a:tr>
+            </a:tbl>
+          </a:graphicData>
+        </a:graphic>
+      </p:graphicFrame>
     </p:spTree>
     <p:extLst>
       <p:ext uri="{BB962C8B-B14F-4D97-AF65-F5344CB8AC3E}">
@@ -22147,7 +25722,7 @@
 </p:sld>
 </file>
 
-<file path=ppt/slides/slide9.xml><?xml version="1.0" encoding="utf-8"?>
+<file path=ppt/slides/slide7.xml><?xml version="1.0" encoding="utf-8"?>
 <p:sld xmlns:a="http://schemas.openxmlformats.org/drawingml/2006/main" xmlns:r="http://schemas.openxmlformats.org/officeDocument/2006/relationships" xmlns:p="http://schemas.openxmlformats.org/presentationml/2006/main">
   <p:cSld>
     <p:spTree>
@@ -22185,7 +25760,1201 @@
           <a:bodyPr/>
           <a:lstStyle/>
           <a:p>
-            <a:endParaRPr lang="en-US"/>
+            <a:pPr algn="l"/>
+            <a:r>
+              <a:rPr lang="sr-Cyrl-RS" dirty="0"/>
+              <a:t>Интерфејси за комуникацију</a:t>
+            </a:r>
+            <a:endParaRPr lang="en-US" dirty="0"/>
+          </a:p>
+        </p:txBody>
+      </p:sp>
+      <p:graphicFrame>
+        <p:nvGraphicFramePr>
+          <p:cNvPr id="4" name="Content Placeholder 3">
+            <a:extLst>
+              <a:ext uri="{FF2B5EF4-FFF2-40B4-BE49-F238E27FC236}">
+                <a16:creationId xmlns:a16="http://schemas.microsoft.com/office/drawing/2014/main" id="{9DDAAB42-7EED-1B58-A80B-2E6E9ED5A497}"/>
+              </a:ext>
+            </a:extLst>
+          </p:cNvPr>
+          <p:cNvGraphicFramePr>
+            <a:graphicFrameLocks noGrp="1"/>
+          </p:cNvGraphicFramePr>
+          <p:nvPr>
+            <p:ph idx="1"/>
+            <p:extLst>
+              <p:ext uri="{D42A27DB-BD31-4B8C-83A1-F6EECF244321}">
+                <p14:modId xmlns:p14="http://schemas.microsoft.com/office/powerpoint/2010/main" val="1324942229"/>
+              </p:ext>
+            </p:extLst>
+          </p:nvPr>
+        </p:nvGraphicFramePr>
+        <p:xfrm>
+          <a:off x="914400" y="1731962"/>
+          <a:ext cx="10353670" cy="4125632"/>
+        </p:xfrm>
+        <a:graphic>
+          <a:graphicData uri="http://schemas.openxmlformats.org/drawingml/2006/table">
+            <a:tbl>
+              <a:tblPr firstRow="1" bandRow="1">
+                <a:tableStyleId>{9D7B26C5-4107-4FEC-AEDC-1716B250A1EF}</a:tableStyleId>
+              </a:tblPr>
+              <a:tblGrid>
+                <a:gridCol w="1035367">
+                  <a:extLst>
+                    <a:ext uri="{9D8B030D-6E8A-4147-A177-3AD203B41FA5}">
+                      <a16:colId xmlns:a16="http://schemas.microsoft.com/office/drawing/2014/main" val="306265924"/>
+                    </a:ext>
+                  </a:extLst>
+                </a:gridCol>
+                <a:gridCol w="1035367">
+                  <a:extLst>
+                    <a:ext uri="{9D8B030D-6E8A-4147-A177-3AD203B41FA5}">
+                      <a16:colId xmlns:a16="http://schemas.microsoft.com/office/drawing/2014/main" val="1160342230"/>
+                    </a:ext>
+                  </a:extLst>
+                </a:gridCol>
+                <a:gridCol w="1035367">
+                  <a:extLst>
+                    <a:ext uri="{9D8B030D-6E8A-4147-A177-3AD203B41FA5}">
+                      <a16:colId xmlns:a16="http://schemas.microsoft.com/office/drawing/2014/main" val="761080557"/>
+                    </a:ext>
+                  </a:extLst>
+                </a:gridCol>
+                <a:gridCol w="1035367">
+                  <a:extLst>
+                    <a:ext uri="{9D8B030D-6E8A-4147-A177-3AD203B41FA5}">
+                      <a16:colId xmlns:a16="http://schemas.microsoft.com/office/drawing/2014/main" val="140974651"/>
+                    </a:ext>
+                  </a:extLst>
+                </a:gridCol>
+                <a:gridCol w="1035367">
+                  <a:extLst>
+                    <a:ext uri="{9D8B030D-6E8A-4147-A177-3AD203B41FA5}">
+                      <a16:colId xmlns:a16="http://schemas.microsoft.com/office/drawing/2014/main" val="2518580760"/>
+                    </a:ext>
+                  </a:extLst>
+                </a:gridCol>
+                <a:gridCol w="1035367">
+                  <a:extLst>
+                    <a:ext uri="{9D8B030D-6E8A-4147-A177-3AD203B41FA5}">
+                      <a16:colId xmlns:a16="http://schemas.microsoft.com/office/drawing/2014/main" val="1777000148"/>
+                    </a:ext>
+                  </a:extLst>
+                </a:gridCol>
+                <a:gridCol w="1035367">
+                  <a:extLst>
+                    <a:ext uri="{9D8B030D-6E8A-4147-A177-3AD203B41FA5}">
+                      <a16:colId xmlns:a16="http://schemas.microsoft.com/office/drawing/2014/main" val="2778422509"/>
+                    </a:ext>
+                  </a:extLst>
+                </a:gridCol>
+                <a:gridCol w="1035367">
+                  <a:extLst>
+                    <a:ext uri="{9D8B030D-6E8A-4147-A177-3AD203B41FA5}">
+                      <a16:colId xmlns:a16="http://schemas.microsoft.com/office/drawing/2014/main" val="2702018773"/>
+                    </a:ext>
+                  </a:extLst>
+                </a:gridCol>
+                <a:gridCol w="1035367">
+                  <a:extLst>
+                    <a:ext uri="{9D8B030D-6E8A-4147-A177-3AD203B41FA5}">
+                      <a16:colId xmlns:a16="http://schemas.microsoft.com/office/drawing/2014/main" val="3266454857"/>
+                    </a:ext>
+                  </a:extLst>
+                </a:gridCol>
+                <a:gridCol w="1035367">
+                  <a:extLst>
+                    <a:ext uri="{9D8B030D-6E8A-4147-A177-3AD203B41FA5}">
+                      <a16:colId xmlns:a16="http://schemas.microsoft.com/office/drawing/2014/main" val="1106010110"/>
+                    </a:ext>
+                  </a:extLst>
+                </a:gridCol>
+              </a:tblGrid>
+              <a:tr h="1031408">
+                <a:tc>
+                  <a:txBody>
+                    <a:bodyPr/>
+                    <a:lstStyle/>
+                    <a:p>
+                      <a:pPr algn="ctr"/>
+                      <a:r>
+                        <a:rPr lang="sr-Cyrl-RS" sz="1400" dirty="0"/>
+                        <a:t>Инте-рфејс</a:t>
+                      </a:r>
+                      <a:endParaRPr lang="en-US" sz="1400" dirty="0"/>
+                    </a:p>
+                  </a:txBody>
+                  <a:tcPr/>
+                </a:tc>
+                <a:tc>
+                  <a:txBody>
+                    <a:bodyPr/>
+                    <a:lstStyle/>
+                    <a:p>
+                      <a:pPr algn="ctr"/>
+                      <a:r>
+                        <a:rPr lang="sr-Cyrl-RS" sz="1400" dirty="0"/>
+                        <a:t>Тип кабла </a:t>
+                      </a:r>
+                      <a:endParaRPr lang="en-US" sz="1400" dirty="0"/>
+                    </a:p>
+                  </a:txBody>
+                  <a:tcPr/>
+                </a:tc>
+                <a:tc>
+                  <a:txBody>
+                    <a:bodyPr/>
+                    <a:lstStyle/>
+                    <a:p>
+                      <a:pPr algn="ctr"/>
+                      <a:r>
+                        <a:rPr lang="sr-Cyrl-RS" sz="1400" dirty="0"/>
+                        <a:t>Макси-мална дистанца </a:t>
+                      </a:r>
+                      <a:endParaRPr lang="en-US" sz="1400" dirty="0"/>
+                    </a:p>
+                  </a:txBody>
+                  <a:tcPr/>
+                </a:tc>
+                <a:tc>
+                  <a:txBody>
+                    <a:bodyPr/>
+                    <a:lstStyle/>
+                    <a:p>
+                      <a:pPr algn="ctr"/>
+                      <a:r>
+                        <a:rPr lang="sr-Cyrl-RS" sz="1400" dirty="0"/>
+                        <a:t>Макси-мална брзина </a:t>
+                      </a:r>
+                      <a:endParaRPr lang="en-US" sz="1400" dirty="0"/>
+                    </a:p>
+                  </a:txBody>
+                  <a:tcPr/>
+                </a:tc>
+                <a:tc>
+                  <a:txBody>
+                    <a:bodyPr/>
+                    <a:lstStyle/>
+                    <a:p>
+                      <a:pPr algn="ctr"/>
+                      <a:r>
+                        <a:rPr lang="sr-Cyrl-RS" sz="1400" dirty="0"/>
+                        <a:t>Топо-логија</a:t>
+                      </a:r>
+                      <a:endParaRPr lang="en-US" sz="1400" dirty="0"/>
+                    </a:p>
+                  </a:txBody>
+                  <a:tcPr/>
+                </a:tc>
+                <a:tc>
+                  <a:txBody>
+                    <a:bodyPr/>
+                    <a:lstStyle/>
+                    <a:p>
+                      <a:pPr algn="ctr"/>
+                      <a:r>
+                        <a:rPr lang="sr-Cyrl-RS" sz="1400" dirty="0"/>
+                        <a:t>Колуни-кација </a:t>
+                      </a:r>
+                      <a:endParaRPr lang="en-US" sz="1400" dirty="0"/>
+                    </a:p>
+                  </a:txBody>
+                  <a:tcPr/>
+                </a:tc>
+                <a:tc>
+                  <a:txBody>
+                    <a:bodyPr/>
+                    <a:lstStyle/>
+                    <a:p>
+                      <a:pPr algn="ctr"/>
+                      <a:r>
+                        <a:rPr lang="sr-Cyrl-RS" sz="1400" dirty="0"/>
+                        <a:t>Детекто-вање грешке</a:t>
+                      </a:r>
+                      <a:endParaRPr lang="en-US" sz="1400" dirty="0"/>
+                    </a:p>
+                  </a:txBody>
+                  <a:tcPr/>
+                </a:tc>
+                <a:tc>
+                  <a:txBody>
+                    <a:bodyPr/>
+                    <a:lstStyle/>
+                    <a:p>
+                      <a:pPr algn="ctr"/>
+                      <a:r>
+                        <a:rPr lang="sr-Cyrl-RS" sz="1400" dirty="0"/>
+                        <a:t>Примена</a:t>
+                      </a:r>
+                      <a:endParaRPr lang="en-US" sz="1400" dirty="0"/>
+                    </a:p>
+                  </a:txBody>
+                  <a:tcPr/>
+                </a:tc>
+                <a:tc>
+                  <a:txBody>
+                    <a:bodyPr/>
+                    <a:lstStyle/>
+                    <a:p>
+                      <a:pPr algn="ctr"/>
+                      <a:r>
+                        <a:rPr lang="sr-Cyrl-RS" sz="1400" dirty="0"/>
+                        <a:t>Предно-сти </a:t>
+                      </a:r>
+                      <a:endParaRPr lang="en-US" sz="1400" dirty="0"/>
+                    </a:p>
+                  </a:txBody>
+                  <a:tcPr/>
+                </a:tc>
+                <a:tc>
+                  <a:txBody>
+                    <a:bodyPr/>
+                    <a:lstStyle/>
+                    <a:p>
+                      <a:pPr algn="ctr"/>
+                      <a:r>
+                        <a:rPr lang="sr-Cyrl-RS" sz="1400" dirty="0"/>
+                        <a:t>Мане</a:t>
+                      </a:r>
+                      <a:endParaRPr lang="en-US" sz="1400" dirty="0"/>
+                    </a:p>
+                  </a:txBody>
+                  <a:tcPr/>
+                </a:tc>
+                <a:extLst>
+                  <a:ext uri="{0D108BD9-81ED-4DB2-BD59-A6C34878D82A}">
+                    <a16:rowId xmlns:a16="http://schemas.microsoft.com/office/drawing/2014/main" val="1855691095"/>
+                  </a:ext>
+                </a:extLst>
+              </a:tr>
+              <a:tr h="1031408">
+                <a:tc>
+                  <a:txBody>
+                    <a:bodyPr/>
+                    <a:lstStyle/>
+                    <a:p>
+                      <a:pPr algn="ctr"/>
+                      <a:r>
+                        <a:rPr lang="sr-Cyrl-RS" sz="1400" dirty="0"/>
+                        <a:t>РС-232 </a:t>
+                      </a:r>
+                      <a:endParaRPr lang="en-US" sz="1400" dirty="0"/>
+                    </a:p>
+                  </a:txBody>
+                  <a:tcPr/>
+                </a:tc>
+                <a:tc>
+                  <a:txBody>
+                    <a:bodyPr/>
+                    <a:lstStyle/>
+                    <a:p>
+                      <a:pPr algn="ctr"/>
+                      <a:r>
+                        <a:rPr lang="sr-Cyrl-RS" sz="1400" dirty="0"/>
+                        <a:t>Серијски</a:t>
+                      </a:r>
+                      <a:endParaRPr lang="en-US" sz="1400" dirty="0"/>
+                    </a:p>
+                  </a:txBody>
+                  <a:tcPr/>
+                </a:tc>
+                <a:tc>
+                  <a:txBody>
+                    <a:bodyPr/>
+                    <a:lstStyle/>
+                    <a:p>
+                      <a:pPr algn="ctr"/>
+                      <a:r>
+                        <a:rPr lang="sr-Cyrl-RS" sz="1400" dirty="0"/>
+                        <a:t>15м </a:t>
+                      </a:r>
+                      <a:endParaRPr lang="en-US" sz="1400" dirty="0"/>
+                    </a:p>
+                  </a:txBody>
+                  <a:tcPr/>
+                </a:tc>
+                <a:tc>
+                  <a:txBody>
+                    <a:bodyPr/>
+                    <a:lstStyle/>
+                    <a:p>
+                      <a:pPr algn="ctr"/>
+                      <a:r>
+                        <a:rPr lang="en-US" sz="1400" dirty="0"/>
+                        <a:t>115.2 kbps</a:t>
+                      </a:r>
+                    </a:p>
+                  </a:txBody>
+                  <a:tcPr/>
+                </a:tc>
+                <a:tc>
+                  <a:txBody>
+                    <a:bodyPr/>
+                    <a:lstStyle/>
+                    <a:p>
+                      <a:pPr algn="ctr"/>
+                      <a:r>
+                        <a:rPr lang="sr-Cyrl-RS" sz="1400" dirty="0"/>
+                        <a:t>Поинт-то-поинт (</a:t>
+                      </a:r>
+                      <a:r>
+                        <a:rPr lang="en-US" sz="1400" dirty="0"/>
+                        <a:t>Point-to-point)</a:t>
+                      </a:r>
+                    </a:p>
+                  </a:txBody>
+                  <a:tcPr/>
+                </a:tc>
+                <a:tc>
+                  <a:txBody>
+                    <a:bodyPr/>
+                    <a:lstStyle/>
+                    <a:p>
+                      <a:pPr algn="ctr"/>
+                      <a:r>
+                        <a:rPr lang="sr-Cyrl-RS" sz="1400" dirty="0"/>
+                        <a:t>Халф дуплекс (</a:t>
+                      </a:r>
+                      <a:r>
+                        <a:rPr lang="en-US" sz="1400" dirty="0"/>
+                        <a:t>Half duplex)</a:t>
+                      </a:r>
+                    </a:p>
+                  </a:txBody>
+                  <a:tcPr/>
+                </a:tc>
+                <a:tc>
+                  <a:txBody>
+                    <a:bodyPr/>
+                    <a:lstStyle/>
+                    <a:p>
+                      <a:pPr algn="ctr"/>
+                      <a:r>
+                        <a:rPr lang="sr-Cyrl-RS" sz="1400" dirty="0"/>
+                        <a:t>Нема </a:t>
+                      </a:r>
+                      <a:endParaRPr lang="en-US" sz="1400" dirty="0"/>
+                    </a:p>
+                  </a:txBody>
+                  <a:tcPr/>
+                </a:tc>
+                <a:tc>
+                  <a:txBody>
+                    <a:bodyPr/>
+                    <a:lstStyle/>
+                    <a:p>
+                      <a:pPr algn="ctr"/>
+                      <a:r>
+                        <a:rPr lang="sr-Cyrl-RS" sz="1400" dirty="0"/>
+                        <a:t>Мала брзина, мале дистанце </a:t>
+                      </a:r>
+                      <a:endParaRPr lang="en-US" sz="1400" dirty="0"/>
+                    </a:p>
+                  </a:txBody>
+                  <a:tcPr/>
+                </a:tc>
+                <a:tc>
+                  <a:txBody>
+                    <a:bodyPr/>
+                    <a:lstStyle/>
+                    <a:p>
+                      <a:pPr algn="ctr"/>
+                      <a:r>
+                        <a:rPr lang="sr-Cyrl-RS" sz="1400" dirty="0"/>
+                        <a:t>Једностваност, јефтино</a:t>
+                      </a:r>
+                      <a:endParaRPr lang="en-US" sz="1400" dirty="0"/>
+                    </a:p>
+                  </a:txBody>
+                  <a:tcPr/>
+                </a:tc>
+                <a:tc>
+                  <a:txBody>
+                    <a:bodyPr/>
+                    <a:lstStyle/>
+                    <a:p>
+                      <a:pPr algn="ctr"/>
+                      <a:r>
+                        <a:rPr lang="sr-Cyrl-RS" sz="1400" dirty="0"/>
+                        <a:t>Мале дистанце, спор пренос </a:t>
+                      </a:r>
+                      <a:endParaRPr lang="en-US" sz="1400" dirty="0"/>
+                    </a:p>
+                  </a:txBody>
+                  <a:tcPr/>
+                </a:tc>
+                <a:extLst>
+                  <a:ext uri="{0D108BD9-81ED-4DB2-BD59-A6C34878D82A}">
+                    <a16:rowId xmlns:a16="http://schemas.microsoft.com/office/drawing/2014/main" val="3069176226"/>
+                  </a:ext>
+                </a:extLst>
+              </a:tr>
+              <a:tr h="1031408">
+                <a:tc>
+                  <a:txBody>
+                    <a:bodyPr/>
+                    <a:lstStyle/>
+                    <a:p>
+                      <a:pPr algn="ctr"/>
+                      <a:r>
+                        <a:rPr lang="sr-Cyrl-RS" sz="1400" dirty="0"/>
+                        <a:t>РС-485 </a:t>
+                      </a:r>
+                      <a:endParaRPr lang="en-US" sz="1400" dirty="0"/>
+                    </a:p>
+                  </a:txBody>
+                  <a:tcPr/>
+                </a:tc>
+                <a:tc>
+                  <a:txBody>
+                    <a:bodyPr/>
+                    <a:lstStyle/>
+                    <a:p>
+                      <a:pPr algn="ctr"/>
+                      <a:r>
+                        <a:rPr lang="sr-Cyrl-RS" sz="1400" dirty="0"/>
+                        <a:t>Серијски</a:t>
+                      </a:r>
+                      <a:endParaRPr lang="en-US" sz="1400" dirty="0"/>
+                    </a:p>
+                  </a:txBody>
+                  <a:tcPr/>
+                </a:tc>
+                <a:tc>
+                  <a:txBody>
+                    <a:bodyPr/>
+                    <a:lstStyle/>
+                    <a:p>
+                      <a:pPr algn="ctr"/>
+                      <a:r>
+                        <a:rPr lang="sr-Cyrl-RS" sz="1400" dirty="0"/>
+                        <a:t>1219м</a:t>
+                      </a:r>
+                      <a:endParaRPr lang="en-US" sz="1400" dirty="0"/>
+                    </a:p>
+                  </a:txBody>
+                  <a:tcPr/>
+                </a:tc>
+                <a:tc>
+                  <a:txBody>
+                    <a:bodyPr/>
+                    <a:lstStyle/>
+                    <a:p>
+                      <a:pPr algn="ctr"/>
+                      <a:r>
+                        <a:rPr lang="en-US" sz="1400" dirty="0"/>
+                        <a:t>10 Mbps</a:t>
+                      </a:r>
+                    </a:p>
+                  </a:txBody>
+                  <a:tcPr/>
+                </a:tc>
+                <a:tc>
+                  <a:txBody>
+                    <a:bodyPr/>
+                    <a:lstStyle/>
+                    <a:p>
+                      <a:pPr algn="ctr"/>
+                      <a:r>
+                        <a:rPr lang="sr-Cyrl-RS" sz="1400" dirty="0"/>
+                        <a:t>Мулти-дроп (</a:t>
+                      </a:r>
+                      <a:r>
+                        <a:rPr lang="en-US" sz="1400" dirty="0"/>
+                        <a:t>Multi-drop)</a:t>
+                      </a:r>
+                    </a:p>
+                  </a:txBody>
+                  <a:tcPr/>
+                </a:tc>
+                <a:tc>
+                  <a:txBody>
+                    <a:bodyPr/>
+                    <a:lstStyle/>
+                    <a:p>
+                      <a:pPr algn="ctr"/>
+                      <a:r>
+                        <a:rPr lang="sr-Cyrl-RS" sz="1400" dirty="0"/>
+                        <a:t>Халф дуплекс (</a:t>
+                      </a:r>
+                      <a:r>
+                        <a:rPr lang="en-US" sz="1400" dirty="0"/>
+                        <a:t>Half duplex) </a:t>
+                      </a:r>
+                    </a:p>
+                  </a:txBody>
+                  <a:tcPr/>
+                </a:tc>
+                <a:tc>
+                  <a:txBody>
+                    <a:bodyPr/>
+                    <a:lstStyle/>
+                    <a:p>
+                      <a:pPr algn="ctr"/>
+                      <a:r>
+                        <a:rPr lang="sr-Cyrl-RS" sz="1400" dirty="0"/>
+                        <a:t>ЦРЦ (</a:t>
+                      </a:r>
+                      <a:r>
+                        <a:rPr lang="en-US" sz="1400" dirty="0"/>
+                        <a:t>CRC)</a:t>
+                      </a:r>
+                    </a:p>
+                  </a:txBody>
+                  <a:tcPr/>
+                </a:tc>
+                <a:tc>
+                  <a:txBody>
+                    <a:bodyPr/>
+                    <a:lstStyle/>
+                    <a:p>
+                      <a:pPr algn="ctr"/>
+                      <a:r>
+                        <a:rPr lang="sr-Cyrl-RS" sz="1400" dirty="0"/>
+                        <a:t>Средња брзина, средње дистанце </a:t>
+                      </a:r>
+                      <a:endParaRPr lang="en-US" sz="1400" dirty="0"/>
+                    </a:p>
+                  </a:txBody>
+                  <a:tcPr/>
+                </a:tc>
+                <a:tc>
+                  <a:txBody>
+                    <a:bodyPr/>
+                    <a:lstStyle/>
+                    <a:p>
+                      <a:pPr algn="ctr"/>
+                      <a:r>
+                        <a:rPr lang="sr-Cyrl-RS" sz="1400" dirty="0"/>
+                        <a:t>Велике дистанце</a:t>
+                      </a:r>
+                      <a:endParaRPr lang="en-US" sz="1400" dirty="0"/>
+                    </a:p>
+                  </a:txBody>
+                  <a:tcPr/>
+                </a:tc>
+                <a:tc>
+                  <a:txBody>
+                    <a:bodyPr/>
+                    <a:lstStyle/>
+                    <a:p>
+                      <a:pPr algn="ctr"/>
+                      <a:r>
+                        <a:rPr lang="sr-Cyrl-RS" sz="1400" dirty="0"/>
+                        <a:t>Подлежан интерфе-ренцији</a:t>
+                      </a:r>
+                      <a:endParaRPr lang="en-US" sz="1400" dirty="0"/>
+                    </a:p>
+                  </a:txBody>
+                  <a:tcPr/>
+                </a:tc>
+                <a:extLst>
+                  <a:ext uri="{0D108BD9-81ED-4DB2-BD59-A6C34878D82A}">
+                    <a16:rowId xmlns:a16="http://schemas.microsoft.com/office/drawing/2014/main" val="1950419048"/>
+                  </a:ext>
+                </a:extLst>
+              </a:tr>
+              <a:tr h="1031408">
+                <a:tc>
+                  <a:txBody>
+                    <a:bodyPr/>
+                    <a:lstStyle/>
+                    <a:p>
+                      <a:pPr algn="ctr"/>
+                      <a:r>
+                        <a:rPr lang="sr-Cyrl-RS" sz="1400" dirty="0"/>
+                        <a:t>Етернет (</a:t>
+                      </a:r>
+                      <a:r>
+                        <a:rPr lang="en-US" sz="1400" dirty="0"/>
+                        <a:t>Ethernet) </a:t>
+                      </a:r>
+                    </a:p>
+                  </a:txBody>
+                  <a:tcPr/>
+                </a:tc>
+                <a:tc>
+                  <a:txBody>
+                    <a:bodyPr/>
+                    <a:lstStyle/>
+                    <a:p>
+                      <a:pPr algn="ctr"/>
+                      <a:r>
+                        <a:rPr lang="sr-Cyrl-RS" sz="1400" dirty="0"/>
+                        <a:t>Упредене парице</a:t>
+                      </a:r>
+                      <a:endParaRPr lang="en-US" sz="1400" dirty="0"/>
+                    </a:p>
+                  </a:txBody>
+                  <a:tcPr/>
+                </a:tc>
+                <a:tc>
+                  <a:txBody>
+                    <a:bodyPr/>
+                    <a:lstStyle/>
+                    <a:p>
+                      <a:pPr algn="ctr"/>
+                      <a:r>
+                        <a:rPr lang="sr-Cyrl-RS" sz="1400" dirty="0"/>
+                        <a:t>100м</a:t>
+                      </a:r>
+                      <a:endParaRPr lang="en-US" sz="1400" dirty="0"/>
+                    </a:p>
+                  </a:txBody>
+                  <a:tcPr/>
+                </a:tc>
+                <a:tc>
+                  <a:txBody>
+                    <a:bodyPr/>
+                    <a:lstStyle/>
+                    <a:p>
+                      <a:pPr algn="ctr"/>
+                      <a:r>
+                        <a:rPr lang="en-US" sz="1400" dirty="0"/>
+                        <a:t>1 Gbps</a:t>
+                      </a:r>
+                    </a:p>
+                  </a:txBody>
+                  <a:tcPr/>
+                </a:tc>
+                <a:tc>
+                  <a:txBody>
+                    <a:bodyPr/>
+                    <a:lstStyle/>
+                    <a:p>
+                      <a:pPr algn="ctr"/>
+                      <a:r>
+                        <a:rPr lang="sr-Cyrl-RS" sz="1400" dirty="0"/>
+                        <a:t>Поинт-то-поинт или мрежа </a:t>
+                      </a:r>
+                      <a:endParaRPr lang="en-US" sz="1400" dirty="0"/>
+                    </a:p>
+                  </a:txBody>
+                  <a:tcPr/>
+                </a:tc>
+                <a:tc>
+                  <a:txBody>
+                    <a:bodyPr/>
+                    <a:lstStyle/>
+                    <a:p>
+                      <a:pPr algn="ctr"/>
+                      <a:r>
+                        <a:rPr lang="sr-Cyrl-RS" sz="1400" dirty="0"/>
+                        <a:t>Фул дуплекс (</a:t>
+                      </a:r>
+                      <a:r>
+                        <a:rPr lang="en-US" sz="1400" dirty="0"/>
+                        <a:t>Full duplex)</a:t>
+                      </a:r>
+                    </a:p>
+                  </a:txBody>
+                  <a:tcPr/>
+                </a:tc>
+                <a:tc>
+                  <a:txBody>
+                    <a:bodyPr/>
+                    <a:lstStyle/>
+                    <a:p>
+                      <a:pPr algn="ctr"/>
+                      <a:r>
+                        <a:rPr lang="sr-Cyrl-RS" sz="1400" dirty="0"/>
+                        <a:t>Чексум (</a:t>
+                      </a:r>
+                      <a:r>
+                        <a:rPr lang="en-US" sz="1200" dirty="0"/>
+                        <a:t>Checksum</a:t>
+                      </a:r>
+                      <a:r>
+                        <a:rPr lang="en-US" sz="1400" dirty="0"/>
+                        <a:t>)</a:t>
+                      </a:r>
+                    </a:p>
+                  </a:txBody>
+                  <a:tcPr/>
+                </a:tc>
+                <a:tc>
+                  <a:txBody>
+                    <a:bodyPr/>
+                    <a:lstStyle/>
+                    <a:p>
+                      <a:pPr algn="ctr"/>
+                      <a:r>
+                        <a:rPr lang="ru-RU" sz="1400" dirty="0"/>
+                        <a:t>Велика брзина, велике дистанце</a:t>
+                      </a:r>
+                      <a:endParaRPr lang="en-US" sz="1400" dirty="0"/>
+                    </a:p>
+                  </a:txBody>
+                  <a:tcPr/>
+                </a:tc>
+                <a:tc>
+                  <a:txBody>
+                    <a:bodyPr/>
+                    <a:lstStyle/>
+                    <a:p>
+                      <a:pPr algn="ctr"/>
+                      <a:r>
+                        <a:rPr lang="sr-Cyrl-RS" sz="1400" dirty="0"/>
+                        <a:t>Велика брзина, упрежавање </a:t>
+                      </a:r>
+                      <a:endParaRPr lang="en-US" sz="1400" dirty="0"/>
+                    </a:p>
+                  </a:txBody>
+                  <a:tcPr/>
+                </a:tc>
+                <a:tc>
+                  <a:txBody>
+                    <a:bodyPr/>
+                    <a:lstStyle/>
+                    <a:p>
+                      <a:pPr algn="ctr"/>
+                      <a:r>
+                        <a:rPr lang="ru-RU" sz="1400" dirty="0"/>
+                        <a:t>Захтева додатну опрему, већа цена </a:t>
+                      </a:r>
+                      <a:endParaRPr lang="en-US" sz="1400" dirty="0"/>
+                    </a:p>
+                  </a:txBody>
+                  <a:tcPr/>
+                </a:tc>
+                <a:extLst>
+                  <a:ext uri="{0D108BD9-81ED-4DB2-BD59-A6C34878D82A}">
+                    <a16:rowId xmlns:a16="http://schemas.microsoft.com/office/drawing/2014/main" val="2874412659"/>
+                  </a:ext>
+                </a:extLst>
+              </a:tr>
+            </a:tbl>
+          </a:graphicData>
+        </a:graphic>
+      </p:graphicFrame>
+    </p:spTree>
+    <p:extLst>
+      <p:ext uri="{BB962C8B-B14F-4D97-AF65-F5344CB8AC3E}">
+        <p14:creationId xmlns:p14="http://schemas.microsoft.com/office/powerpoint/2010/main" val="917212139"/>
+      </p:ext>
+    </p:extLst>
+  </p:cSld>
+  <p:clrMapOvr>
+    <a:masterClrMapping/>
+  </p:clrMapOvr>
+</p:sld>
+</file>
+
+<file path=ppt/slides/slide8.xml><?xml version="1.0" encoding="utf-8"?>
+<p:sld xmlns:a="http://schemas.openxmlformats.org/drawingml/2006/main" xmlns:r="http://schemas.openxmlformats.org/officeDocument/2006/relationships" xmlns:p="http://schemas.openxmlformats.org/presentationml/2006/main">
+  <p:cSld>
+    <p:spTree>
+      <p:nvGrpSpPr>
+        <p:cNvPr id="1" name=""/>
+        <p:cNvGrpSpPr/>
+        <p:nvPr/>
+      </p:nvGrpSpPr>
+      <p:grpSpPr>
+        <a:xfrm>
+          <a:off x="0" y="0"/>
+          <a:ext cx="0" cy="0"/>
+          <a:chOff x="0" y="0"/>
+          <a:chExt cx="0" cy="0"/>
+        </a:xfrm>
+      </p:grpSpPr>
+      <p:sp>
+        <p:nvSpPr>
+          <p:cNvPr id="2" name="Title 1">
+            <a:extLst>
+              <a:ext uri="{FF2B5EF4-FFF2-40B4-BE49-F238E27FC236}">
+                <a16:creationId xmlns:a16="http://schemas.microsoft.com/office/drawing/2014/main" id="{8F0C519F-F573-ED46-46AA-2E1DD4103040}"/>
+              </a:ext>
+            </a:extLst>
+          </p:cNvPr>
+          <p:cNvSpPr>
+            <a:spLocks noGrp="1"/>
+          </p:cNvSpPr>
+          <p:nvPr>
+            <p:ph type="title"/>
+          </p:nvPr>
+        </p:nvSpPr>
+        <p:spPr>
+          <a:xfrm>
+            <a:off x="914400" y="283675"/>
+            <a:ext cx="10353762" cy="970450"/>
+          </a:xfrm>
+        </p:spPr>
+        <p:txBody>
+          <a:bodyPr>
+            <a:normAutofit fontScale="90000"/>
+          </a:bodyPr>
+          <a:lstStyle/>
+          <a:p>
+            <a:pPr algn="l"/>
+            <a:r>
+              <a:rPr lang="sr-Cyrl-RS" dirty="0"/>
+              <a:t>Предности и мане инвертерске комуникације</a:t>
+            </a:r>
+            <a:endParaRPr lang="en-US" dirty="0"/>
+          </a:p>
+        </p:txBody>
+      </p:sp>
+      <p:graphicFrame>
+        <p:nvGraphicFramePr>
+          <p:cNvPr id="4" name="Content Placeholder 3">
+            <a:extLst>
+              <a:ext uri="{FF2B5EF4-FFF2-40B4-BE49-F238E27FC236}">
+                <a16:creationId xmlns:a16="http://schemas.microsoft.com/office/drawing/2014/main" id="{45FB938F-5A70-A4D9-098A-62AF7532F1F1}"/>
+              </a:ext>
+            </a:extLst>
+          </p:cNvPr>
+          <p:cNvGraphicFramePr>
+            <a:graphicFrameLocks noGrp="1"/>
+          </p:cNvGraphicFramePr>
+          <p:nvPr>
+            <p:ph idx="1"/>
+            <p:extLst>
+              <p:ext uri="{D42A27DB-BD31-4B8C-83A1-F6EECF244321}">
+                <p14:modId xmlns:p14="http://schemas.microsoft.com/office/powerpoint/2010/main" val="1440822359"/>
+              </p:ext>
+            </p:extLst>
+          </p:nvPr>
+        </p:nvGraphicFramePr>
+        <p:xfrm>
+          <a:off x="914490" y="1324556"/>
+          <a:ext cx="10353672" cy="4626589"/>
+        </p:xfrm>
+        <a:graphic>
+          <a:graphicData uri="http://schemas.openxmlformats.org/drawingml/2006/table">
+            <a:tbl>
+              <a:tblPr firstRow="1" bandRow="1">
+                <a:tableStyleId>{9D7B26C5-4107-4FEC-AEDC-1716B250A1EF}</a:tableStyleId>
+              </a:tblPr>
+              <a:tblGrid>
+                <a:gridCol w="2588418">
+                  <a:extLst>
+                    <a:ext uri="{9D8B030D-6E8A-4147-A177-3AD203B41FA5}">
+                      <a16:colId xmlns:a16="http://schemas.microsoft.com/office/drawing/2014/main" val="1625847407"/>
+                    </a:ext>
+                  </a:extLst>
+                </a:gridCol>
+                <a:gridCol w="2590164">
+                  <a:extLst>
+                    <a:ext uri="{9D8B030D-6E8A-4147-A177-3AD203B41FA5}">
+                      <a16:colId xmlns:a16="http://schemas.microsoft.com/office/drawing/2014/main" val="4050246774"/>
+                    </a:ext>
+                  </a:extLst>
+                </a:gridCol>
+                <a:gridCol w="2586672">
+                  <a:extLst>
+                    <a:ext uri="{9D8B030D-6E8A-4147-A177-3AD203B41FA5}">
+                      <a16:colId xmlns:a16="http://schemas.microsoft.com/office/drawing/2014/main" val="3815560137"/>
+                    </a:ext>
+                  </a:extLst>
+                </a:gridCol>
+                <a:gridCol w="2588418">
+                  <a:extLst>
+                    <a:ext uri="{9D8B030D-6E8A-4147-A177-3AD203B41FA5}">
+                      <a16:colId xmlns:a16="http://schemas.microsoft.com/office/drawing/2014/main" val="1399339606"/>
+                    </a:ext>
+                  </a:extLst>
+                </a:gridCol>
+              </a:tblGrid>
+              <a:tr h="1273789">
+                <a:tc>
+                  <a:txBody>
+                    <a:bodyPr/>
+                    <a:lstStyle/>
+                    <a:p>
+                      <a:pPr algn="ctr"/>
+                      <a:r>
+                        <a:rPr lang="ru-RU" sz="1600" dirty="0"/>
+                        <a:t>Предности и мане инвертерске комуникације</a:t>
+                      </a:r>
+                      <a:endParaRPr lang="en-US" sz="1600" dirty="0"/>
+                    </a:p>
+                  </a:txBody>
+                  <a:tcPr/>
+                </a:tc>
+                <a:tc>
+                  <a:txBody>
+                    <a:bodyPr/>
+                    <a:lstStyle/>
+                    <a:p>
+                      <a:pPr algn="ctr"/>
+                      <a:r>
+                        <a:rPr lang="sr-Cyrl-RS" sz="1600" dirty="0"/>
+                        <a:t>1.Повећана ефикасност </a:t>
+                      </a:r>
+                      <a:endParaRPr lang="en-US" sz="1600" dirty="0"/>
+                    </a:p>
+                  </a:txBody>
+                  <a:tcPr/>
+                </a:tc>
+                <a:tc>
+                  <a:txBody>
+                    <a:bodyPr/>
+                    <a:lstStyle/>
+                    <a:p>
+                      <a:pPr marL="0" marR="0" lvl="0" indent="0" algn="ctr" defTabSz="457200" rtl="0" eaLnBrk="1" fontAlgn="auto" latinLnBrk="0" hangingPunct="1">
+                        <a:lnSpc>
+                          <a:spcPct val="100000"/>
+                        </a:lnSpc>
+                        <a:spcBef>
+                          <a:spcPts val="0"/>
+                        </a:spcBef>
+                        <a:spcAft>
+                          <a:spcPts val="0"/>
+                        </a:spcAft>
+                        <a:buClrTx/>
+                        <a:buSzTx/>
+                        <a:buFontTx/>
+                        <a:buNone/>
+                        <a:tabLst/>
+                        <a:defRPr/>
+                      </a:pPr>
+                      <a:r>
+                        <a:rPr lang="ru-RU" sz="1600" dirty="0"/>
+                        <a:t>2.Даљинска контрола и надгледање система</a:t>
+                      </a:r>
+                      <a:endParaRPr lang="en-US" sz="1600" dirty="0"/>
+                    </a:p>
+                    <a:p>
+                      <a:pPr algn="ctr"/>
+                      <a:endParaRPr lang="en-US" sz="1600" dirty="0"/>
+                    </a:p>
+                  </a:txBody>
+                  <a:tcPr/>
+                </a:tc>
+                <a:tc>
+                  <a:txBody>
+                    <a:bodyPr/>
+                    <a:lstStyle/>
+                    <a:p>
+                      <a:pPr algn="ctr"/>
+                      <a:r>
+                        <a:rPr lang="sr-Cyrl-RS" sz="1600" dirty="0"/>
+                        <a:t>3.Смањењење потребних каблова </a:t>
+                      </a:r>
+                      <a:endParaRPr lang="en-US" sz="1600" dirty="0"/>
+                    </a:p>
+                  </a:txBody>
+                  <a:tcPr/>
+                </a:tc>
+                <a:extLst>
+                  <a:ext uri="{0D108BD9-81ED-4DB2-BD59-A6C34878D82A}">
+                    <a16:rowId xmlns:a16="http://schemas.microsoft.com/office/drawing/2014/main" val="2705632059"/>
+                  </a:ext>
+                </a:extLst>
+              </a:tr>
+              <a:tr h="1505479">
+                <a:tc>
+                  <a:txBody>
+                    <a:bodyPr/>
+                    <a:lstStyle/>
+                    <a:p>
+                      <a:pPr algn="ctr"/>
+                      <a:endParaRPr lang="sr-Cyrl-RS" sz="1600" dirty="0"/>
+                    </a:p>
+                    <a:p>
+                      <a:pPr algn="ctr"/>
+                      <a:endParaRPr lang="sr-Cyrl-RS" sz="1600" dirty="0"/>
+                    </a:p>
+                    <a:p>
+                      <a:pPr algn="ctr"/>
+                      <a:r>
+                        <a:rPr lang="sr-Cyrl-RS" sz="1600" dirty="0"/>
+                        <a:t>Предности </a:t>
+                      </a:r>
+                      <a:endParaRPr lang="en-US" sz="1600" dirty="0"/>
+                    </a:p>
+                  </a:txBody>
+                  <a:tcPr/>
+                </a:tc>
+                <a:tc>
+                  <a:txBody>
+                    <a:bodyPr/>
+                    <a:lstStyle/>
+                    <a:p>
+                      <a:pPr algn="ctr"/>
+                      <a:r>
+                        <a:rPr lang="ru-RU" sz="1600" dirty="0"/>
+                        <a:t>Праћење система и контрола у реалном времену доносе оптимизацију перформанси ситема и уштеде енергије.</a:t>
+                      </a:r>
+                      <a:endParaRPr lang="en-US" sz="1600" dirty="0"/>
+                    </a:p>
+                  </a:txBody>
+                  <a:tcPr/>
+                </a:tc>
+                <a:tc>
+                  <a:txBody>
+                    <a:bodyPr/>
+                    <a:lstStyle/>
+                    <a:p>
+                      <a:pPr algn="ctr"/>
+                      <a:r>
+                        <a:rPr lang="ru-RU" sz="1600" dirty="0"/>
+                        <a:t>Инвертерски комуникациони системи омогућавају даљински приступ.</a:t>
+                      </a:r>
+                      <a:endParaRPr lang="en-US" sz="1600" dirty="0"/>
+                    </a:p>
+                  </a:txBody>
+                  <a:tcPr/>
+                </a:tc>
+                <a:tc>
+                  <a:txBody>
+                    <a:bodyPr/>
+                    <a:lstStyle/>
+                    <a:p>
+                      <a:pPr algn="ctr"/>
+                      <a:r>
+                        <a:rPr lang="ru-RU" sz="1600" dirty="0"/>
+                        <a:t>Бежична комникација смањује потребе за физичким повезивањем и смањује цену инсталације. </a:t>
+                      </a:r>
+                      <a:endParaRPr lang="en-US" sz="1600" dirty="0"/>
+                    </a:p>
+                  </a:txBody>
+                  <a:tcPr/>
+                </a:tc>
+                <a:extLst>
+                  <a:ext uri="{0D108BD9-81ED-4DB2-BD59-A6C34878D82A}">
+                    <a16:rowId xmlns:a16="http://schemas.microsoft.com/office/drawing/2014/main" val="1815770520"/>
+                  </a:ext>
+                </a:extLst>
+              </a:tr>
+              <a:tr h="1505479">
+                <a:tc>
+                  <a:txBody>
+                    <a:bodyPr/>
+                    <a:lstStyle/>
+                    <a:p>
+                      <a:pPr algn="ctr"/>
+                      <a:endParaRPr lang="sr-Cyrl-RS" sz="1600" dirty="0"/>
+                    </a:p>
+                    <a:p>
+                      <a:pPr algn="ctr"/>
+                      <a:endParaRPr lang="sr-Cyrl-RS" sz="1600" dirty="0"/>
+                    </a:p>
+                    <a:p>
+                      <a:pPr algn="ctr"/>
+                      <a:r>
+                        <a:rPr lang="sr-Cyrl-RS" sz="1600" dirty="0"/>
+                        <a:t>Мане </a:t>
+                      </a:r>
+                      <a:endParaRPr lang="en-US" sz="1600" dirty="0"/>
+                    </a:p>
+                  </a:txBody>
+                  <a:tcPr/>
+                </a:tc>
+                <a:tc>
+                  <a:txBody>
+                    <a:bodyPr/>
+                    <a:lstStyle/>
+                    <a:p>
+                      <a:pPr algn="ctr"/>
+                      <a:r>
+                        <a:rPr lang="ru-RU" sz="1600" dirty="0"/>
+                        <a:t>Комплексност: Интеграција инвертерских комуникационих система може бити комплексно, захтева посебно знање. </a:t>
+                      </a:r>
+                      <a:endParaRPr lang="en-US" sz="1600" dirty="0"/>
+                    </a:p>
+                  </a:txBody>
+                  <a:tcPr/>
+                </a:tc>
+                <a:tc>
+                  <a:txBody>
+                    <a:bodyPr/>
+                    <a:lstStyle/>
+                    <a:p>
+                      <a:pPr algn="ctr"/>
+                      <a:r>
+                        <a:rPr lang="ru-RU" sz="1600" dirty="0"/>
+                        <a:t>Компатибилност: Нису сви уређаји компатибилни са одређеним комуникационим протоколом или интерфејсом. </a:t>
+                      </a:r>
+                      <a:endParaRPr lang="en-US" sz="1600" dirty="0"/>
+                    </a:p>
+                  </a:txBody>
+                  <a:tcPr/>
+                </a:tc>
+                <a:tc>
+                  <a:txBody>
+                    <a:bodyPr/>
+                    <a:lstStyle/>
+                    <a:p>
+                      <a:pPr algn="ctr"/>
+                      <a:r>
+                        <a:rPr lang="ru-RU" sz="1600" dirty="0"/>
+                        <a:t>Безбедносни ризик: Бежична комуникација је подлежна хаковању и уноси рањивости у систем. </a:t>
+                      </a:r>
+                      <a:endParaRPr lang="en-US" sz="1600" dirty="0"/>
+                    </a:p>
+                  </a:txBody>
+                  <a:tcPr/>
+                </a:tc>
+                <a:extLst>
+                  <a:ext uri="{0D108BD9-81ED-4DB2-BD59-A6C34878D82A}">
+                    <a16:rowId xmlns:a16="http://schemas.microsoft.com/office/drawing/2014/main" val="2549659088"/>
+                  </a:ext>
+                </a:extLst>
+              </a:tr>
+            </a:tbl>
+          </a:graphicData>
+        </a:graphic>
+      </p:graphicFrame>
+    </p:spTree>
+    <p:extLst>
+      <p:ext uri="{BB962C8B-B14F-4D97-AF65-F5344CB8AC3E}">
+        <p14:creationId xmlns:p14="http://schemas.microsoft.com/office/powerpoint/2010/main" val="1400255284"/>
+      </p:ext>
+    </p:extLst>
+  </p:cSld>
+  <p:clrMapOvr>
+    <a:masterClrMapping/>
+  </p:clrMapOvr>
+</p:sld>
+</file>
+
+<file path=ppt/slides/slide9.xml><?xml version="1.0" encoding="utf-8"?>
+<p:sld xmlns:a="http://schemas.openxmlformats.org/drawingml/2006/main" xmlns:r="http://schemas.openxmlformats.org/officeDocument/2006/relationships" xmlns:p="http://schemas.openxmlformats.org/presentationml/2006/main">
+  <p:cSld>
+    <p:spTree>
+      <p:nvGrpSpPr>
+        <p:cNvPr id="1" name=""/>
+        <p:cNvGrpSpPr/>
+        <p:nvPr/>
+      </p:nvGrpSpPr>
+      <p:grpSpPr>
+        <a:xfrm>
+          <a:off x="0" y="0"/>
+          <a:ext cx="0" cy="0"/>
+          <a:chOff x="0" y="0"/>
+          <a:chExt cx="0" cy="0"/>
+        </a:xfrm>
+      </p:grpSpPr>
+      <p:sp>
+        <p:nvSpPr>
+          <p:cNvPr id="2" name="Title 1">
+            <a:extLst>
+              <a:ext uri="{FF2B5EF4-FFF2-40B4-BE49-F238E27FC236}">
+                <a16:creationId xmlns:a16="http://schemas.microsoft.com/office/drawing/2014/main" id="{1B57006E-CC23-F9D8-CB2E-50805F5B06B1}"/>
+              </a:ext>
+            </a:extLst>
+          </p:cNvPr>
+          <p:cNvSpPr>
+            <a:spLocks noGrp="1"/>
+          </p:cNvSpPr>
+          <p:nvPr>
+            <p:ph type="title"/>
+          </p:nvPr>
+        </p:nvSpPr>
+        <p:spPr/>
+        <p:txBody>
+          <a:bodyPr/>
+          <a:lstStyle/>
+          <a:p>
+            <a:pPr algn="l"/>
+            <a:r>
+              <a:rPr lang="sr-Cyrl-RS" dirty="0"/>
+              <a:t>Сајбер безбедност контроле инвертера</a:t>
+            </a:r>
+            <a:endParaRPr lang="en-US" dirty="0"/>
           </a:p>
         </p:txBody>
       </p:sp>
@@ -22194,7 +26963,7 @@
           <p:cNvPr id="3" name="Content Placeholder 2">
             <a:extLst>
               <a:ext uri="{FF2B5EF4-FFF2-40B4-BE49-F238E27FC236}">
-                <a16:creationId xmlns:a16="http://schemas.microsoft.com/office/drawing/2014/main" id="{CE0B8A59-585F-B817-F7B4-3D4DBFF1F532}"/>
+                <a16:creationId xmlns:a16="http://schemas.microsoft.com/office/drawing/2014/main" id="{E74ED6C1-76C4-3383-095E-1B4F79401EFA}"/>
               </a:ext>
             </a:extLst>
           </p:cNvPr>
@@ -22210,14 +26979,38 @@
           <a:bodyPr/>
           <a:lstStyle/>
           <a:p>
-            <a:endParaRPr lang="en-US"/>
+            <a:r>
+              <a:rPr lang="sr-Cyrl-RS" dirty="0"/>
+              <a:t>Повезивање инвертера на комуникациону мрежу, интернет доноси велике предности, али и ризике по питању безбедности система, што чини неопходним методе заштите.</a:t>
+            </a:r>
+          </a:p>
+          <a:p>
+            <a:r>
+              <a:rPr lang="sr-Cyrl-RS" dirty="0"/>
+              <a:t>Користе се два типа заштита са различитим техникама:</a:t>
+            </a:r>
+          </a:p>
+          <a:p>
+            <a:pPr lvl="1"/>
+            <a:r>
+              <a:rPr lang="sr-Cyrl-RS" dirty="0"/>
+              <a:t>Заштита на нивоу инвертера.</a:t>
+            </a:r>
+          </a:p>
+          <a:p>
+            <a:pPr lvl="1"/>
+            <a:r>
+              <a:rPr lang="sr-Cyrl-RS" dirty="0"/>
+              <a:t>Заштита на мпрежном нивоу.</a:t>
+            </a:r>
+            <a:endParaRPr lang="en-US" dirty="0"/>
           </a:p>
         </p:txBody>
       </p:sp>
     </p:spTree>
     <p:extLst>
       <p:ext uri="{BB962C8B-B14F-4D97-AF65-F5344CB8AC3E}">
-        <p14:creationId xmlns:p14="http://schemas.microsoft.com/office/powerpoint/2010/main" val="917212139"/>
+        <p14:creationId xmlns:p14="http://schemas.microsoft.com/office/powerpoint/2010/main" val="2928450751"/>
       </p:ext>
     </p:extLst>
   </p:cSld>
@@ -22467,4 +27260,299 @@
     </a:ext>
   </a:extLst>
 </a:theme>
+</file>
+
+<file path=ppt/theme/theme2.xml><?xml version="1.0" encoding="utf-8"?>
+<a:theme xmlns:a="http://schemas.openxmlformats.org/drawingml/2006/main" name="Office Theme">
+  <a:themeElements>
+    <a:clrScheme name="Office">
+      <a:dk1>
+        <a:sysClr val="windowText" lastClr="000000"/>
+      </a:dk1>
+      <a:lt1>
+        <a:sysClr val="window" lastClr="FFFFFF"/>
+      </a:lt1>
+      <a:dk2>
+        <a:srgbClr val="44546A"/>
+      </a:dk2>
+      <a:lt2>
+        <a:srgbClr val="E7E6E6"/>
+      </a:lt2>
+      <a:accent1>
+        <a:srgbClr val="4472C4"/>
+      </a:accent1>
+      <a:accent2>
+        <a:srgbClr val="ED7D31"/>
+      </a:accent2>
+      <a:accent3>
+        <a:srgbClr val="A5A5A5"/>
+      </a:accent3>
+      <a:accent4>
+        <a:srgbClr val="FFC000"/>
+      </a:accent4>
+      <a:accent5>
+        <a:srgbClr val="5B9BD5"/>
+      </a:accent5>
+      <a:accent6>
+        <a:srgbClr val="70AD47"/>
+      </a:accent6>
+      <a:hlink>
+        <a:srgbClr val="0563C1"/>
+      </a:hlink>
+      <a:folHlink>
+        <a:srgbClr val="954F72"/>
+      </a:folHlink>
+    </a:clrScheme>
+    <a:fontScheme name="Office">
+      <a:majorFont>
+        <a:latin typeface="Calibri Light" panose="020F0302020204030204"/>
+        <a:ea typeface=""/>
+        <a:cs typeface=""/>
+        <a:font script="Jpan" typeface="游ゴシック Light"/>
+        <a:font script="Hang" typeface="맑은 고딕"/>
+        <a:font script="Hans" typeface="等线 Light"/>
+        <a:font script="Hant" typeface="新細明體"/>
+        <a:font script="Arab" typeface="Times New Roman"/>
+        <a:font script="Hebr" typeface="Times New Roman"/>
+        <a:font script="Thai" typeface="Angsana New"/>
+        <a:font script="Ethi" typeface="Nyala"/>
+        <a:font script="Beng" typeface="Vrinda"/>
+        <a:font script="Gujr" typeface="Shruti"/>
+        <a:font script="Khmr" typeface="MoolBoran"/>
+        <a:font script="Knda" typeface="Tunga"/>
+        <a:font script="Guru" typeface="Raavi"/>
+        <a:font script="Cans" typeface="Euphemia"/>
+        <a:font script="Cher" typeface="Plantagenet Cherokee"/>
+        <a:font script="Yiii" typeface="Microsoft Yi Baiti"/>
+        <a:font script="Tibt" typeface="Microsoft Himalaya"/>
+        <a:font script="Thaa" typeface="MV Boli"/>
+        <a:font script="Deva" typeface="Mangal"/>
+        <a:font script="Telu" typeface="Gautami"/>
+        <a:font script="Taml" typeface="Latha"/>
+        <a:font script="Syrc" typeface="Estrangelo Edessa"/>
+        <a:font script="Orya" typeface="Kalinga"/>
+        <a:font script="Mlym" typeface="Kartika"/>
+        <a:font script="Laoo" typeface="DokChampa"/>
+        <a:font script="Sinh" typeface="Iskoola Pota"/>
+        <a:font script="Mong" typeface="Mongolian Baiti"/>
+        <a:font script="Viet" typeface="Times New Roman"/>
+        <a:font script="Uigh" typeface="Microsoft Uighur"/>
+        <a:font script="Geor" typeface="Sylfaen"/>
+        <a:font script="Armn" typeface="Arial"/>
+        <a:font script="Bugi" typeface="Leelawadee UI"/>
+        <a:font script="Bopo" typeface="Microsoft JhengHei"/>
+        <a:font script="Java" typeface="Javanese Text"/>
+        <a:font script="Lisu" typeface="Segoe UI"/>
+        <a:font script="Mymr" typeface="Myanmar Text"/>
+        <a:font script="Nkoo" typeface="Ebrima"/>
+        <a:font script="Olck" typeface="Nirmala UI"/>
+        <a:font script="Osma" typeface="Ebrima"/>
+        <a:font script="Phag" typeface="Phagspa"/>
+        <a:font script="Syrn" typeface="Estrangelo Edessa"/>
+        <a:font script="Syrj" typeface="Estrangelo Edessa"/>
+        <a:font script="Syre" typeface="Estrangelo Edessa"/>
+        <a:font script="Sora" typeface="Nirmala UI"/>
+        <a:font script="Tale" typeface="Microsoft Tai Le"/>
+        <a:font script="Talu" typeface="Microsoft New Tai Lue"/>
+        <a:font script="Tfng" typeface="Ebrima"/>
+      </a:majorFont>
+      <a:minorFont>
+        <a:latin typeface="Calibri" panose="020F0502020204030204"/>
+        <a:ea typeface=""/>
+        <a:cs typeface=""/>
+        <a:font script="Jpan" typeface="游ゴシック"/>
+        <a:font script="Hang" typeface="맑은 고딕"/>
+        <a:font script="Hans" typeface="等线"/>
+        <a:font script="Hant" typeface="新細明體"/>
+        <a:font script="Arab" typeface="Arial"/>
+        <a:font script="Hebr" typeface="Arial"/>
+        <a:font script="Thai" typeface="Cordia New"/>
+        <a:font script="Ethi" typeface="Nyala"/>
+        <a:font script="Beng" typeface="Vrinda"/>
+        <a:font script="Gujr" typeface="Shruti"/>
+        <a:font script="Khmr" typeface="DaunPenh"/>
+        <a:font script="Knda" typeface="Tunga"/>
+        <a:font script="Guru" typeface="Raavi"/>
+        <a:font script="Cans" typeface="Euphemia"/>
+        <a:font script="Cher" typeface="Plantagenet Cherokee"/>
+        <a:font script="Yiii" typeface="Microsoft Yi Baiti"/>
+        <a:font script="Tibt" typeface="Microsoft Himalaya"/>
+        <a:font script="Thaa" typeface="MV Boli"/>
+        <a:font script="Deva" typeface="Mangal"/>
+        <a:font script="Telu" typeface="Gautami"/>
+        <a:font script="Taml" typeface="Latha"/>
+        <a:font script="Syrc" typeface="Estrangelo Edessa"/>
+        <a:font script="Orya" typeface="Kalinga"/>
+        <a:font script="Mlym" typeface="Kartika"/>
+        <a:font script="Laoo" typeface="DokChampa"/>
+        <a:font script="Sinh" typeface="Iskoola Pota"/>
+        <a:font script="Mong" typeface="Mongolian Baiti"/>
+        <a:font script="Viet" typeface="Arial"/>
+        <a:font script="Uigh" typeface="Microsoft Uighur"/>
+        <a:font script="Geor" typeface="Sylfaen"/>
+        <a:font script="Armn" typeface="Arial"/>
+        <a:font script="Bugi" typeface="Leelawadee UI"/>
+        <a:font script="Bopo" typeface="Microsoft JhengHei"/>
+        <a:font script="Java" typeface="Javanese Text"/>
+        <a:font script="Lisu" typeface="Segoe UI"/>
+        <a:font script="Mymr" typeface="Myanmar Text"/>
+        <a:font script="Nkoo" typeface="Ebrima"/>
+        <a:font script="Olck" typeface="Nirmala UI"/>
+        <a:font script="Osma" typeface="Ebrima"/>
+        <a:font script="Phag" typeface="Phagspa"/>
+        <a:font script="Syrn" typeface="Estrangelo Edessa"/>
+        <a:font script="Syrj" typeface="Estrangelo Edessa"/>
+        <a:font script="Syre" typeface="Estrangelo Edessa"/>
+        <a:font script="Sora" typeface="Nirmala UI"/>
+        <a:font script="Tale" typeface="Microsoft Tai Le"/>
+        <a:font script="Talu" typeface="Microsoft New Tai Lue"/>
+        <a:font script="Tfng" typeface="Ebrima"/>
+      </a:minorFont>
+    </a:fontScheme>
+    <a:fmtScheme name="Office">
+      <a:fillStyleLst>
+        <a:solidFill>
+          <a:schemeClr val="phClr"/>
+        </a:solidFill>
+        <a:gradFill rotWithShape="1">
+          <a:gsLst>
+            <a:gs pos="0">
+              <a:schemeClr val="phClr">
+                <a:lumMod val="110000"/>
+                <a:satMod val="105000"/>
+                <a:tint val="67000"/>
+              </a:schemeClr>
+            </a:gs>
+            <a:gs pos="50000">
+              <a:schemeClr val="phClr">
+                <a:lumMod val="105000"/>
+                <a:satMod val="103000"/>
+                <a:tint val="73000"/>
+              </a:schemeClr>
+            </a:gs>
+            <a:gs pos="100000">
+              <a:schemeClr val="phClr">
+                <a:lumMod val="105000"/>
+                <a:satMod val="109000"/>
+                <a:tint val="81000"/>
+              </a:schemeClr>
+            </a:gs>
+          </a:gsLst>
+          <a:lin ang="5400000" scaled="0"/>
+        </a:gradFill>
+        <a:gradFill rotWithShape="1">
+          <a:gsLst>
+            <a:gs pos="0">
+              <a:schemeClr val="phClr">
+                <a:satMod val="103000"/>
+                <a:lumMod val="102000"/>
+                <a:tint val="94000"/>
+              </a:schemeClr>
+            </a:gs>
+            <a:gs pos="50000">
+              <a:schemeClr val="phClr">
+                <a:satMod val="110000"/>
+                <a:lumMod val="100000"/>
+                <a:shade val="100000"/>
+              </a:schemeClr>
+            </a:gs>
+            <a:gs pos="100000">
+              <a:schemeClr val="phClr">
+                <a:lumMod val="99000"/>
+                <a:satMod val="120000"/>
+                <a:shade val="78000"/>
+              </a:schemeClr>
+            </a:gs>
+          </a:gsLst>
+          <a:lin ang="5400000" scaled="0"/>
+        </a:gradFill>
+      </a:fillStyleLst>
+      <a:lnStyleLst>
+        <a:ln w="6350" cap="flat" cmpd="sng" algn="ctr">
+          <a:solidFill>
+            <a:schemeClr val="phClr"/>
+          </a:solidFill>
+          <a:prstDash val="solid"/>
+          <a:miter lim="800000"/>
+        </a:ln>
+        <a:ln w="12700" cap="flat" cmpd="sng" algn="ctr">
+          <a:solidFill>
+            <a:schemeClr val="phClr"/>
+          </a:solidFill>
+          <a:prstDash val="solid"/>
+          <a:miter lim="800000"/>
+        </a:ln>
+        <a:ln w="19050" cap="flat" cmpd="sng" algn="ctr">
+          <a:solidFill>
+            <a:schemeClr val="phClr"/>
+          </a:solidFill>
+          <a:prstDash val="solid"/>
+          <a:miter lim="800000"/>
+        </a:ln>
+      </a:lnStyleLst>
+      <a:effectStyleLst>
+        <a:effectStyle>
+          <a:effectLst/>
+        </a:effectStyle>
+        <a:effectStyle>
+          <a:effectLst/>
+        </a:effectStyle>
+        <a:effectStyle>
+          <a:effectLst>
+            <a:outerShdw blurRad="57150" dist="19050" dir="5400000" algn="ctr" rotWithShape="0">
+              <a:srgbClr val="000000">
+                <a:alpha val="63000"/>
+              </a:srgbClr>
+            </a:outerShdw>
+          </a:effectLst>
+        </a:effectStyle>
+      </a:effectStyleLst>
+      <a:bgFillStyleLst>
+        <a:solidFill>
+          <a:schemeClr val="phClr"/>
+        </a:solidFill>
+        <a:solidFill>
+          <a:schemeClr val="phClr">
+            <a:tint val="95000"/>
+            <a:satMod val="170000"/>
+          </a:schemeClr>
+        </a:solidFill>
+        <a:gradFill rotWithShape="1">
+          <a:gsLst>
+            <a:gs pos="0">
+              <a:schemeClr val="phClr">
+                <a:tint val="93000"/>
+                <a:satMod val="150000"/>
+                <a:shade val="98000"/>
+                <a:lumMod val="102000"/>
+              </a:schemeClr>
+            </a:gs>
+            <a:gs pos="50000">
+              <a:schemeClr val="phClr">
+                <a:tint val="98000"/>
+                <a:satMod val="130000"/>
+                <a:shade val="90000"/>
+                <a:lumMod val="103000"/>
+              </a:schemeClr>
+            </a:gs>
+            <a:gs pos="100000">
+              <a:schemeClr val="phClr">
+                <a:shade val="63000"/>
+                <a:satMod val="120000"/>
+              </a:schemeClr>
+            </a:gs>
+          </a:gsLst>
+          <a:lin ang="5400000" scaled="0"/>
+        </a:gradFill>
+      </a:bgFillStyleLst>
+    </a:fmtScheme>
+  </a:themeElements>
+  <a:objectDefaults/>
+  <a:extraClrSchemeLst/>
+  <a:extLst>
+    <a:ext uri="{05A4C25C-085E-4340-85A3-A5531E510DB2}">
+      <thm15:themeFamily xmlns:thm15="http://schemas.microsoft.com/office/thememl/2012/main" name="Office Theme" id="{62F939B6-93AF-4DB8-9C6B-D6C7DFDC589F}" vid="{4A3C46E8-61CC-4603-A589-7422A47A8E4A}"/>
+    </a:ext>
+  </a:extLst>
+</a:theme>
 </file>